--- a/Документация/Презентация/Презентация.pptx
+++ b/Документация/Презентация/Презентация.pptx
@@ -13,16 +13,16 @@
     <p:sldId id="258" r:id="rId4"/>
     <p:sldId id="259" r:id="rId5"/>
     <p:sldId id="260" r:id="rId6"/>
-    <p:sldId id="262" r:id="rId7"/>
-    <p:sldId id="261" r:id="rId8"/>
-    <p:sldId id="263" r:id="rId9"/>
-    <p:sldId id="264" r:id="rId10"/>
-    <p:sldId id="265" r:id="rId11"/>
-    <p:sldId id="266" r:id="rId12"/>
-    <p:sldId id="267" r:id="rId13"/>
-    <p:sldId id="268" r:id="rId14"/>
-    <p:sldId id="269" r:id="rId15"/>
-    <p:sldId id="270" r:id="rId16"/>
+    <p:sldId id="271" r:id="rId7"/>
+    <p:sldId id="272" r:id="rId8"/>
+    <p:sldId id="273" r:id="rId9"/>
+    <p:sldId id="274" r:id="rId10"/>
+    <p:sldId id="275" r:id="rId11"/>
+    <p:sldId id="276" r:id="rId12"/>
+    <p:sldId id="277" r:id="rId13"/>
+    <p:sldId id="278" r:id="rId14"/>
+    <p:sldId id="270" r:id="rId15"/>
+    <p:sldId id="279" r:id="rId16"/>
   </p:sldIdLst>
   <p:sldSz cx="12192000" cy="6858000"/>
   <p:notesSz cx="6858000" cy="9144000"/>
@@ -211,7 +211,7 @@
           <a:p>
             <a:fld id="{1CCEF26F-8E0A-4EE7-8C2C-AD0AC02C7F64}" type="datetimeFigureOut">
               <a:rPr lang="ru-RU" smtClean="0"/>
-              <a:t>12.03.2024</a:t>
+              <a:t>17.03.2024</a:t>
             </a:fld>
             <a:endParaRPr lang="ru-RU"/>
           </a:p>
@@ -625,7 +625,7 @@
           <a:p>
             <a:fld id="{9E41A807-5ABD-475D-9A61-7EB9CE79F667}" type="datetimeFigureOut">
               <a:rPr lang="ru-RU" smtClean="0"/>
-              <a:t>12.03.2024</a:t>
+              <a:t>17.03.2024</a:t>
             </a:fld>
             <a:endParaRPr lang="ru-RU"/>
           </a:p>
@@ -823,7 +823,7 @@
           <a:p>
             <a:fld id="{9E41A807-5ABD-475D-9A61-7EB9CE79F667}" type="datetimeFigureOut">
               <a:rPr lang="ru-RU" smtClean="0"/>
-              <a:t>12.03.2024</a:t>
+              <a:t>17.03.2024</a:t>
             </a:fld>
             <a:endParaRPr lang="ru-RU"/>
           </a:p>
@@ -1031,7 +1031,7 @@
           <a:p>
             <a:fld id="{9E41A807-5ABD-475D-9A61-7EB9CE79F667}" type="datetimeFigureOut">
               <a:rPr lang="ru-RU" smtClean="0"/>
-              <a:t>12.03.2024</a:t>
+              <a:t>17.03.2024</a:t>
             </a:fld>
             <a:endParaRPr lang="ru-RU"/>
           </a:p>
@@ -1229,7 +1229,7 @@
           <a:p>
             <a:fld id="{9E41A807-5ABD-475D-9A61-7EB9CE79F667}" type="datetimeFigureOut">
               <a:rPr lang="ru-RU" smtClean="0"/>
-              <a:t>12.03.2024</a:t>
+              <a:t>17.03.2024</a:t>
             </a:fld>
             <a:endParaRPr lang="ru-RU"/>
           </a:p>
@@ -1504,7 +1504,7 @@
           <a:p>
             <a:fld id="{9E41A807-5ABD-475D-9A61-7EB9CE79F667}" type="datetimeFigureOut">
               <a:rPr lang="ru-RU" smtClean="0"/>
-              <a:t>12.03.2024</a:t>
+              <a:t>17.03.2024</a:t>
             </a:fld>
             <a:endParaRPr lang="ru-RU"/>
           </a:p>
@@ -1769,7 +1769,7 @@
           <a:p>
             <a:fld id="{9E41A807-5ABD-475D-9A61-7EB9CE79F667}" type="datetimeFigureOut">
               <a:rPr lang="ru-RU" smtClean="0"/>
-              <a:t>12.03.2024</a:t>
+              <a:t>17.03.2024</a:t>
             </a:fld>
             <a:endParaRPr lang="ru-RU"/>
           </a:p>
@@ -2181,7 +2181,7 @@
           <a:p>
             <a:fld id="{9E41A807-5ABD-475D-9A61-7EB9CE79F667}" type="datetimeFigureOut">
               <a:rPr lang="ru-RU" smtClean="0"/>
-              <a:t>12.03.2024</a:t>
+              <a:t>17.03.2024</a:t>
             </a:fld>
             <a:endParaRPr lang="ru-RU"/>
           </a:p>
@@ -2322,7 +2322,7 @@
           <a:p>
             <a:fld id="{9E41A807-5ABD-475D-9A61-7EB9CE79F667}" type="datetimeFigureOut">
               <a:rPr lang="ru-RU" smtClean="0"/>
-              <a:t>12.03.2024</a:t>
+              <a:t>17.03.2024</a:t>
             </a:fld>
             <a:endParaRPr lang="ru-RU"/>
           </a:p>
@@ -2435,7 +2435,7 @@
           <a:p>
             <a:fld id="{9E41A807-5ABD-475D-9A61-7EB9CE79F667}" type="datetimeFigureOut">
               <a:rPr lang="ru-RU" smtClean="0"/>
-              <a:t>12.03.2024</a:t>
+              <a:t>17.03.2024</a:t>
             </a:fld>
             <a:endParaRPr lang="ru-RU"/>
           </a:p>
@@ -2746,7 +2746,7 @@
           <a:p>
             <a:fld id="{9E41A807-5ABD-475D-9A61-7EB9CE79F667}" type="datetimeFigureOut">
               <a:rPr lang="ru-RU" smtClean="0"/>
-              <a:t>12.03.2024</a:t>
+              <a:t>17.03.2024</a:t>
             </a:fld>
             <a:endParaRPr lang="ru-RU"/>
           </a:p>
@@ -3034,7 +3034,7 @@
           <a:p>
             <a:fld id="{9E41A807-5ABD-475D-9A61-7EB9CE79F667}" type="datetimeFigureOut">
               <a:rPr lang="ru-RU" smtClean="0"/>
-              <a:t>12.03.2024</a:t>
+              <a:t>17.03.2024</a:t>
             </a:fld>
             <a:endParaRPr lang="ru-RU"/>
           </a:p>
@@ -3275,7 +3275,7 @@
           <a:p>
             <a:fld id="{9E41A807-5ABD-475D-9A61-7EB9CE79F667}" type="datetimeFigureOut">
               <a:rPr lang="ru-RU" smtClean="0"/>
-              <a:t>12.03.2024</a:t>
+              <a:t>17.03.2024</a:t>
             </a:fld>
             <a:endParaRPr lang="ru-RU"/>
           </a:p>
@@ -3694,110 +3694,236 @@
       </p:grpSpPr>
       <p:sp>
         <p:nvSpPr>
-          <p:cNvPr id="2" name="Заголовок 1">
-            <a:extLst>
-              <a:ext uri="{FF2B5EF4-FFF2-40B4-BE49-F238E27FC236}">
-                <a16:creationId xmlns:a16="http://schemas.microsoft.com/office/drawing/2014/main" id="{9B38E558-0743-F216-4E8E-2770E13DE4D8}"/>
-              </a:ext>
-            </a:extLst>
-          </p:cNvPr>
-          <p:cNvSpPr>
-            <a:spLocks noGrp="1"/>
-          </p:cNvSpPr>
-          <p:nvPr>
-            <p:ph type="ctrTitle"/>
-          </p:nvPr>
-        </p:nvSpPr>
-        <p:spPr>
-          <a:xfrm>
-            <a:off x="2825750" y="2438399"/>
-            <a:ext cx="6451600" cy="1771651"/>
-          </a:xfrm>
-        </p:spPr>
-        <p:txBody>
-          <a:bodyPr>
-            <a:noAutofit/>
+          <p:cNvPr id="29" name="AutoShape 2">
+            <a:extLst>
+              <a:ext uri="{FF2B5EF4-FFF2-40B4-BE49-F238E27FC236}">
+                <a16:creationId xmlns:a16="http://schemas.microsoft.com/office/drawing/2014/main" id="{3A7CD3EC-98EA-C8EB-DA56-D1F35E02162F}"/>
+              </a:ext>
+            </a:extLst>
+          </p:cNvPr>
+          <p:cNvSpPr/>
+          <p:nvPr/>
+        </p:nvSpPr>
+        <p:spPr>
+          <a:xfrm>
+            <a:off x="685800" y="6159500"/>
+            <a:ext cx="10820400" cy="0"/>
+          </a:xfrm>
+          <a:prstGeom prst="line">
+            <a:avLst/>
+          </a:prstGeom>
+          <a:ln w="19050" cap="flat">
+            <a:solidFill>
+              <a:srgbClr val="000000"/>
+            </a:solidFill>
+            <a:prstDash val="solid"/>
+            <a:headEnd type="none" w="sm" len="sm"/>
+            <a:tailEnd type="none" w="sm" len="sm"/>
+          </a:ln>
+        </p:spPr>
+      </p:sp>
+      <p:sp>
+        <p:nvSpPr>
+          <p:cNvPr id="30" name="AutoShape 3">
+            <a:extLst>
+              <a:ext uri="{FF2B5EF4-FFF2-40B4-BE49-F238E27FC236}">
+                <a16:creationId xmlns:a16="http://schemas.microsoft.com/office/drawing/2014/main" id="{83056ACD-86C3-64AB-99D1-A37F5A4F57CE}"/>
+              </a:ext>
+            </a:extLst>
+          </p:cNvPr>
+          <p:cNvSpPr/>
+          <p:nvPr/>
+        </p:nvSpPr>
+        <p:spPr>
+          <a:xfrm>
+            <a:off x="685800" y="5639372"/>
+            <a:ext cx="10820400" cy="0"/>
+          </a:xfrm>
+          <a:prstGeom prst="line">
+            <a:avLst/>
+          </a:prstGeom>
+          <a:ln w="19050" cap="flat">
+            <a:solidFill>
+              <a:srgbClr val="000000"/>
+            </a:solidFill>
+            <a:prstDash val="solid"/>
+            <a:headEnd type="none" w="sm" len="sm"/>
+            <a:tailEnd type="none" w="sm" len="sm"/>
+          </a:ln>
+        </p:spPr>
+      </p:sp>
+      <p:sp>
+        <p:nvSpPr>
+          <p:cNvPr id="31" name="AutoShape 4">
+            <a:extLst>
+              <a:ext uri="{FF2B5EF4-FFF2-40B4-BE49-F238E27FC236}">
+                <a16:creationId xmlns:a16="http://schemas.microsoft.com/office/drawing/2014/main" id="{CA9D841A-BB8D-824D-276E-6BA575F777DB}"/>
+              </a:ext>
+            </a:extLst>
+          </p:cNvPr>
+          <p:cNvSpPr/>
+          <p:nvPr/>
+        </p:nvSpPr>
+        <p:spPr>
+          <a:xfrm>
+            <a:off x="685800" y="685800"/>
+            <a:ext cx="10820400" cy="0"/>
+          </a:xfrm>
+          <a:prstGeom prst="line">
+            <a:avLst/>
+          </a:prstGeom>
+          <a:ln w="19050" cap="flat">
+            <a:solidFill>
+              <a:srgbClr val="000000"/>
+            </a:solidFill>
+            <a:prstDash val="solid"/>
+            <a:headEnd type="none" w="sm" len="sm"/>
+            <a:tailEnd type="none" w="sm" len="sm"/>
+          </a:ln>
+        </p:spPr>
+      </p:sp>
+      <p:sp>
+        <p:nvSpPr>
+          <p:cNvPr id="32" name="TextBox 5">
+            <a:extLst>
+              <a:ext uri="{FF2B5EF4-FFF2-40B4-BE49-F238E27FC236}">
+                <a16:creationId xmlns:a16="http://schemas.microsoft.com/office/drawing/2014/main" id="{50BD1390-BE56-1ECC-2D9E-6604CB5F0C5D}"/>
+              </a:ext>
+            </a:extLst>
+          </p:cNvPr>
+          <p:cNvSpPr txBox="1"/>
+          <p:nvPr/>
+        </p:nvSpPr>
+        <p:spPr>
+          <a:xfrm>
+            <a:off x="736600" y="5777608"/>
+            <a:ext cx="10718800" cy="243656"/>
+          </a:xfrm>
+          <a:prstGeom prst="rect">
+            <a:avLst/>
+          </a:prstGeom>
+        </p:spPr>
+        <p:txBody>
+          <a:bodyPr wrap="square" lIns="0" tIns="0" rIns="0" bIns="0" rtlCol="0" anchor="t">
+            <a:spAutoFit/>
           </a:bodyPr>
           <a:lstStyle/>
           <a:p>
-            <a:r>
-              <a:rPr lang="en-US" sz="12800" dirty="0" err="1">
-                <a:latin typeface="Fahkwang" panose="00000500000000000000" pitchFamily="2" charset="-34"/>
-                <a:cs typeface="Fahkwang" panose="00000500000000000000" pitchFamily="2" charset="-34"/>
-              </a:rPr>
-              <a:t>Lindéro</a:t>
-            </a:r>
-            <a:endParaRPr lang="ru-RU" sz="12800" dirty="0">
-              <a:cs typeface="Fahkwang" panose="00000500000000000000" pitchFamily="2" charset="-34"/>
+            <a:pPr>
+              <a:lnSpc>
+                <a:spcPts val="1867"/>
+              </a:lnSpc>
+            </a:pPr>
+            <a:r>
+              <a:rPr lang="en-US" sz="1600" spc="400" dirty="0">
+                <a:solidFill>
+                  <a:srgbClr val="000000"/>
+                </a:solidFill>
+                <a:latin typeface="Helvetica" panose="020B0604020202020204" pitchFamily="2" charset="0"/>
+              </a:rPr>
+              <a:t>КОРОБЕЙНИКОВА</a:t>
+            </a:r>
+            <a:r>
+              <a:rPr lang="ru-RU" sz="1600" spc="400" dirty="0">
+                <a:solidFill>
+                  <a:srgbClr val="000000"/>
+                </a:solidFill>
+                <a:latin typeface="Helvetica" panose="020B0604020202020204" pitchFamily="2" charset="0"/>
+              </a:rPr>
+              <a:t> </a:t>
+            </a:r>
+            <a:r>
+              <a:rPr lang="en-US" sz="1600" spc="400" dirty="0">
+                <a:solidFill>
+                  <a:srgbClr val="000000"/>
+                </a:solidFill>
+                <a:latin typeface="Helvetica" panose="020B0604020202020204" pitchFamily="2" charset="0"/>
+              </a:rPr>
+              <a:t>АНАСТАСИЯ</a:t>
+            </a:r>
+            <a:r>
+              <a:rPr lang="ru-RU" sz="1600" spc="400" dirty="0">
+                <a:solidFill>
+                  <a:srgbClr val="000000"/>
+                </a:solidFill>
+                <a:latin typeface="Helvetica" panose="020B0604020202020204" pitchFamily="2" charset="0"/>
+              </a:rPr>
+              <a:t>     ЛЮБЧЕНКО ЕЛИЗАВЕТА </a:t>
+            </a:r>
+            <a:r>
+              <a:rPr lang="en-US" sz="1600" spc="400" dirty="0">
+                <a:solidFill>
+                  <a:srgbClr val="000000"/>
+                </a:solidFill>
+                <a:latin typeface="Helvetica" panose="020B0604020202020204" pitchFamily="2" charset="0"/>
+              </a:rPr>
+              <a:t> </a:t>
+            </a:r>
+            <a:r>
+              <a:rPr lang="ru-RU" sz="1600" spc="400" dirty="0">
+                <a:solidFill>
+                  <a:srgbClr val="000000"/>
+                </a:solidFill>
+                <a:latin typeface="Helvetica" panose="020B0604020202020204" pitchFamily="2" charset="0"/>
+              </a:rPr>
+              <a:t>   ШЕИНА ЕЛЕНА</a:t>
+            </a:r>
+            <a:endParaRPr lang="en-US" sz="1600" spc="400" dirty="0">
+              <a:solidFill>
+                <a:srgbClr val="000000"/>
+              </a:solidFill>
+              <a:latin typeface="Helvetica" panose="020B0604020202020204" pitchFamily="2" charset="0"/>
             </a:endParaRPr>
           </a:p>
         </p:txBody>
       </p:sp>
       <p:sp>
         <p:nvSpPr>
-          <p:cNvPr id="3" name="Подзаголовок 2">
-            <a:extLst>
-              <a:ext uri="{FF2B5EF4-FFF2-40B4-BE49-F238E27FC236}">
-                <a16:creationId xmlns:a16="http://schemas.microsoft.com/office/drawing/2014/main" id="{47B3F941-9046-B2B3-9532-44ECFD49491A}"/>
-              </a:ext>
-            </a:extLst>
-          </p:cNvPr>
-          <p:cNvSpPr>
-            <a:spLocks noGrp="1"/>
-          </p:cNvSpPr>
-          <p:nvPr>
-            <p:ph type="subTitle" idx="1"/>
-          </p:nvPr>
-        </p:nvSpPr>
-        <p:spPr>
-          <a:xfrm>
-            <a:off x="5618108" y="4404735"/>
-            <a:ext cx="5683250" cy="1655762"/>
-          </a:xfrm>
-        </p:spPr>
-        <p:txBody>
-          <a:bodyPr>
-            <a:noAutofit/>
+          <p:cNvPr id="33" name="TextBox 6">
+            <a:extLst>
+              <a:ext uri="{FF2B5EF4-FFF2-40B4-BE49-F238E27FC236}">
+                <a16:creationId xmlns:a16="http://schemas.microsoft.com/office/drawing/2014/main" id="{0FA37EE9-3CF6-D102-CA33-40B35AA14092}"/>
+              </a:ext>
+            </a:extLst>
+          </p:cNvPr>
+          <p:cNvSpPr txBox="1"/>
+          <p:nvPr/>
+        </p:nvSpPr>
+        <p:spPr>
+          <a:xfrm>
+            <a:off x="1530359" y="2211048"/>
+            <a:ext cx="9131283" cy="2175404"/>
+          </a:xfrm>
+          <a:prstGeom prst="rect">
+            <a:avLst/>
+          </a:prstGeom>
+        </p:spPr>
+        <p:txBody>
+          <a:bodyPr lIns="0" tIns="0" rIns="0" bIns="0" rtlCol="0" anchor="t">
+            <a:spAutoFit/>
           </a:bodyPr>
           <a:lstStyle/>
           <a:p>
-            <a:pPr algn="r">
-              <a:lnSpc>
-                <a:spcPct val="125000"/>
+            <a:pPr algn="ctr">
+              <a:lnSpc>
+                <a:spcPts val="17988"/>
               </a:lnSpc>
             </a:pPr>
             <a:r>
-              <a:rPr lang="ru-RU" dirty="0">
-                <a:latin typeface="Helvetica" panose="020B0604020202020204" pitchFamily="2" charset="0"/>
-              </a:rPr>
-              <a:t>Коробейникова Анастасия</a:t>
-            </a:r>
-          </a:p>
-          <a:p>
-            <a:pPr algn="r">
-              <a:lnSpc>
-                <a:spcPct val="125000"/>
-              </a:lnSpc>
-            </a:pPr>
-            <a:r>
-              <a:rPr lang="ru-RU" dirty="0">
-                <a:latin typeface="Helvetica" panose="020B0604020202020204" pitchFamily="2" charset="0"/>
-              </a:rPr>
-              <a:t>Любченко Елизавета</a:t>
-            </a:r>
-          </a:p>
-          <a:p>
-            <a:pPr algn="r">
-              <a:lnSpc>
-                <a:spcPct val="125000"/>
-              </a:lnSpc>
-            </a:pPr>
-            <a:r>
-              <a:rPr lang="ru-RU" dirty="0">
-                <a:latin typeface="Helvetica" panose="020B0604020202020204" pitchFamily="2" charset="0"/>
-              </a:rPr>
-              <a:t>Шеина Елена</a:t>
-            </a:r>
+              <a:rPr lang="en-US" sz="12849" spc="-925" dirty="0" err="1">
+                <a:solidFill>
+                  <a:srgbClr val="000000"/>
+                </a:solidFill>
+                <a:latin typeface="Fahkwang"/>
+              </a:rPr>
+              <a:t>Lindéro</a:t>
+            </a:r>
+            <a:endParaRPr lang="en-US" sz="12849" spc="-925" dirty="0">
+              <a:solidFill>
+                <a:srgbClr val="000000"/>
+              </a:solidFill>
+              <a:latin typeface="Fahkwang"/>
+            </a:endParaRPr>
           </a:p>
         </p:txBody>
       </p:sp>
@@ -3833,50 +3959,10 @@
       </p:grpSpPr>
       <p:sp>
         <p:nvSpPr>
-          <p:cNvPr id="2" name="Заголовок 1">
-            <a:extLst>
-              <a:ext uri="{FF2B5EF4-FFF2-40B4-BE49-F238E27FC236}">
-                <a16:creationId xmlns:a16="http://schemas.microsoft.com/office/drawing/2014/main" id="{97F2B76D-03A2-122D-1A97-BC93E2E7D80A}"/>
-              </a:ext>
-            </a:extLst>
-          </p:cNvPr>
-          <p:cNvSpPr>
-            <a:spLocks noGrp="1"/>
-          </p:cNvSpPr>
-          <p:nvPr>
-            <p:ph type="title"/>
-          </p:nvPr>
-        </p:nvSpPr>
-        <p:spPr>
-          <a:xfrm>
-            <a:off x="1184275" y="630237"/>
-            <a:ext cx="9296400" cy="928688"/>
-          </a:xfrm>
-        </p:spPr>
-        <p:txBody>
-          <a:bodyPr>
-            <a:normAutofit/>
-          </a:bodyPr>
-          <a:lstStyle/>
-          <a:p>
-            <a:r>
-              <a:rPr lang="ru-RU" sz="3600" b="1" spc="100" dirty="0">
-                <a:latin typeface="Helvetica" panose="020B0604020202020204" pitchFamily="2" charset="0"/>
-              </a:rPr>
-              <a:t>Прототип профиля</a:t>
-            </a:r>
-            <a:endParaRPr lang="ru-RU" sz="3600" b="1" dirty="0">
-              <a:latin typeface="Helvetica" panose="020B0604020202020204" pitchFamily="2" charset="0"/>
-            </a:endParaRPr>
-          </a:p>
-        </p:txBody>
-      </p:sp>
-      <p:sp>
-        <p:nvSpPr>
           <p:cNvPr id="4" name="Заголовок 1">
             <a:extLst>
               <a:ext uri="{FF2B5EF4-FFF2-40B4-BE49-F238E27FC236}">
-                <a16:creationId xmlns:a16="http://schemas.microsoft.com/office/drawing/2014/main" id="{441AA6CC-433C-B23D-CB01-A1D91079C13C}"/>
+                <a16:creationId xmlns:a16="http://schemas.microsoft.com/office/drawing/2014/main" id="{08809879-027E-65BF-B079-6AA3DAD5AA00}"/>
               </a:ext>
             </a:extLst>
           </p:cNvPr>
@@ -3887,8 +3973,8 @@
         </p:nvSpPr>
         <p:spPr>
           <a:xfrm>
-            <a:off x="9796895" y="5689098"/>
-            <a:ext cx="1367560" cy="832427"/>
+            <a:off x="609600" y="5718421"/>
+            <a:ext cx="1367560" cy="362025"/>
           </a:xfrm>
           <a:prstGeom prst="rect">
             <a:avLst/>
@@ -3933,10 +4019,10 @@
       </p:sp>
       <p:sp>
         <p:nvSpPr>
-          <p:cNvPr id="5" name="TextBox 4">
-            <a:extLst>
-              <a:ext uri="{FF2B5EF4-FFF2-40B4-BE49-F238E27FC236}">
-                <a16:creationId xmlns:a16="http://schemas.microsoft.com/office/drawing/2014/main" id="{F25D8690-9835-7609-A311-A98FE5D497CC}"/>
+          <p:cNvPr id="7" name="TextBox 6">
+            <a:extLst>
+              <a:ext uri="{FF2B5EF4-FFF2-40B4-BE49-F238E27FC236}">
+                <a16:creationId xmlns:a16="http://schemas.microsoft.com/office/drawing/2014/main" id="{09AE2FA2-DEF9-5A38-DCBB-6F3F8360E242}"/>
               </a:ext>
             </a:extLst>
           </p:cNvPr>
@@ -3945,8 +4031,8 @@
         </p:nvSpPr>
         <p:spPr>
           <a:xfrm>
-            <a:off x="5608782" y="5874478"/>
-            <a:ext cx="974436" cy="461665"/>
+            <a:off x="10585450" y="5668600"/>
+            <a:ext cx="996950" cy="461665"/>
           </a:xfrm>
           <a:prstGeom prst="rect">
             <a:avLst/>
@@ -3970,76 +4056,346 @@
               <a:rPr lang="en-US" sz="2400" dirty="0">
                 <a:latin typeface="Helvetica" panose="020B0604020202020204" pitchFamily="2" charset="0"/>
               </a:rPr>
-              <a:t>/15</a:t>
+              <a:t>/1</a:t>
+            </a:r>
+            <a:r>
+              <a:rPr lang="ru-RU" sz="2400" dirty="0">
+                <a:latin typeface="Helvetica" panose="020B0604020202020204" pitchFamily="2" charset="0"/>
+              </a:rPr>
+              <a:t>5</a:t>
             </a:r>
             <a:endParaRPr lang="ru-RU" sz="2400" dirty="0"/>
           </a:p>
         </p:txBody>
       </p:sp>
-      <p:pic>
-        <p:nvPicPr>
-          <p:cNvPr id="8" name="Рисунок 7">
-            <a:extLst>
-              <a:ext uri="{FF2B5EF4-FFF2-40B4-BE49-F238E27FC236}">
-                <a16:creationId xmlns:a16="http://schemas.microsoft.com/office/drawing/2014/main" id="{D6447E11-7B07-5CB1-A46F-3D684548F5EF}"/>
-              </a:ext>
-            </a:extLst>
-          </p:cNvPr>
-          <p:cNvPicPr>
-            <a:picLocks noChangeAspect="1"/>
-          </p:cNvPicPr>
+      <p:sp>
+        <p:nvSpPr>
+          <p:cNvPr id="8" name="AutoShape 2">
+            <a:extLst>
+              <a:ext uri="{FF2B5EF4-FFF2-40B4-BE49-F238E27FC236}">
+                <a16:creationId xmlns:a16="http://schemas.microsoft.com/office/drawing/2014/main" id="{A60D3E77-0048-315A-E5CA-9D1A513B3776}"/>
+              </a:ext>
+            </a:extLst>
+          </p:cNvPr>
+          <p:cNvSpPr/>
           <p:nvPr/>
-        </p:nvPicPr>
-        <p:blipFill>
-          <a:blip r:embed="rId2"/>
-          <a:stretch>
-            <a:fillRect/>
-          </a:stretch>
-        </p:blipFill>
-        <p:spPr>
-          <a:xfrm>
-            <a:off x="1293091" y="1558925"/>
-            <a:ext cx="3869866" cy="4315553"/>
+        </p:nvSpPr>
+        <p:spPr>
+          <a:xfrm>
+            <a:off x="685800" y="6159500"/>
+            <a:ext cx="10820400" cy="0"/>
+          </a:xfrm>
+          <a:prstGeom prst="line">
+            <a:avLst/>
+          </a:prstGeom>
+          <a:ln w="19050" cap="flat">
+            <a:solidFill>
+              <a:srgbClr val="000000"/>
+            </a:solidFill>
+            <a:prstDash val="solid"/>
+            <a:headEnd type="none" w="sm" len="sm"/>
+            <a:tailEnd type="none" w="sm" len="sm"/>
+          </a:ln>
+        </p:spPr>
+      </p:sp>
+      <p:sp>
+        <p:nvSpPr>
+          <p:cNvPr id="9" name="AutoShape 4">
+            <a:extLst>
+              <a:ext uri="{FF2B5EF4-FFF2-40B4-BE49-F238E27FC236}">
+                <a16:creationId xmlns:a16="http://schemas.microsoft.com/office/drawing/2014/main" id="{B813AABC-AE19-6AC0-B4D5-29670EF120B5}"/>
+              </a:ext>
+            </a:extLst>
+          </p:cNvPr>
+          <p:cNvSpPr/>
+          <p:nvPr/>
+        </p:nvSpPr>
+        <p:spPr>
+          <a:xfrm>
+            <a:off x="685800" y="685800"/>
+            <a:ext cx="10820400" cy="0"/>
+          </a:xfrm>
+          <a:prstGeom prst="line">
+            <a:avLst/>
+          </a:prstGeom>
+          <a:ln w="19050" cap="flat">
+            <a:solidFill>
+              <a:srgbClr val="000000"/>
+            </a:solidFill>
+            <a:prstDash val="solid"/>
+            <a:headEnd type="none" w="sm" len="sm"/>
+            <a:tailEnd type="none" w="sm" len="sm"/>
+          </a:ln>
+        </p:spPr>
+      </p:sp>
+      <p:sp>
+        <p:nvSpPr>
+          <p:cNvPr id="10" name="Заголовок 1">
+            <a:extLst>
+              <a:ext uri="{FF2B5EF4-FFF2-40B4-BE49-F238E27FC236}">
+                <a16:creationId xmlns:a16="http://schemas.microsoft.com/office/drawing/2014/main" id="{2F77F458-4884-8591-1A08-0E6A076DB56A}"/>
+              </a:ext>
+            </a:extLst>
+          </p:cNvPr>
+          <p:cNvSpPr txBox="1">
+            <a:spLocks/>
+          </p:cNvSpPr>
+          <p:nvPr/>
+        </p:nvSpPr>
+        <p:spPr>
+          <a:xfrm>
+            <a:off x="609600" y="1364864"/>
+            <a:ext cx="9296400" cy="928688"/>
           </a:xfrm>
           <a:prstGeom prst="rect">
             <a:avLst/>
           </a:prstGeom>
         </p:spPr>
-      </p:pic>
-      <p:pic>
-        <p:nvPicPr>
-          <p:cNvPr id="10" name="Рисунок 9">
-            <a:extLst>
-              <a:ext uri="{FF2B5EF4-FFF2-40B4-BE49-F238E27FC236}">
-                <a16:creationId xmlns:a16="http://schemas.microsoft.com/office/drawing/2014/main" id="{D443F6A6-32E1-28D6-E7F5-8FB4CE165699}"/>
-              </a:ext>
-            </a:extLst>
-          </p:cNvPr>
-          <p:cNvPicPr>
-            <a:picLocks noChangeAspect="1"/>
-          </p:cNvPicPr>
+        <p:txBody>
+          <a:bodyPr vert="horz" lIns="91440" tIns="45720" rIns="91440" bIns="45720" rtlCol="0" anchor="ctr">
+            <a:normAutofit/>
+          </a:bodyPr>
+          <a:lstStyle>
+            <a:lvl1pPr algn="l" defTabSz="914400" rtl="0" eaLnBrk="1" latinLnBrk="0" hangingPunct="1">
+              <a:lnSpc>
+                <a:spcPct val="90000"/>
+              </a:lnSpc>
+              <a:spcBef>
+                <a:spcPct val="0"/>
+              </a:spcBef>
+              <a:buNone/>
+              <a:defRPr sz="4400" kern="1200">
+                <a:solidFill>
+                  <a:schemeClr val="tx1"/>
+                </a:solidFill>
+                <a:latin typeface="+mj-lt"/>
+                <a:ea typeface="+mj-ea"/>
+                <a:cs typeface="+mj-cs"/>
+              </a:defRPr>
+            </a:lvl1pPr>
+          </a:lstStyle>
+          <a:p>
+            <a:r>
+              <a:rPr lang="ru-RU" sz="3600" b="1" spc="100" dirty="0">
+                <a:latin typeface="Helvetica" panose="020B0604020202020204" pitchFamily="2" charset="0"/>
+              </a:rPr>
+              <a:t>БИЗНЕС МОДЕЛЬ</a:t>
+            </a:r>
+          </a:p>
+        </p:txBody>
+      </p:sp>
+      <p:sp>
+        <p:nvSpPr>
+          <p:cNvPr id="11" name="Объект 2">
+            <a:extLst>
+              <a:ext uri="{FF2B5EF4-FFF2-40B4-BE49-F238E27FC236}">
+                <a16:creationId xmlns:a16="http://schemas.microsoft.com/office/drawing/2014/main" id="{16056D76-2896-D12B-5453-83DF1575AB7B}"/>
+              </a:ext>
+            </a:extLst>
+          </p:cNvPr>
+          <p:cNvSpPr txBox="1">
+            <a:spLocks/>
+          </p:cNvSpPr>
           <p:nvPr/>
-        </p:nvPicPr>
-        <p:blipFill>
-          <a:blip r:embed="rId3"/>
-          <a:stretch>
-            <a:fillRect/>
-          </a:stretch>
-        </p:blipFill>
-        <p:spPr>
-          <a:xfrm>
-            <a:off x="5902560" y="1558925"/>
-            <a:ext cx="5261895" cy="4315552"/>
+        </p:nvSpPr>
+        <p:spPr>
+          <a:xfrm>
+            <a:off x="609600" y="2372604"/>
+            <a:ext cx="10896600" cy="2225675"/>
           </a:xfrm>
           <a:prstGeom prst="rect">
             <a:avLst/>
           </a:prstGeom>
         </p:spPr>
-      </p:pic>
+        <p:txBody>
+          <a:bodyPr vert="horz" lIns="91440" tIns="45720" rIns="91440" bIns="45720" rtlCol="0">
+            <a:normAutofit/>
+          </a:bodyPr>
+          <a:lstStyle>
+            <a:lvl1pPr marL="228600" indent="-228600" algn="l" defTabSz="914400" rtl="0" eaLnBrk="1" latinLnBrk="0" hangingPunct="1">
+              <a:lnSpc>
+                <a:spcPct val="90000"/>
+              </a:lnSpc>
+              <a:spcBef>
+                <a:spcPts val="1000"/>
+              </a:spcBef>
+              <a:buFont typeface="Arial" panose="020B0604020202020204" pitchFamily="34" charset="0"/>
+              <a:buChar char="•"/>
+              <a:defRPr sz="2800" kern="1200">
+                <a:solidFill>
+                  <a:schemeClr val="tx1"/>
+                </a:solidFill>
+                <a:latin typeface="+mn-lt"/>
+                <a:ea typeface="+mn-ea"/>
+                <a:cs typeface="+mn-cs"/>
+              </a:defRPr>
+            </a:lvl1pPr>
+            <a:lvl2pPr marL="685800" indent="-228600" algn="l" defTabSz="914400" rtl="0" eaLnBrk="1" latinLnBrk="0" hangingPunct="1">
+              <a:lnSpc>
+                <a:spcPct val="90000"/>
+              </a:lnSpc>
+              <a:spcBef>
+                <a:spcPts val="500"/>
+              </a:spcBef>
+              <a:buFont typeface="Arial" panose="020B0604020202020204" pitchFamily="34" charset="0"/>
+              <a:buChar char="•"/>
+              <a:defRPr sz="2400" kern="1200">
+                <a:solidFill>
+                  <a:schemeClr val="tx1"/>
+                </a:solidFill>
+                <a:latin typeface="+mn-lt"/>
+                <a:ea typeface="+mn-ea"/>
+                <a:cs typeface="+mn-cs"/>
+              </a:defRPr>
+            </a:lvl2pPr>
+            <a:lvl3pPr marL="1143000" indent="-228600" algn="l" defTabSz="914400" rtl="0" eaLnBrk="1" latinLnBrk="0" hangingPunct="1">
+              <a:lnSpc>
+                <a:spcPct val="90000"/>
+              </a:lnSpc>
+              <a:spcBef>
+                <a:spcPts val="500"/>
+              </a:spcBef>
+              <a:buFont typeface="Arial" panose="020B0604020202020204" pitchFamily="34" charset="0"/>
+              <a:buChar char="•"/>
+              <a:defRPr sz="2000" kern="1200">
+                <a:solidFill>
+                  <a:schemeClr val="tx1"/>
+                </a:solidFill>
+                <a:latin typeface="+mn-lt"/>
+                <a:ea typeface="+mn-ea"/>
+                <a:cs typeface="+mn-cs"/>
+              </a:defRPr>
+            </a:lvl3pPr>
+            <a:lvl4pPr marL="1600200" indent="-228600" algn="l" defTabSz="914400" rtl="0" eaLnBrk="1" latinLnBrk="0" hangingPunct="1">
+              <a:lnSpc>
+                <a:spcPct val="90000"/>
+              </a:lnSpc>
+              <a:spcBef>
+                <a:spcPts val="500"/>
+              </a:spcBef>
+              <a:buFont typeface="Arial" panose="020B0604020202020204" pitchFamily="34" charset="0"/>
+              <a:buChar char="•"/>
+              <a:defRPr sz="1800" kern="1200">
+                <a:solidFill>
+                  <a:schemeClr val="tx1"/>
+                </a:solidFill>
+                <a:latin typeface="+mn-lt"/>
+                <a:ea typeface="+mn-ea"/>
+                <a:cs typeface="+mn-cs"/>
+              </a:defRPr>
+            </a:lvl4pPr>
+            <a:lvl5pPr marL="2057400" indent="-228600" algn="l" defTabSz="914400" rtl="0" eaLnBrk="1" latinLnBrk="0" hangingPunct="1">
+              <a:lnSpc>
+                <a:spcPct val="90000"/>
+              </a:lnSpc>
+              <a:spcBef>
+                <a:spcPts val="500"/>
+              </a:spcBef>
+              <a:buFont typeface="Arial" panose="020B0604020202020204" pitchFamily="34" charset="0"/>
+              <a:buChar char="•"/>
+              <a:defRPr sz="1800" kern="1200">
+                <a:solidFill>
+                  <a:schemeClr val="tx1"/>
+                </a:solidFill>
+                <a:latin typeface="+mn-lt"/>
+                <a:ea typeface="+mn-ea"/>
+                <a:cs typeface="+mn-cs"/>
+              </a:defRPr>
+            </a:lvl5pPr>
+            <a:lvl6pPr marL="2514600" indent="-228600" algn="l" defTabSz="914400" rtl="0" eaLnBrk="1" latinLnBrk="0" hangingPunct="1">
+              <a:lnSpc>
+                <a:spcPct val="90000"/>
+              </a:lnSpc>
+              <a:spcBef>
+                <a:spcPts val="500"/>
+              </a:spcBef>
+              <a:buFont typeface="Arial" panose="020B0604020202020204" pitchFamily="34" charset="0"/>
+              <a:buChar char="•"/>
+              <a:defRPr sz="1800" kern="1200">
+                <a:solidFill>
+                  <a:schemeClr val="tx1"/>
+                </a:solidFill>
+                <a:latin typeface="+mn-lt"/>
+                <a:ea typeface="+mn-ea"/>
+                <a:cs typeface="+mn-cs"/>
+              </a:defRPr>
+            </a:lvl6pPr>
+            <a:lvl7pPr marL="2971800" indent="-228600" algn="l" defTabSz="914400" rtl="0" eaLnBrk="1" latinLnBrk="0" hangingPunct="1">
+              <a:lnSpc>
+                <a:spcPct val="90000"/>
+              </a:lnSpc>
+              <a:spcBef>
+                <a:spcPts val="500"/>
+              </a:spcBef>
+              <a:buFont typeface="Arial" panose="020B0604020202020204" pitchFamily="34" charset="0"/>
+              <a:buChar char="•"/>
+              <a:defRPr sz="1800" kern="1200">
+                <a:solidFill>
+                  <a:schemeClr val="tx1"/>
+                </a:solidFill>
+                <a:latin typeface="+mn-lt"/>
+                <a:ea typeface="+mn-ea"/>
+                <a:cs typeface="+mn-cs"/>
+              </a:defRPr>
+            </a:lvl7pPr>
+            <a:lvl8pPr marL="3429000" indent="-228600" algn="l" defTabSz="914400" rtl="0" eaLnBrk="1" latinLnBrk="0" hangingPunct="1">
+              <a:lnSpc>
+                <a:spcPct val="90000"/>
+              </a:lnSpc>
+              <a:spcBef>
+                <a:spcPts val="500"/>
+              </a:spcBef>
+              <a:buFont typeface="Arial" panose="020B0604020202020204" pitchFamily="34" charset="0"/>
+              <a:buChar char="•"/>
+              <a:defRPr sz="1800" kern="1200">
+                <a:solidFill>
+                  <a:schemeClr val="tx1"/>
+                </a:solidFill>
+                <a:latin typeface="+mn-lt"/>
+                <a:ea typeface="+mn-ea"/>
+                <a:cs typeface="+mn-cs"/>
+              </a:defRPr>
+            </a:lvl8pPr>
+            <a:lvl9pPr marL="3886200" indent="-228600" algn="l" defTabSz="914400" rtl="0" eaLnBrk="1" latinLnBrk="0" hangingPunct="1">
+              <a:lnSpc>
+                <a:spcPct val="90000"/>
+              </a:lnSpc>
+              <a:spcBef>
+                <a:spcPts val="500"/>
+              </a:spcBef>
+              <a:buFont typeface="Arial" panose="020B0604020202020204" pitchFamily="34" charset="0"/>
+              <a:buChar char="•"/>
+              <a:defRPr sz="1800" kern="1200">
+                <a:solidFill>
+                  <a:schemeClr val="tx1"/>
+                </a:solidFill>
+                <a:latin typeface="+mn-lt"/>
+                <a:ea typeface="+mn-ea"/>
+                <a:cs typeface="+mn-cs"/>
+              </a:defRPr>
+            </a:lvl9pPr>
+          </a:lstStyle>
+          <a:p>
+            <a:pPr marL="0" indent="0">
+              <a:lnSpc>
+                <a:spcPct val="150000"/>
+              </a:lnSpc>
+              <a:buNone/>
+            </a:pPr>
+            <a:r>
+              <a:rPr lang="ru-RU" sz="2400" dirty="0">
+                <a:latin typeface="Helvetica" panose="020B0604020202020204" pitchFamily="2" charset="0"/>
+                <a:cs typeface="Fahkwang" panose="00000500000000000000" pitchFamily="2" charset="-34"/>
+              </a:rPr>
+              <a:t>Сайт будет брать комиссию в размере 15% с продаж товаров, лотов и со стоимости платной подписки. </a:t>
+            </a:r>
+          </a:p>
+        </p:txBody>
+      </p:sp>
     </p:spTree>
     <p:extLst>
       <p:ext uri="{BB962C8B-B14F-4D97-AF65-F5344CB8AC3E}">
-        <p14:creationId xmlns:p14="http://schemas.microsoft.com/office/powerpoint/2010/main" val="2427774818"/>
+        <p14:creationId xmlns:p14="http://schemas.microsoft.com/office/powerpoint/2010/main" val="3831465109"/>
       </p:ext>
     </p:extLst>
   </p:cSld>
@@ -4068,94 +4424,10 @@
       </p:grpSpPr>
       <p:sp>
         <p:nvSpPr>
-          <p:cNvPr id="2" name="Заголовок 1">
-            <a:extLst>
-              <a:ext uri="{FF2B5EF4-FFF2-40B4-BE49-F238E27FC236}">
-                <a16:creationId xmlns:a16="http://schemas.microsoft.com/office/drawing/2014/main" id="{97F2B76D-03A2-122D-1A97-BC93E2E7D80A}"/>
-              </a:ext>
-            </a:extLst>
-          </p:cNvPr>
-          <p:cNvSpPr>
-            <a:spLocks noGrp="1"/>
-          </p:cNvSpPr>
-          <p:nvPr>
-            <p:ph type="title"/>
-          </p:nvPr>
-        </p:nvSpPr>
-        <p:spPr>
-          <a:xfrm>
-            <a:off x="1184275" y="630237"/>
-            <a:ext cx="9296400" cy="928688"/>
-          </a:xfrm>
-        </p:spPr>
-        <p:txBody>
-          <a:bodyPr>
-            <a:normAutofit/>
-          </a:bodyPr>
-          <a:lstStyle/>
-          <a:p>
-            <a:r>
-              <a:rPr lang="ru-RU" sz="3600" b="1" spc="100" dirty="0">
-                <a:latin typeface="Helvetica" panose="020B0604020202020204" pitchFamily="2" charset="0"/>
-              </a:rPr>
-              <a:t>Бизнес модель</a:t>
-            </a:r>
-            <a:endParaRPr lang="ru-RU" sz="3600" b="1" dirty="0">
-              <a:latin typeface="Helvetica" panose="020B0604020202020204" pitchFamily="2" charset="0"/>
-            </a:endParaRPr>
-          </a:p>
-        </p:txBody>
-      </p:sp>
-      <p:sp>
-        <p:nvSpPr>
-          <p:cNvPr id="3" name="Объект 2">
-            <a:extLst>
-              <a:ext uri="{FF2B5EF4-FFF2-40B4-BE49-F238E27FC236}">
-                <a16:creationId xmlns:a16="http://schemas.microsoft.com/office/drawing/2014/main" id="{E5843620-488B-BC0F-AD03-99FEEDA04CA8}"/>
-              </a:ext>
-            </a:extLst>
-          </p:cNvPr>
-          <p:cNvSpPr>
-            <a:spLocks noGrp="1"/>
-          </p:cNvSpPr>
-          <p:nvPr>
-            <p:ph idx="1"/>
-          </p:nvPr>
-        </p:nvSpPr>
-        <p:spPr>
-          <a:xfrm>
-            <a:off x="1184275" y="1679575"/>
-            <a:ext cx="9848850" cy="1749425"/>
-          </a:xfrm>
-        </p:spPr>
-        <p:txBody>
-          <a:bodyPr>
-            <a:normAutofit/>
-          </a:bodyPr>
-          <a:lstStyle/>
-          <a:p>
-            <a:pPr marL="0" indent="0">
-              <a:lnSpc>
-                <a:spcPct val="150000"/>
-              </a:lnSpc>
-              <a:buNone/>
-            </a:pPr>
-            <a:r>
-              <a:rPr lang="ru-RU" sz="2400" dirty="0">
-                <a:latin typeface="Helvetica" panose="020B0604020202020204" pitchFamily="2" charset="0"/>
-                <a:cs typeface="Fahkwang" panose="00000500000000000000" pitchFamily="2" charset="-34"/>
-              </a:rPr>
-              <a:t>Сайт будет брать комиссию в размере 15% с продаж товаров, лотов и со стоимости платной подписки. </a:t>
-            </a:r>
-          </a:p>
-        </p:txBody>
-      </p:sp>
-      <p:sp>
-        <p:nvSpPr>
-          <p:cNvPr id="5" name="Заголовок 1">
-            <a:extLst>
-              <a:ext uri="{FF2B5EF4-FFF2-40B4-BE49-F238E27FC236}">
-                <a16:creationId xmlns:a16="http://schemas.microsoft.com/office/drawing/2014/main" id="{FDFADC38-AE56-40FD-229F-9EB4C5D3450D}"/>
+          <p:cNvPr id="4" name="Заголовок 1">
+            <a:extLst>
+              <a:ext uri="{FF2B5EF4-FFF2-40B4-BE49-F238E27FC236}">
+                <a16:creationId xmlns:a16="http://schemas.microsoft.com/office/drawing/2014/main" id="{08809879-027E-65BF-B079-6AA3DAD5AA00}"/>
               </a:ext>
             </a:extLst>
           </p:cNvPr>
@@ -4166,8 +4438,8 @@
         </p:nvSpPr>
         <p:spPr>
           <a:xfrm>
-            <a:off x="9796895" y="5689098"/>
-            <a:ext cx="1367560" cy="832427"/>
+            <a:off x="609600" y="5718421"/>
+            <a:ext cx="1367560" cy="362025"/>
           </a:xfrm>
           <a:prstGeom prst="rect">
             <a:avLst/>
@@ -4212,10 +4484,382 @@
       </p:sp>
       <p:sp>
         <p:nvSpPr>
-          <p:cNvPr id="6" name="TextBox 5">
-            <a:extLst>
-              <a:ext uri="{FF2B5EF4-FFF2-40B4-BE49-F238E27FC236}">
-                <a16:creationId xmlns:a16="http://schemas.microsoft.com/office/drawing/2014/main" id="{685DA2BC-B686-8170-9DE6-2F8AAB43005A}"/>
+          <p:cNvPr id="8" name="AutoShape 2">
+            <a:extLst>
+              <a:ext uri="{FF2B5EF4-FFF2-40B4-BE49-F238E27FC236}">
+                <a16:creationId xmlns:a16="http://schemas.microsoft.com/office/drawing/2014/main" id="{A60D3E77-0048-315A-E5CA-9D1A513B3776}"/>
+              </a:ext>
+            </a:extLst>
+          </p:cNvPr>
+          <p:cNvSpPr/>
+          <p:nvPr/>
+        </p:nvSpPr>
+        <p:spPr>
+          <a:xfrm>
+            <a:off x="685800" y="6159500"/>
+            <a:ext cx="10820400" cy="0"/>
+          </a:xfrm>
+          <a:prstGeom prst="line">
+            <a:avLst/>
+          </a:prstGeom>
+          <a:ln w="19050" cap="flat">
+            <a:solidFill>
+              <a:srgbClr val="000000"/>
+            </a:solidFill>
+            <a:prstDash val="solid"/>
+            <a:headEnd type="none" w="sm" len="sm"/>
+            <a:tailEnd type="none" w="sm" len="sm"/>
+          </a:ln>
+        </p:spPr>
+      </p:sp>
+      <p:sp>
+        <p:nvSpPr>
+          <p:cNvPr id="9" name="AutoShape 4">
+            <a:extLst>
+              <a:ext uri="{FF2B5EF4-FFF2-40B4-BE49-F238E27FC236}">
+                <a16:creationId xmlns:a16="http://schemas.microsoft.com/office/drawing/2014/main" id="{B813AABC-AE19-6AC0-B4D5-29670EF120B5}"/>
+              </a:ext>
+            </a:extLst>
+          </p:cNvPr>
+          <p:cNvSpPr/>
+          <p:nvPr/>
+        </p:nvSpPr>
+        <p:spPr>
+          <a:xfrm>
+            <a:off x="685800" y="685800"/>
+            <a:ext cx="10820400" cy="0"/>
+          </a:xfrm>
+          <a:prstGeom prst="line">
+            <a:avLst/>
+          </a:prstGeom>
+          <a:ln w="19050" cap="flat">
+            <a:solidFill>
+              <a:srgbClr val="000000"/>
+            </a:solidFill>
+            <a:prstDash val="solid"/>
+            <a:headEnd type="none" w="sm" len="sm"/>
+            <a:tailEnd type="none" w="sm" len="sm"/>
+          </a:ln>
+        </p:spPr>
+      </p:sp>
+      <p:sp>
+        <p:nvSpPr>
+          <p:cNvPr id="10" name="Заголовок 1">
+            <a:extLst>
+              <a:ext uri="{FF2B5EF4-FFF2-40B4-BE49-F238E27FC236}">
+                <a16:creationId xmlns:a16="http://schemas.microsoft.com/office/drawing/2014/main" id="{2F77F458-4884-8591-1A08-0E6A076DB56A}"/>
+              </a:ext>
+            </a:extLst>
+          </p:cNvPr>
+          <p:cNvSpPr txBox="1">
+            <a:spLocks/>
+          </p:cNvSpPr>
+          <p:nvPr/>
+        </p:nvSpPr>
+        <p:spPr>
+          <a:xfrm>
+            <a:off x="609600" y="1364864"/>
+            <a:ext cx="9296400" cy="928688"/>
+          </a:xfrm>
+          <a:prstGeom prst="rect">
+            <a:avLst/>
+          </a:prstGeom>
+        </p:spPr>
+        <p:txBody>
+          <a:bodyPr vert="horz" lIns="91440" tIns="45720" rIns="91440" bIns="45720" rtlCol="0" anchor="ctr">
+            <a:normAutofit/>
+          </a:bodyPr>
+          <a:lstStyle>
+            <a:lvl1pPr algn="l" defTabSz="914400" rtl="0" eaLnBrk="1" latinLnBrk="0" hangingPunct="1">
+              <a:lnSpc>
+                <a:spcPct val="90000"/>
+              </a:lnSpc>
+              <a:spcBef>
+                <a:spcPct val="0"/>
+              </a:spcBef>
+              <a:buNone/>
+              <a:defRPr sz="4400" kern="1200">
+                <a:solidFill>
+                  <a:schemeClr val="tx1"/>
+                </a:solidFill>
+                <a:latin typeface="+mj-lt"/>
+                <a:ea typeface="+mj-ea"/>
+                <a:cs typeface="+mj-cs"/>
+              </a:defRPr>
+            </a:lvl1pPr>
+          </a:lstStyle>
+          <a:p>
+            <a:r>
+              <a:rPr lang="ru-RU" sz="3600" b="1" spc="100" dirty="0">
+                <a:latin typeface="Helvetica" panose="020B0604020202020204" pitchFamily="2" charset="0"/>
+              </a:rPr>
+              <a:t>ПЛАН РАЗВИТИЯ</a:t>
+            </a:r>
+          </a:p>
+        </p:txBody>
+      </p:sp>
+      <p:sp>
+        <p:nvSpPr>
+          <p:cNvPr id="11" name="Объект 2">
+            <a:extLst>
+              <a:ext uri="{FF2B5EF4-FFF2-40B4-BE49-F238E27FC236}">
+                <a16:creationId xmlns:a16="http://schemas.microsoft.com/office/drawing/2014/main" id="{16056D76-2896-D12B-5453-83DF1575AB7B}"/>
+              </a:ext>
+            </a:extLst>
+          </p:cNvPr>
+          <p:cNvSpPr txBox="1">
+            <a:spLocks/>
+          </p:cNvSpPr>
+          <p:nvPr/>
+        </p:nvSpPr>
+        <p:spPr>
+          <a:xfrm>
+            <a:off x="609600" y="2372604"/>
+            <a:ext cx="10896600" cy="2993145"/>
+          </a:xfrm>
+          <a:prstGeom prst="rect">
+            <a:avLst/>
+          </a:prstGeom>
+        </p:spPr>
+        <p:txBody>
+          <a:bodyPr vert="horz" lIns="91440" tIns="45720" rIns="91440" bIns="45720" rtlCol="0">
+            <a:normAutofit/>
+          </a:bodyPr>
+          <a:lstStyle>
+            <a:lvl1pPr marL="228600" indent="-228600" algn="l" defTabSz="914400" rtl="0" eaLnBrk="1" latinLnBrk="0" hangingPunct="1">
+              <a:lnSpc>
+                <a:spcPct val="90000"/>
+              </a:lnSpc>
+              <a:spcBef>
+                <a:spcPts val="1000"/>
+              </a:spcBef>
+              <a:buFont typeface="Arial" panose="020B0604020202020204" pitchFamily="34" charset="0"/>
+              <a:buChar char="•"/>
+              <a:defRPr sz="2800" kern="1200">
+                <a:solidFill>
+                  <a:schemeClr val="tx1"/>
+                </a:solidFill>
+                <a:latin typeface="+mn-lt"/>
+                <a:ea typeface="+mn-ea"/>
+                <a:cs typeface="+mn-cs"/>
+              </a:defRPr>
+            </a:lvl1pPr>
+            <a:lvl2pPr marL="685800" indent="-228600" algn="l" defTabSz="914400" rtl="0" eaLnBrk="1" latinLnBrk="0" hangingPunct="1">
+              <a:lnSpc>
+                <a:spcPct val="90000"/>
+              </a:lnSpc>
+              <a:spcBef>
+                <a:spcPts val="500"/>
+              </a:spcBef>
+              <a:buFont typeface="Arial" panose="020B0604020202020204" pitchFamily="34" charset="0"/>
+              <a:buChar char="•"/>
+              <a:defRPr sz="2400" kern="1200">
+                <a:solidFill>
+                  <a:schemeClr val="tx1"/>
+                </a:solidFill>
+                <a:latin typeface="+mn-lt"/>
+                <a:ea typeface="+mn-ea"/>
+                <a:cs typeface="+mn-cs"/>
+              </a:defRPr>
+            </a:lvl2pPr>
+            <a:lvl3pPr marL="1143000" indent="-228600" algn="l" defTabSz="914400" rtl="0" eaLnBrk="1" latinLnBrk="0" hangingPunct="1">
+              <a:lnSpc>
+                <a:spcPct val="90000"/>
+              </a:lnSpc>
+              <a:spcBef>
+                <a:spcPts val="500"/>
+              </a:spcBef>
+              <a:buFont typeface="Arial" panose="020B0604020202020204" pitchFamily="34" charset="0"/>
+              <a:buChar char="•"/>
+              <a:defRPr sz="2000" kern="1200">
+                <a:solidFill>
+                  <a:schemeClr val="tx1"/>
+                </a:solidFill>
+                <a:latin typeface="+mn-lt"/>
+                <a:ea typeface="+mn-ea"/>
+                <a:cs typeface="+mn-cs"/>
+              </a:defRPr>
+            </a:lvl3pPr>
+            <a:lvl4pPr marL="1600200" indent="-228600" algn="l" defTabSz="914400" rtl="0" eaLnBrk="1" latinLnBrk="0" hangingPunct="1">
+              <a:lnSpc>
+                <a:spcPct val="90000"/>
+              </a:lnSpc>
+              <a:spcBef>
+                <a:spcPts val="500"/>
+              </a:spcBef>
+              <a:buFont typeface="Arial" panose="020B0604020202020204" pitchFamily="34" charset="0"/>
+              <a:buChar char="•"/>
+              <a:defRPr sz="1800" kern="1200">
+                <a:solidFill>
+                  <a:schemeClr val="tx1"/>
+                </a:solidFill>
+                <a:latin typeface="+mn-lt"/>
+                <a:ea typeface="+mn-ea"/>
+                <a:cs typeface="+mn-cs"/>
+              </a:defRPr>
+            </a:lvl4pPr>
+            <a:lvl5pPr marL="2057400" indent="-228600" algn="l" defTabSz="914400" rtl="0" eaLnBrk="1" latinLnBrk="0" hangingPunct="1">
+              <a:lnSpc>
+                <a:spcPct val="90000"/>
+              </a:lnSpc>
+              <a:spcBef>
+                <a:spcPts val="500"/>
+              </a:spcBef>
+              <a:buFont typeface="Arial" panose="020B0604020202020204" pitchFamily="34" charset="0"/>
+              <a:buChar char="•"/>
+              <a:defRPr sz="1800" kern="1200">
+                <a:solidFill>
+                  <a:schemeClr val="tx1"/>
+                </a:solidFill>
+                <a:latin typeface="+mn-lt"/>
+                <a:ea typeface="+mn-ea"/>
+                <a:cs typeface="+mn-cs"/>
+              </a:defRPr>
+            </a:lvl5pPr>
+            <a:lvl6pPr marL="2514600" indent="-228600" algn="l" defTabSz="914400" rtl="0" eaLnBrk="1" latinLnBrk="0" hangingPunct="1">
+              <a:lnSpc>
+                <a:spcPct val="90000"/>
+              </a:lnSpc>
+              <a:spcBef>
+                <a:spcPts val="500"/>
+              </a:spcBef>
+              <a:buFont typeface="Arial" panose="020B0604020202020204" pitchFamily="34" charset="0"/>
+              <a:buChar char="•"/>
+              <a:defRPr sz="1800" kern="1200">
+                <a:solidFill>
+                  <a:schemeClr val="tx1"/>
+                </a:solidFill>
+                <a:latin typeface="+mn-lt"/>
+                <a:ea typeface="+mn-ea"/>
+                <a:cs typeface="+mn-cs"/>
+              </a:defRPr>
+            </a:lvl6pPr>
+            <a:lvl7pPr marL="2971800" indent="-228600" algn="l" defTabSz="914400" rtl="0" eaLnBrk="1" latinLnBrk="0" hangingPunct="1">
+              <a:lnSpc>
+                <a:spcPct val="90000"/>
+              </a:lnSpc>
+              <a:spcBef>
+                <a:spcPts val="500"/>
+              </a:spcBef>
+              <a:buFont typeface="Arial" panose="020B0604020202020204" pitchFamily="34" charset="0"/>
+              <a:buChar char="•"/>
+              <a:defRPr sz="1800" kern="1200">
+                <a:solidFill>
+                  <a:schemeClr val="tx1"/>
+                </a:solidFill>
+                <a:latin typeface="+mn-lt"/>
+                <a:ea typeface="+mn-ea"/>
+                <a:cs typeface="+mn-cs"/>
+              </a:defRPr>
+            </a:lvl7pPr>
+            <a:lvl8pPr marL="3429000" indent="-228600" algn="l" defTabSz="914400" rtl="0" eaLnBrk="1" latinLnBrk="0" hangingPunct="1">
+              <a:lnSpc>
+                <a:spcPct val="90000"/>
+              </a:lnSpc>
+              <a:spcBef>
+                <a:spcPts val="500"/>
+              </a:spcBef>
+              <a:buFont typeface="Arial" panose="020B0604020202020204" pitchFamily="34" charset="0"/>
+              <a:buChar char="•"/>
+              <a:defRPr sz="1800" kern="1200">
+                <a:solidFill>
+                  <a:schemeClr val="tx1"/>
+                </a:solidFill>
+                <a:latin typeface="+mn-lt"/>
+                <a:ea typeface="+mn-ea"/>
+                <a:cs typeface="+mn-cs"/>
+              </a:defRPr>
+            </a:lvl8pPr>
+            <a:lvl9pPr marL="3886200" indent="-228600" algn="l" defTabSz="914400" rtl="0" eaLnBrk="1" latinLnBrk="0" hangingPunct="1">
+              <a:lnSpc>
+                <a:spcPct val="90000"/>
+              </a:lnSpc>
+              <a:spcBef>
+                <a:spcPts val="500"/>
+              </a:spcBef>
+              <a:buFont typeface="Arial" panose="020B0604020202020204" pitchFamily="34" charset="0"/>
+              <a:buChar char="•"/>
+              <a:defRPr sz="1800" kern="1200">
+                <a:solidFill>
+                  <a:schemeClr val="tx1"/>
+                </a:solidFill>
+                <a:latin typeface="+mn-lt"/>
+                <a:ea typeface="+mn-ea"/>
+                <a:cs typeface="+mn-cs"/>
+              </a:defRPr>
+            </a:lvl9pPr>
+          </a:lstStyle>
+          <a:p>
+            <a:pPr marL="0" indent="0">
+              <a:lnSpc>
+                <a:spcPct val="150000"/>
+              </a:lnSpc>
+              <a:buNone/>
+            </a:pPr>
+            <a:r>
+              <a:rPr lang="ru-RU" sz="2400" dirty="0">
+                <a:latin typeface="Helvetica" panose="020B0604020202020204" pitchFamily="2" charset="0"/>
+                <a:cs typeface="Fahkwang" panose="00000500000000000000" pitchFamily="2" charset="-34"/>
+              </a:rPr>
+              <a:t>Краткосрочные цели:</a:t>
+            </a:r>
+          </a:p>
+          <a:p>
+            <a:pPr>
+              <a:lnSpc>
+                <a:spcPct val="150000"/>
+              </a:lnSpc>
+              <a:buFont typeface="Helvetica" panose="020B0604020202020204" pitchFamily="2" charset="0"/>
+              <a:buChar char="ꟷ"/>
+            </a:pPr>
+            <a:r>
+              <a:rPr lang="ru-RU" sz="2400" dirty="0">
+                <a:latin typeface="Helvetica" panose="020B0604020202020204" pitchFamily="2" charset="0"/>
+                <a:cs typeface="Fahkwang" panose="00000500000000000000" pitchFamily="2" charset="-34"/>
+              </a:rPr>
+              <a:t> Запуск минимального жизнеспособного продукта;</a:t>
+            </a:r>
+          </a:p>
+          <a:p>
+            <a:pPr>
+              <a:lnSpc>
+                <a:spcPct val="150000"/>
+              </a:lnSpc>
+              <a:buFont typeface="Helvetica" panose="020B0604020202020204" pitchFamily="2" charset="0"/>
+              <a:buChar char="ꟷ"/>
+            </a:pPr>
+            <a:r>
+              <a:rPr lang="ru-RU" sz="2400" dirty="0">
+                <a:latin typeface="Helvetica" panose="020B0604020202020204" pitchFamily="2" charset="0"/>
+                <a:cs typeface="Fahkwang" panose="00000500000000000000" pitchFamily="2" charset="-34"/>
+              </a:rPr>
+              <a:t> Привлечение первых художников и покупателей;</a:t>
+            </a:r>
+          </a:p>
+          <a:p>
+            <a:pPr>
+              <a:lnSpc>
+                <a:spcPct val="150000"/>
+              </a:lnSpc>
+              <a:buFont typeface="Helvetica" panose="020B0604020202020204" pitchFamily="2" charset="0"/>
+              <a:buChar char="ꟷ"/>
+            </a:pPr>
+            <a:r>
+              <a:rPr lang="ru-RU" sz="2400" dirty="0">
+                <a:latin typeface="Helvetica" panose="020B0604020202020204" pitchFamily="2" charset="0"/>
+                <a:cs typeface="Fahkwang" panose="00000500000000000000" pitchFamily="2" charset="-34"/>
+              </a:rPr>
+              <a:t> Сбор обратной связи.</a:t>
+            </a:r>
+          </a:p>
+        </p:txBody>
+      </p:sp>
+      <p:sp>
+        <p:nvSpPr>
+          <p:cNvPr id="2" name="TextBox 1">
+            <a:extLst>
+              <a:ext uri="{FF2B5EF4-FFF2-40B4-BE49-F238E27FC236}">
+                <a16:creationId xmlns:a16="http://schemas.microsoft.com/office/drawing/2014/main" id="{F387FA21-9ABE-DFBD-FBCD-B9C2C3F050D8}"/>
               </a:ext>
             </a:extLst>
           </p:cNvPr>
@@ -4224,8 +4868,8 @@
         </p:nvSpPr>
         <p:spPr>
           <a:xfrm>
-            <a:off x="5608782" y="5874478"/>
-            <a:ext cx="974436" cy="461665"/>
+            <a:off x="10585450" y="5668600"/>
+            <a:ext cx="996950" cy="461665"/>
           </a:xfrm>
           <a:prstGeom prst="rect">
             <a:avLst/>
@@ -4243,13 +4887,19 @@
               <a:rPr lang="ru-RU" sz="2400" dirty="0">
                 <a:latin typeface="Helvetica" panose="020B0604020202020204" pitchFamily="2" charset="0"/>
               </a:rPr>
-              <a:t>1</a:t>
+              <a:t>11</a:t>
             </a:r>
             <a:r>
               <a:rPr lang="en-US" sz="2400" dirty="0">
                 <a:latin typeface="Helvetica" panose="020B0604020202020204" pitchFamily="2" charset="0"/>
               </a:rPr>
-              <a:t>1/15</a:t>
+              <a:t>/1</a:t>
+            </a:r>
+            <a:r>
+              <a:rPr lang="ru-RU" sz="2400" dirty="0">
+                <a:latin typeface="Helvetica" panose="020B0604020202020204" pitchFamily="2" charset="0"/>
+              </a:rPr>
+              <a:t>5</a:t>
             </a:r>
             <a:endParaRPr lang="ru-RU" sz="2400" dirty="0"/>
           </a:p>
@@ -4258,7 +4908,7 @@
     </p:spTree>
     <p:extLst>
       <p:ext uri="{BB962C8B-B14F-4D97-AF65-F5344CB8AC3E}">
-        <p14:creationId xmlns:p14="http://schemas.microsoft.com/office/powerpoint/2010/main" val="4003282813"/>
+        <p14:creationId xmlns:p14="http://schemas.microsoft.com/office/powerpoint/2010/main" val="3575797833"/>
       </p:ext>
     </p:extLst>
   </p:cSld>
@@ -4287,147 +4937,10 @@
       </p:grpSpPr>
       <p:sp>
         <p:nvSpPr>
-          <p:cNvPr id="2" name="Заголовок 1">
-            <a:extLst>
-              <a:ext uri="{FF2B5EF4-FFF2-40B4-BE49-F238E27FC236}">
-                <a16:creationId xmlns:a16="http://schemas.microsoft.com/office/drawing/2014/main" id="{97F2B76D-03A2-122D-1A97-BC93E2E7D80A}"/>
-              </a:ext>
-            </a:extLst>
-          </p:cNvPr>
-          <p:cNvSpPr>
-            <a:spLocks noGrp="1"/>
-          </p:cNvSpPr>
-          <p:nvPr>
-            <p:ph type="title"/>
-          </p:nvPr>
-        </p:nvSpPr>
-        <p:spPr>
-          <a:xfrm>
-            <a:off x="1184275" y="630237"/>
-            <a:ext cx="9296400" cy="928688"/>
-          </a:xfrm>
-        </p:spPr>
-        <p:txBody>
-          <a:bodyPr>
-            <a:normAutofit/>
-          </a:bodyPr>
-          <a:lstStyle/>
-          <a:p>
-            <a:r>
-              <a:rPr lang="ru-RU" sz="3600" b="1" spc="100" dirty="0">
-                <a:latin typeface="Helvetica" panose="020B0604020202020204" pitchFamily="2" charset="0"/>
-              </a:rPr>
-              <a:t>План развития</a:t>
-            </a:r>
-            <a:endParaRPr lang="ru-RU" sz="3600" b="1" dirty="0">
-              <a:latin typeface="Helvetica" panose="020B0604020202020204" pitchFamily="2" charset="0"/>
-            </a:endParaRPr>
-          </a:p>
-        </p:txBody>
-      </p:sp>
-      <p:sp>
-        <p:nvSpPr>
-          <p:cNvPr id="3" name="Объект 2">
-            <a:extLst>
-              <a:ext uri="{FF2B5EF4-FFF2-40B4-BE49-F238E27FC236}">
-                <a16:creationId xmlns:a16="http://schemas.microsoft.com/office/drawing/2014/main" id="{E5843620-488B-BC0F-AD03-99FEEDA04CA8}"/>
-              </a:ext>
-            </a:extLst>
-          </p:cNvPr>
-          <p:cNvSpPr>
-            <a:spLocks noGrp="1"/>
-          </p:cNvSpPr>
-          <p:nvPr>
-            <p:ph idx="1"/>
-          </p:nvPr>
-        </p:nvSpPr>
-        <p:spPr>
-          <a:xfrm>
-            <a:off x="1184275" y="1679575"/>
-            <a:ext cx="9848850" cy="4244975"/>
-          </a:xfrm>
-        </p:spPr>
-        <p:txBody>
-          <a:bodyPr>
-            <a:normAutofit/>
-          </a:bodyPr>
-          <a:lstStyle/>
-          <a:p>
-            <a:pPr marL="0" indent="0">
-              <a:lnSpc>
-                <a:spcPct val="150000"/>
-              </a:lnSpc>
-              <a:buNone/>
-            </a:pPr>
-            <a:r>
-              <a:rPr lang="ru-RU" sz="2400" dirty="0">
-                <a:latin typeface="Helvetica" panose="020B0604020202020204" pitchFamily="2" charset="0"/>
-                <a:cs typeface="Fahkwang" panose="00000500000000000000" pitchFamily="2" charset="-34"/>
-              </a:rPr>
-              <a:t>Краткосрочные цели:</a:t>
-            </a:r>
-          </a:p>
-          <a:p>
-            <a:pPr>
-              <a:lnSpc>
-                <a:spcPct val="150000"/>
-              </a:lnSpc>
-            </a:pPr>
-            <a:r>
-              <a:rPr lang="ru-RU" sz="2400" dirty="0">
-                <a:latin typeface="Helvetica" panose="020B0604020202020204" pitchFamily="2" charset="0"/>
-                <a:cs typeface="Fahkwang" panose="00000500000000000000" pitchFamily="2" charset="-34"/>
-              </a:rPr>
-              <a:t>Запуск минимального жизнеспособного продукта;</a:t>
-            </a:r>
-          </a:p>
-          <a:p>
-            <a:pPr>
-              <a:lnSpc>
-                <a:spcPct val="150000"/>
-              </a:lnSpc>
-            </a:pPr>
-            <a:r>
-              <a:rPr lang="ru-RU" sz="2400" dirty="0">
-                <a:latin typeface="Helvetica" panose="020B0604020202020204" pitchFamily="2" charset="0"/>
-                <a:cs typeface="Fahkwang" panose="00000500000000000000" pitchFamily="2" charset="-34"/>
-              </a:rPr>
-              <a:t>Привлечение первых художников и покупателей;</a:t>
-            </a:r>
-          </a:p>
-          <a:p>
-            <a:pPr>
-              <a:lnSpc>
-                <a:spcPct val="150000"/>
-              </a:lnSpc>
-            </a:pPr>
-            <a:r>
-              <a:rPr lang="ru-RU" sz="2400" dirty="0">
-                <a:latin typeface="Helvetica" panose="020B0604020202020204" pitchFamily="2" charset="0"/>
-                <a:cs typeface="Fahkwang" panose="00000500000000000000" pitchFamily="2" charset="-34"/>
-              </a:rPr>
-              <a:t>Сбор обратной связи.</a:t>
-            </a:r>
-          </a:p>
-          <a:p>
-            <a:pPr>
-              <a:lnSpc>
-                <a:spcPct val="150000"/>
-              </a:lnSpc>
-            </a:pPr>
-            <a:endParaRPr lang="ru-RU" sz="2400" dirty="0">
-              <a:latin typeface="Helvetica" panose="020B0604020202020204" pitchFamily="2" charset="0"/>
-              <a:cs typeface="Fahkwang" panose="00000500000000000000" pitchFamily="2" charset="-34"/>
-            </a:endParaRPr>
-          </a:p>
-        </p:txBody>
-      </p:sp>
-      <p:sp>
-        <p:nvSpPr>
-          <p:cNvPr id="5" name="Заголовок 1">
-            <a:extLst>
-              <a:ext uri="{FF2B5EF4-FFF2-40B4-BE49-F238E27FC236}">
-                <a16:creationId xmlns:a16="http://schemas.microsoft.com/office/drawing/2014/main" id="{421792F7-8E10-4347-7BC3-4A18514D7133}"/>
+          <p:cNvPr id="4" name="Заголовок 1">
+            <a:extLst>
+              <a:ext uri="{FF2B5EF4-FFF2-40B4-BE49-F238E27FC236}">
+                <a16:creationId xmlns:a16="http://schemas.microsoft.com/office/drawing/2014/main" id="{08809879-027E-65BF-B079-6AA3DAD5AA00}"/>
               </a:ext>
             </a:extLst>
           </p:cNvPr>
@@ -4438,8 +4951,8 @@
         </p:nvSpPr>
         <p:spPr>
           <a:xfrm>
-            <a:off x="9796895" y="5689098"/>
-            <a:ext cx="1367560" cy="832427"/>
+            <a:off x="609600" y="5718421"/>
+            <a:ext cx="1367560" cy="362025"/>
           </a:xfrm>
           <a:prstGeom prst="rect">
             <a:avLst/>
@@ -4484,10 +4997,430 @@
       </p:sp>
       <p:sp>
         <p:nvSpPr>
-          <p:cNvPr id="6" name="TextBox 5">
-            <a:extLst>
-              <a:ext uri="{FF2B5EF4-FFF2-40B4-BE49-F238E27FC236}">
-                <a16:creationId xmlns:a16="http://schemas.microsoft.com/office/drawing/2014/main" id="{52C44695-DF9D-9A7E-FBCB-1008D72E2D1C}"/>
+          <p:cNvPr id="8" name="AutoShape 2">
+            <a:extLst>
+              <a:ext uri="{FF2B5EF4-FFF2-40B4-BE49-F238E27FC236}">
+                <a16:creationId xmlns:a16="http://schemas.microsoft.com/office/drawing/2014/main" id="{A60D3E77-0048-315A-E5CA-9D1A513B3776}"/>
+              </a:ext>
+            </a:extLst>
+          </p:cNvPr>
+          <p:cNvSpPr/>
+          <p:nvPr/>
+        </p:nvSpPr>
+        <p:spPr>
+          <a:xfrm>
+            <a:off x="685800" y="6159500"/>
+            <a:ext cx="10820400" cy="0"/>
+          </a:xfrm>
+          <a:prstGeom prst="line">
+            <a:avLst/>
+          </a:prstGeom>
+          <a:ln w="19050" cap="flat">
+            <a:solidFill>
+              <a:srgbClr val="000000"/>
+            </a:solidFill>
+            <a:prstDash val="solid"/>
+            <a:headEnd type="none" w="sm" len="sm"/>
+            <a:tailEnd type="none" w="sm" len="sm"/>
+          </a:ln>
+        </p:spPr>
+      </p:sp>
+      <p:sp>
+        <p:nvSpPr>
+          <p:cNvPr id="9" name="AutoShape 4">
+            <a:extLst>
+              <a:ext uri="{FF2B5EF4-FFF2-40B4-BE49-F238E27FC236}">
+                <a16:creationId xmlns:a16="http://schemas.microsoft.com/office/drawing/2014/main" id="{B813AABC-AE19-6AC0-B4D5-29670EF120B5}"/>
+              </a:ext>
+            </a:extLst>
+          </p:cNvPr>
+          <p:cNvSpPr/>
+          <p:nvPr/>
+        </p:nvSpPr>
+        <p:spPr>
+          <a:xfrm>
+            <a:off x="685800" y="685800"/>
+            <a:ext cx="10820400" cy="0"/>
+          </a:xfrm>
+          <a:prstGeom prst="line">
+            <a:avLst/>
+          </a:prstGeom>
+          <a:ln w="19050" cap="flat">
+            <a:solidFill>
+              <a:srgbClr val="000000"/>
+            </a:solidFill>
+            <a:prstDash val="solid"/>
+            <a:headEnd type="none" w="sm" len="sm"/>
+            <a:tailEnd type="none" w="sm" len="sm"/>
+          </a:ln>
+        </p:spPr>
+      </p:sp>
+      <p:sp>
+        <p:nvSpPr>
+          <p:cNvPr id="10" name="Заголовок 1">
+            <a:extLst>
+              <a:ext uri="{FF2B5EF4-FFF2-40B4-BE49-F238E27FC236}">
+                <a16:creationId xmlns:a16="http://schemas.microsoft.com/office/drawing/2014/main" id="{2F77F458-4884-8591-1A08-0E6A076DB56A}"/>
+              </a:ext>
+            </a:extLst>
+          </p:cNvPr>
+          <p:cNvSpPr txBox="1">
+            <a:spLocks/>
+          </p:cNvSpPr>
+          <p:nvPr/>
+        </p:nvSpPr>
+        <p:spPr>
+          <a:xfrm>
+            <a:off x="609600" y="1364864"/>
+            <a:ext cx="9296400" cy="928688"/>
+          </a:xfrm>
+          <a:prstGeom prst="rect">
+            <a:avLst/>
+          </a:prstGeom>
+        </p:spPr>
+        <p:txBody>
+          <a:bodyPr vert="horz" lIns="91440" tIns="45720" rIns="91440" bIns="45720" rtlCol="0" anchor="ctr">
+            <a:normAutofit/>
+          </a:bodyPr>
+          <a:lstStyle>
+            <a:lvl1pPr algn="l" defTabSz="914400" rtl="0" eaLnBrk="1" latinLnBrk="0" hangingPunct="1">
+              <a:lnSpc>
+                <a:spcPct val="90000"/>
+              </a:lnSpc>
+              <a:spcBef>
+                <a:spcPct val="0"/>
+              </a:spcBef>
+              <a:buNone/>
+              <a:defRPr sz="4400" kern="1200">
+                <a:solidFill>
+                  <a:schemeClr val="tx1"/>
+                </a:solidFill>
+                <a:latin typeface="+mj-lt"/>
+                <a:ea typeface="+mj-ea"/>
+                <a:cs typeface="+mj-cs"/>
+              </a:defRPr>
+            </a:lvl1pPr>
+          </a:lstStyle>
+          <a:p>
+            <a:r>
+              <a:rPr lang="ru-RU" sz="3600" b="1" spc="100" dirty="0">
+                <a:latin typeface="Helvetica" panose="020B0604020202020204" pitchFamily="2" charset="0"/>
+              </a:rPr>
+              <a:t>ПЛАН РАЗВИТИЯ</a:t>
+            </a:r>
+          </a:p>
+        </p:txBody>
+      </p:sp>
+      <p:sp>
+        <p:nvSpPr>
+          <p:cNvPr id="11" name="Объект 2">
+            <a:extLst>
+              <a:ext uri="{FF2B5EF4-FFF2-40B4-BE49-F238E27FC236}">
+                <a16:creationId xmlns:a16="http://schemas.microsoft.com/office/drawing/2014/main" id="{16056D76-2896-D12B-5453-83DF1575AB7B}"/>
+              </a:ext>
+            </a:extLst>
+          </p:cNvPr>
+          <p:cNvSpPr txBox="1">
+            <a:spLocks/>
+          </p:cNvSpPr>
+          <p:nvPr/>
+        </p:nvSpPr>
+        <p:spPr>
+          <a:xfrm>
+            <a:off x="609600" y="2372604"/>
+            <a:ext cx="10896600" cy="3216944"/>
+          </a:xfrm>
+          <a:prstGeom prst="rect">
+            <a:avLst/>
+          </a:prstGeom>
+        </p:spPr>
+        <p:txBody>
+          <a:bodyPr vert="horz" lIns="91440" tIns="45720" rIns="91440" bIns="45720" rtlCol="0">
+            <a:normAutofit/>
+          </a:bodyPr>
+          <a:lstStyle>
+            <a:lvl1pPr marL="228600" indent="-228600" algn="l" defTabSz="914400" rtl="0" eaLnBrk="1" latinLnBrk="0" hangingPunct="1">
+              <a:lnSpc>
+                <a:spcPct val="90000"/>
+              </a:lnSpc>
+              <a:spcBef>
+                <a:spcPts val="1000"/>
+              </a:spcBef>
+              <a:buFont typeface="Arial" panose="020B0604020202020204" pitchFamily="34" charset="0"/>
+              <a:buChar char="•"/>
+              <a:defRPr sz="2800" kern="1200">
+                <a:solidFill>
+                  <a:schemeClr val="tx1"/>
+                </a:solidFill>
+                <a:latin typeface="+mn-lt"/>
+                <a:ea typeface="+mn-ea"/>
+                <a:cs typeface="+mn-cs"/>
+              </a:defRPr>
+            </a:lvl1pPr>
+            <a:lvl2pPr marL="685800" indent="-228600" algn="l" defTabSz="914400" rtl="0" eaLnBrk="1" latinLnBrk="0" hangingPunct="1">
+              <a:lnSpc>
+                <a:spcPct val="90000"/>
+              </a:lnSpc>
+              <a:spcBef>
+                <a:spcPts val="500"/>
+              </a:spcBef>
+              <a:buFont typeface="Arial" panose="020B0604020202020204" pitchFamily="34" charset="0"/>
+              <a:buChar char="•"/>
+              <a:defRPr sz="2400" kern="1200">
+                <a:solidFill>
+                  <a:schemeClr val="tx1"/>
+                </a:solidFill>
+                <a:latin typeface="+mn-lt"/>
+                <a:ea typeface="+mn-ea"/>
+                <a:cs typeface="+mn-cs"/>
+              </a:defRPr>
+            </a:lvl2pPr>
+            <a:lvl3pPr marL="1143000" indent="-228600" algn="l" defTabSz="914400" rtl="0" eaLnBrk="1" latinLnBrk="0" hangingPunct="1">
+              <a:lnSpc>
+                <a:spcPct val="90000"/>
+              </a:lnSpc>
+              <a:spcBef>
+                <a:spcPts val="500"/>
+              </a:spcBef>
+              <a:buFont typeface="Arial" panose="020B0604020202020204" pitchFamily="34" charset="0"/>
+              <a:buChar char="•"/>
+              <a:defRPr sz="2000" kern="1200">
+                <a:solidFill>
+                  <a:schemeClr val="tx1"/>
+                </a:solidFill>
+                <a:latin typeface="+mn-lt"/>
+                <a:ea typeface="+mn-ea"/>
+                <a:cs typeface="+mn-cs"/>
+              </a:defRPr>
+            </a:lvl3pPr>
+            <a:lvl4pPr marL="1600200" indent="-228600" algn="l" defTabSz="914400" rtl="0" eaLnBrk="1" latinLnBrk="0" hangingPunct="1">
+              <a:lnSpc>
+                <a:spcPct val="90000"/>
+              </a:lnSpc>
+              <a:spcBef>
+                <a:spcPts val="500"/>
+              </a:spcBef>
+              <a:buFont typeface="Arial" panose="020B0604020202020204" pitchFamily="34" charset="0"/>
+              <a:buChar char="•"/>
+              <a:defRPr sz="1800" kern="1200">
+                <a:solidFill>
+                  <a:schemeClr val="tx1"/>
+                </a:solidFill>
+                <a:latin typeface="+mn-lt"/>
+                <a:ea typeface="+mn-ea"/>
+                <a:cs typeface="+mn-cs"/>
+              </a:defRPr>
+            </a:lvl4pPr>
+            <a:lvl5pPr marL="2057400" indent="-228600" algn="l" defTabSz="914400" rtl="0" eaLnBrk="1" latinLnBrk="0" hangingPunct="1">
+              <a:lnSpc>
+                <a:spcPct val="90000"/>
+              </a:lnSpc>
+              <a:spcBef>
+                <a:spcPts val="500"/>
+              </a:spcBef>
+              <a:buFont typeface="Arial" panose="020B0604020202020204" pitchFamily="34" charset="0"/>
+              <a:buChar char="•"/>
+              <a:defRPr sz="1800" kern="1200">
+                <a:solidFill>
+                  <a:schemeClr val="tx1"/>
+                </a:solidFill>
+                <a:latin typeface="+mn-lt"/>
+                <a:ea typeface="+mn-ea"/>
+                <a:cs typeface="+mn-cs"/>
+              </a:defRPr>
+            </a:lvl5pPr>
+            <a:lvl6pPr marL="2514600" indent="-228600" algn="l" defTabSz="914400" rtl="0" eaLnBrk="1" latinLnBrk="0" hangingPunct="1">
+              <a:lnSpc>
+                <a:spcPct val="90000"/>
+              </a:lnSpc>
+              <a:spcBef>
+                <a:spcPts val="500"/>
+              </a:spcBef>
+              <a:buFont typeface="Arial" panose="020B0604020202020204" pitchFamily="34" charset="0"/>
+              <a:buChar char="•"/>
+              <a:defRPr sz="1800" kern="1200">
+                <a:solidFill>
+                  <a:schemeClr val="tx1"/>
+                </a:solidFill>
+                <a:latin typeface="+mn-lt"/>
+                <a:ea typeface="+mn-ea"/>
+                <a:cs typeface="+mn-cs"/>
+              </a:defRPr>
+            </a:lvl6pPr>
+            <a:lvl7pPr marL="2971800" indent="-228600" algn="l" defTabSz="914400" rtl="0" eaLnBrk="1" latinLnBrk="0" hangingPunct="1">
+              <a:lnSpc>
+                <a:spcPct val="90000"/>
+              </a:lnSpc>
+              <a:spcBef>
+                <a:spcPts val="500"/>
+              </a:spcBef>
+              <a:buFont typeface="Arial" panose="020B0604020202020204" pitchFamily="34" charset="0"/>
+              <a:buChar char="•"/>
+              <a:defRPr sz="1800" kern="1200">
+                <a:solidFill>
+                  <a:schemeClr val="tx1"/>
+                </a:solidFill>
+                <a:latin typeface="+mn-lt"/>
+                <a:ea typeface="+mn-ea"/>
+                <a:cs typeface="+mn-cs"/>
+              </a:defRPr>
+            </a:lvl7pPr>
+            <a:lvl8pPr marL="3429000" indent="-228600" algn="l" defTabSz="914400" rtl="0" eaLnBrk="1" latinLnBrk="0" hangingPunct="1">
+              <a:lnSpc>
+                <a:spcPct val="90000"/>
+              </a:lnSpc>
+              <a:spcBef>
+                <a:spcPts val="500"/>
+              </a:spcBef>
+              <a:buFont typeface="Arial" panose="020B0604020202020204" pitchFamily="34" charset="0"/>
+              <a:buChar char="•"/>
+              <a:defRPr sz="1800" kern="1200">
+                <a:solidFill>
+                  <a:schemeClr val="tx1"/>
+                </a:solidFill>
+                <a:latin typeface="+mn-lt"/>
+                <a:ea typeface="+mn-ea"/>
+                <a:cs typeface="+mn-cs"/>
+              </a:defRPr>
+            </a:lvl8pPr>
+            <a:lvl9pPr marL="3886200" indent="-228600" algn="l" defTabSz="914400" rtl="0" eaLnBrk="1" latinLnBrk="0" hangingPunct="1">
+              <a:lnSpc>
+                <a:spcPct val="90000"/>
+              </a:lnSpc>
+              <a:spcBef>
+                <a:spcPts val="500"/>
+              </a:spcBef>
+              <a:buFont typeface="Arial" panose="020B0604020202020204" pitchFamily="34" charset="0"/>
+              <a:buChar char="•"/>
+              <a:defRPr sz="1800" kern="1200">
+                <a:solidFill>
+                  <a:schemeClr val="tx1"/>
+                </a:solidFill>
+                <a:latin typeface="+mn-lt"/>
+                <a:ea typeface="+mn-ea"/>
+                <a:cs typeface="+mn-cs"/>
+              </a:defRPr>
+            </a:lvl9pPr>
+          </a:lstStyle>
+          <a:p>
+            <a:pPr marL="0" indent="0">
+              <a:lnSpc>
+                <a:spcPct val="150000"/>
+              </a:lnSpc>
+              <a:buNone/>
+            </a:pPr>
+            <a:r>
+              <a:rPr lang="ru-RU" sz="2200" dirty="0">
+                <a:latin typeface="Helvetica" panose="020B0604020202020204" pitchFamily="2" charset="0"/>
+                <a:cs typeface="Fahkwang" panose="00000500000000000000" pitchFamily="2" charset="-34"/>
+              </a:rPr>
+              <a:t>Долгосрочные цели:</a:t>
+            </a:r>
+          </a:p>
+          <a:p>
+            <a:pPr algn="just">
+              <a:lnSpc>
+                <a:spcPct val="150000"/>
+              </a:lnSpc>
+              <a:spcAft>
+                <a:spcPts val="800"/>
+              </a:spcAft>
+              <a:buFont typeface="Helvetica" panose="020B0604020202020204" pitchFamily="2" charset="0"/>
+              <a:buChar char="̶"/>
+            </a:pPr>
+            <a:r>
+              <a:rPr lang="ru-RU" sz="2200" kern="100" dirty="0">
+                <a:solidFill>
+                  <a:srgbClr val="000000"/>
+                </a:solidFill>
+                <a:effectLst/>
+                <a:latin typeface="Helvetica" panose="020B0604020202020204" pitchFamily="2" charset="0"/>
+                <a:ea typeface="Calibri" panose="020F0502020204030204" pitchFamily="34" charset="0"/>
+                <a:cs typeface="Times New Roman" panose="02020603050405020304" pitchFamily="18" charset="0"/>
+              </a:rPr>
+              <a:t>Добавление раздела с сертификатами подлинности для товаров и аукционов;</a:t>
+            </a:r>
+          </a:p>
+          <a:p>
+            <a:pPr algn="just">
+              <a:lnSpc>
+                <a:spcPct val="150000"/>
+              </a:lnSpc>
+              <a:spcAft>
+                <a:spcPts val="800"/>
+              </a:spcAft>
+              <a:buFont typeface="Helvetica" panose="020B0604020202020204" pitchFamily="2" charset="0"/>
+              <a:buChar char="̶"/>
+            </a:pPr>
+            <a:r>
+              <a:rPr lang="ru-RU" sz="2200" kern="100" dirty="0">
+                <a:solidFill>
+                  <a:srgbClr val="000000"/>
+                </a:solidFill>
+                <a:effectLst/>
+                <a:latin typeface="Helvetica" panose="020B0604020202020204" pitchFamily="2" charset="0"/>
+                <a:ea typeface="Calibri" panose="020F0502020204030204" pitchFamily="34" charset="0"/>
+                <a:cs typeface="Times New Roman" panose="02020603050405020304" pitchFamily="18" charset="0"/>
+              </a:rPr>
+              <a:t>Добавление </a:t>
+            </a:r>
+            <a:r>
+              <a:rPr lang="en-US" sz="2200" kern="100" dirty="0">
+                <a:solidFill>
+                  <a:srgbClr val="000000"/>
+                </a:solidFill>
+                <a:effectLst/>
+                <a:latin typeface="Helvetica" panose="020B0604020202020204" pitchFamily="2" charset="0"/>
+                <a:ea typeface="Calibri" panose="020F0502020204030204" pitchFamily="34" charset="0"/>
+                <a:cs typeface="Times New Roman" panose="02020603050405020304" pitchFamily="18" charset="0"/>
+              </a:rPr>
+              <a:t>NFT</a:t>
+            </a:r>
+            <a:r>
+              <a:rPr lang="ru-RU" sz="2200" kern="100" dirty="0">
+                <a:solidFill>
+                  <a:srgbClr val="000000"/>
+                </a:solidFill>
+                <a:effectLst/>
+                <a:latin typeface="Helvetica" panose="020B0604020202020204" pitchFamily="2" charset="0"/>
+                <a:ea typeface="Calibri" panose="020F0502020204030204" pitchFamily="34" charset="0"/>
+                <a:cs typeface="Times New Roman" panose="02020603050405020304" pitchFamily="18" charset="0"/>
+              </a:rPr>
+              <a:t>;</a:t>
+            </a:r>
+          </a:p>
+          <a:p>
+            <a:pPr algn="just">
+              <a:lnSpc>
+                <a:spcPct val="150000"/>
+              </a:lnSpc>
+              <a:spcAft>
+                <a:spcPts val="800"/>
+              </a:spcAft>
+              <a:buFont typeface="Helvetica" panose="020B0604020202020204" pitchFamily="2" charset="0"/>
+              <a:buChar char="̶"/>
+            </a:pPr>
+            <a:r>
+              <a:rPr lang="ru-RU" sz="2200" kern="100" dirty="0">
+                <a:solidFill>
+                  <a:srgbClr val="000000"/>
+                </a:solidFill>
+                <a:effectLst/>
+                <a:latin typeface="Helvetica" panose="020B0604020202020204" pitchFamily="2" charset="0"/>
+                <a:ea typeface="Calibri" panose="020F0502020204030204" pitchFamily="34" charset="0"/>
+                <a:cs typeface="Times New Roman" panose="02020603050405020304" pitchFamily="18" charset="0"/>
+              </a:rPr>
+              <a:t>Добавление подробной аналитики продаж и подписок для художника.</a:t>
+            </a:r>
+          </a:p>
+        </p:txBody>
+      </p:sp>
+      <p:sp>
+        <p:nvSpPr>
+          <p:cNvPr id="3" name="TextBox 2">
+            <a:extLst>
+              <a:ext uri="{FF2B5EF4-FFF2-40B4-BE49-F238E27FC236}">
+                <a16:creationId xmlns:a16="http://schemas.microsoft.com/office/drawing/2014/main" id="{2740FACC-07C5-EA8F-6161-CDB5D59AB9B5}"/>
               </a:ext>
             </a:extLst>
           </p:cNvPr>
@@ -4496,8 +5429,8 @@
         </p:nvSpPr>
         <p:spPr>
           <a:xfrm>
-            <a:off x="5608782" y="5874478"/>
-            <a:ext cx="974436" cy="461665"/>
+            <a:off x="10585450" y="5668600"/>
+            <a:ext cx="996950" cy="461665"/>
           </a:xfrm>
           <a:prstGeom prst="rect">
             <a:avLst/>
@@ -4515,13 +5448,19 @@
               <a:rPr lang="ru-RU" sz="2400" dirty="0">
                 <a:latin typeface="Helvetica" panose="020B0604020202020204" pitchFamily="2" charset="0"/>
               </a:rPr>
-              <a:t>1</a:t>
+              <a:t>12</a:t>
             </a:r>
             <a:r>
               <a:rPr lang="en-US" sz="2400" dirty="0">
                 <a:latin typeface="Helvetica" panose="020B0604020202020204" pitchFamily="2" charset="0"/>
               </a:rPr>
-              <a:t>2/15</a:t>
+              <a:t>/1</a:t>
+            </a:r>
+            <a:r>
+              <a:rPr lang="ru-RU" sz="2400" dirty="0">
+                <a:latin typeface="Helvetica" panose="020B0604020202020204" pitchFamily="2" charset="0"/>
+              </a:rPr>
+              <a:t>5</a:t>
             </a:r>
             <a:endParaRPr lang="ru-RU" sz="2400" dirty="0"/>
           </a:p>
@@ -4530,7 +5469,7 @@
     </p:spTree>
     <p:extLst>
       <p:ext uri="{BB962C8B-B14F-4D97-AF65-F5344CB8AC3E}">
-        <p14:creationId xmlns:p14="http://schemas.microsoft.com/office/powerpoint/2010/main" val="3698272121"/>
+        <p14:creationId xmlns:p14="http://schemas.microsoft.com/office/powerpoint/2010/main" val="2351975488"/>
       </p:ext>
     </p:extLst>
   </p:cSld>
@@ -4559,160 +5498,10 @@
       </p:grpSpPr>
       <p:sp>
         <p:nvSpPr>
-          <p:cNvPr id="2" name="Заголовок 1">
-            <a:extLst>
-              <a:ext uri="{FF2B5EF4-FFF2-40B4-BE49-F238E27FC236}">
-                <a16:creationId xmlns:a16="http://schemas.microsoft.com/office/drawing/2014/main" id="{97F2B76D-03A2-122D-1A97-BC93E2E7D80A}"/>
-              </a:ext>
-            </a:extLst>
-          </p:cNvPr>
-          <p:cNvSpPr>
-            <a:spLocks noGrp="1"/>
-          </p:cNvSpPr>
-          <p:nvPr>
-            <p:ph type="title"/>
-          </p:nvPr>
-        </p:nvSpPr>
-        <p:spPr>
-          <a:xfrm>
-            <a:off x="1184275" y="630237"/>
-            <a:ext cx="9296400" cy="928688"/>
-          </a:xfrm>
-        </p:spPr>
-        <p:txBody>
-          <a:bodyPr>
-            <a:normAutofit/>
-          </a:bodyPr>
-          <a:lstStyle/>
-          <a:p>
-            <a:r>
-              <a:rPr lang="ru-RU" sz="3600" b="1" spc="100" dirty="0">
-                <a:latin typeface="Helvetica" panose="020B0604020202020204" pitchFamily="2" charset="0"/>
-              </a:rPr>
-              <a:t>План развития</a:t>
-            </a:r>
-            <a:endParaRPr lang="ru-RU" sz="3600" b="1" dirty="0">
-              <a:latin typeface="Helvetica" panose="020B0604020202020204" pitchFamily="2" charset="0"/>
-            </a:endParaRPr>
-          </a:p>
-        </p:txBody>
-      </p:sp>
-      <p:sp>
-        <p:nvSpPr>
-          <p:cNvPr id="3" name="Объект 2">
-            <a:extLst>
-              <a:ext uri="{FF2B5EF4-FFF2-40B4-BE49-F238E27FC236}">
-                <a16:creationId xmlns:a16="http://schemas.microsoft.com/office/drawing/2014/main" id="{E5843620-488B-BC0F-AD03-99FEEDA04CA8}"/>
-              </a:ext>
-            </a:extLst>
-          </p:cNvPr>
-          <p:cNvSpPr>
-            <a:spLocks noGrp="1"/>
-          </p:cNvSpPr>
-          <p:nvPr>
-            <p:ph idx="1"/>
-          </p:nvPr>
-        </p:nvSpPr>
-        <p:spPr>
-          <a:xfrm>
-            <a:off x="1184275" y="1679575"/>
-            <a:ext cx="9848850" cy="4638675"/>
-          </a:xfrm>
-        </p:spPr>
-        <p:txBody>
-          <a:bodyPr>
-            <a:normAutofit/>
-          </a:bodyPr>
-          <a:lstStyle/>
-          <a:p>
-            <a:pPr marL="0" indent="0">
-              <a:lnSpc>
-                <a:spcPct val="150000"/>
-              </a:lnSpc>
-              <a:buNone/>
-            </a:pPr>
-            <a:r>
-              <a:rPr lang="ru-RU" sz="2400" dirty="0">
-                <a:latin typeface="Helvetica" panose="020B0604020202020204" pitchFamily="2" charset="0"/>
-                <a:cs typeface="Fahkwang" panose="00000500000000000000" pitchFamily="2" charset="-34"/>
-              </a:rPr>
-              <a:t>Долгосрочные цели:</a:t>
-            </a:r>
-          </a:p>
-          <a:p>
-            <a:pPr algn="just">
-              <a:lnSpc>
-                <a:spcPct val="150000"/>
-              </a:lnSpc>
-              <a:spcAft>
-                <a:spcPts val="800"/>
-              </a:spcAft>
-            </a:pPr>
-            <a:r>
-              <a:rPr lang="ru-RU" sz="2400" kern="100" dirty="0">
-                <a:solidFill>
-                  <a:srgbClr val="000000"/>
-                </a:solidFill>
-                <a:effectLst/>
-                <a:latin typeface="Helvetica" panose="020B0604020202020204" pitchFamily="2" charset="0"/>
-                <a:ea typeface="Calibri" panose="020F0502020204030204" pitchFamily="34" charset="0"/>
-                <a:cs typeface="Times New Roman" panose="02020603050405020304" pitchFamily="18" charset="0"/>
-              </a:rPr>
-              <a:t>Добавление раздела с сертификатами подлинности для товаров и аукционов;</a:t>
-            </a:r>
-          </a:p>
-          <a:p>
-            <a:pPr algn="just">
-              <a:lnSpc>
-                <a:spcPct val="150000"/>
-              </a:lnSpc>
-              <a:spcAft>
-                <a:spcPts val="800"/>
-              </a:spcAft>
-            </a:pPr>
-            <a:r>
-              <a:rPr lang="ru-RU" sz="2400" kern="100" dirty="0">
-                <a:solidFill>
-                  <a:srgbClr val="000000"/>
-                </a:solidFill>
-                <a:effectLst/>
-                <a:latin typeface="Helvetica" panose="020B0604020202020204" pitchFamily="2" charset="0"/>
-                <a:ea typeface="Calibri" panose="020F0502020204030204" pitchFamily="34" charset="0"/>
-                <a:cs typeface="Times New Roman" panose="02020603050405020304" pitchFamily="18" charset="0"/>
-              </a:rPr>
-              <a:t>Добавление наград для пользователей;</a:t>
-            </a:r>
-          </a:p>
-          <a:p>
-            <a:pPr algn="just">
-              <a:lnSpc>
-                <a:spcPct val="150000"/>
-              </a:lnSpc>
-              <a:spcAft>
-                <a:spcPts val="800"/>
-              </a:spcAft>
-            </a:pPr>
-            <a:r>
-              <a:rPr lang="ru-RU" sz="2400" kern="100" dirty="0">
-                <a:solidFill>
-                  <a:srgbClr val="000000"/>
-                </a:solidFill>
-                <a:effectLst/>
-                <a:latin typeface="Helvetica" panose="020B0604020202020204" pitchFamily="2" charset="0"/>
-                <a:ea typeface="Calibri" panose="020F0502020204030204" pitchFamily="34" charset="0"/>
-                <a:cs typeface="Times New Roman" panose="02020603050405020304" pitchFamily="18" charset="0"/>
-              </a:rPr>
-              <a:t>Добавление подробной аналитики продаж и подписок для художника.</a:t>
-            </a:r>
-          </a:p>
-        </p:txBody>
-      </p:sp>
-      <p:sp>
-        <p:nvSpPr>
-          <p:cNvPr id="5" name="Заголовок 1">
-            <a:extLst>
-              <a:ext uri="{FF2B5EF4-FFF2-40B4-BE49-F238E27FC236}">
-                <a16:creationId xmlns:a16="http://schemas.microsoft.com/office/drawing/2014/main" id="{5B163BA2-E01F-8A7F-843F-48215069D79A}"/>
+          <p:cNvPr id="4" name="Заголовок 1">
+            <a:extLst>
+              <a:ext uri="{FF2B5EF4-FFF2-40B4-BE49-F238E27FC236}">
+                <a16:creationId xmlns:a16="http://schemas.microsoft.com/office/drawing/2014/main" id="{08809879-027E-65BF-B079-6AA3DAD5AA00}"/>
               </a:ext>
             </a:extLst>
           </p:cNvPr>
@@ -4723,8 +5512,8 @@
         </p:nvSpPr>
         <p:spPr>
           <a:xfrm>
-            <a:off x="9796895" y="5689098"/>
-            <a:ext cx="1367560" cy="832427"/>
+            <a:off x="609600" y="5718421"/>
+            <a:ext cx="1367560" cy="362025"/>
           </a:xfrm>
           <a:prstGeom prst="rect">
             <a:avLst/>
@@ -4769,10 +5558,565 @@
       </p:sp>
       <p:sp>
         <p:nvSpPr>
-          <p:cNvPr id="6" name="TextBox 5">
-            <a:extLst>
-              <a:ext uri="{FF2B5EF4-FFF2-40B4-BE49-F238E27FC236}">
-                <a16:creationId xmlns:a16="http://schemas.microsoft.com/office/drawing/2014/main" id="{BB8490CF-6DA3-18E9-8BF8-80D49245292F}"/>
+          <p:cNvPr id="8" name="AutoShape 2">
+            <a:extLst>
+              <a:ext uri="{FF2B5EF4-FFF2-40B4-BE49-F238E27FC236}">
+                <a16:creationId xmlns:a16="http://schemas.microsoft.com/office/drawing/2014/main" id="{A60D3E77-0048-315A-E5CA-9D1A513B3776}"/>
+              </a:ext>
+            </a:extLst>
+          </p:cNvPr>
+          <p:cNvSpPr/>
+          <p:nvPr/>
+        </p:nvSpPr>
+        <p:spPr>
+          <a:xfrm>
+            <a:off x="685800" y="6159500"/>
+            <a:ext cx="10820400" cy="0"/>
+          </a:xfrm>
+          <a:prstGeom prst="line">
+            <a:avLst/>
+          </a:prstGeom>
+          <a:ln w="19050" cap="flat">
+            <a:solidFill>
+              <a:srgbClr val="000000"/>
+            </a:solidFill>
+            <a:prstDash val="solid"/>
+            <a:headEnd type="none" w="sm" len="sm"/>
+            <a:tailEnd type="none" w="sm" len="sm"/>
+          </a:ln>
+        </p:spPr>
+      </p:sp>
+      <p:sp>
+        <p:nvSpPr>
+          <p:cNvPr id="9" name="AutoShape 4">
+            <a:extLst>
+              <a:ext uri="{FF2B5EF4-FFF2-40B4-BE49-F238E27FC236}">
+                <a16:creationId xmlns:a16="http://schemas.microsoft.com/office/drawing/2014/main" id="{B813AABC-AE19-6AC0-B4D5-29670EF120B5}"/>
+              </a:ext>
+            </a:extLst>
+          </p:cNvPr>
+          <p:cNvSpPr/>
+          <p:nvPr/>
+        </p:nvSpPr>
+        <p:spPr>
+          <a:xfrm>
+            <a:off x="685800" y="685800"/>
+            <a:ext cx="10820400" cy="0"/>
+          </a:xfrm>
+          <a:prstGeom prst="line">
+            <a:avLst/>
+          </a:prstGeom>
+          <a:ln w="19050" cap="flat">
+            <a:solidFill>
+              <a:srgbClr val="000000"/>
+            </a:solidFill>
+            <a:prstDash val="solid"/>
+            <a:headEnd type="none" w="sm" len="sm"/>
+            <a:tailEnd type="none" w="sm" len="sm"/>
+          </a:ln>
+        </p:spPr>
+      </p:sp>
+      <p:sp>
+        <p:nvSpPr>
+          <p:cNvPr id="10" name="Заголовок 1">
+            <a:extLst>
+              <a:ext uri="{FF2B5EF4-FFF2-40B4-BE49-F238E27FC236}">
+                <a16:creationId xmlns:a16="http://schemas.microsoft.com/office/drawing/2014/main" id="{2F77F458-4884-8591-1A08-0E6A076DB56A}"/>
+              </a:ext>
+            </a:extLst>
+          </p:cNvPr>
+          <p:cNvSpPr txBox="1">
+            <a:spLocks/>
+          </p:cNvSpPr>
+          <p:nvPr/>
+        </p:nvSpPr>
+        <p:spPr>
+          <a:xfrm>
+            <a:off x="609600" y="1364864"/>
+            <a:ext cx="9296400" cy="928688"/>
+          </a:xfrm>
+          <a:prstGeom prst="rect">
+            <a:avLst/>
+          </a:prstGeom>
+        </p:spPr>
+        <p:txBody>
+          <a:bodyPr vert="horz" lIns="91440" tIns="45720" rIns="91440" bIns="45720" rtlCol="0" anchor="ctr">
+            <a:normAutofit/>
+          </a:bodyPr>
+          <a:lstStyle>
+            <a:lvl1pPr algn="l" defTabSz="914400" rtl="0" eaLnBrk="1" latinLnBrk="0" hangingPunct="1">
+              <a:lnSpc>
+                <a:spcPct val="90000"/>
+              </a:lnSpc>
+              <a:spcBef>
+                <a:spcPct val="0"/>
+              </a:spcBef>
+              <a:buNone/>
+              <a:defRPr sz="4400" kern="1200">
+                <a:solidFill>
+                  <a:schemeClr val="tx1"/>
+                </a:solidFill>
+                <a:latin typeface="+mj-lt"/>
+                <a:ea typeface="+mj-ea"/>
+                <a:cs typeface="+mj-cs"/>
+              </a:defRPr>
+            </a:lvl1pPr>
+          </a:lstStyle>
+          <a:p>
+            <a:r>
+              <a:rPr lang="ru-RU" sz="3600" b="1" spc="100" dirty="0">
+                <a:latin typeface="Helvetica" panose="020B0604020202020204" pitchFamily="2" charset="0"/>
+              </a:rPr>
+              <a:t>КОМАНДА</a:t>
+            </a:r>
+          </a:p>
+        </p:txBody>
+      </p:sp>
+      <p:sp>
+        <p:nvSpPr>
+          <p:cNvPr id="11" name="Объект 2">
+            <a:extLst>
+              <a:ext uri="{FF2B5EF4-FFF2-40B4-BE49-F238E27FC236}">
+                <a16:creationId xmlns:a16="http://schemas.microsoft.com/office/drawing/2014/main" id="{16056D76-2896-D12B-5453-83DF1575AB7B}"/>
+              </a:ext>
+            </a:extLst>
+          </p:cNvPr>
+          <p:cNvSpPr txBox="1">
+            <a:spLocks/>
+          </p:cNvSpPr>
+          <p:nvPr/>
+        </p:nvSpPr>
+        <p:spPr>
+          <a:xfrm>
+            <a:off x="609600" y="2372604"/>
+            <a:ext cx="10896600" cy="2821695"/>
+          </a:xfrm>
+          <a:prstGeom prst="rect">
+            <a:avLst/>
+          </a:prstGeom>
+        </p:spPr>
+        <p:txBody>
+          <a:bodyPr vert="horz" lIns="91440" tIns="45720" rIns="91440" bIns="45720" rtlCol="0">
+            <a:normAutofit fontScale="92500"/>
+          </a:bodyPr>
+          <a:lstStyle>
+            <a:lvl1pPr marL="228600" indent="-228600" algn="l" defTabSz="914400" rtl="0" eaLnBrk="1" latinLnBrk="0" hangingPunct="1">
+              <a:lnSpc>
+                <a:spcPct val="90000"/>
+              </a:lnSpc>
+              <a:spcBef>
+                <a:spcPts val="1000"/>
+              </a:spcBef>
+              <a:buFont typeface="Arial" panose="020B0604020202020204" pitchFamily="34" charset="0"/>
+              <a:buChar char="•"/>
+              <a:defRPr sz="2800" kern="1200">
+                <a:solidFill>
+                  <a:schemeClr val="tx1"/>
+                </a:solidFill>
+                <a:latin typeface="+mn-lt"/>
+                <a:ea typeface="+mn-ea"/>
+                <a:cs typeface="+mn-cs"/>
+              </a:defRPr>
+            </a:lvl1pPr>
+            <a:lvl2pPr marL="685800" indent="-228600" algn="l" defTabSz="914400" rtl="0" eaLnBrk="1" latinLnBrk="0" hangingPunct="1">
+              <a:lnSpc>
+                <a:spcPct val="90000"/>
+              </a:lnSpc>
+              <a:spcBef>
+                <a:spcPts val="500"/>
+              </a:spcBef>
+              <a:buFont typeface="Arial" panose="020B0604020202020204" pitchFamily="34" charset="0"/>
+              <a:buChar char="•"/>
+              <a:defRPr sz="2400" kern="1200">
+                <a:solidFill>
+                  <a:schemeClr val="tx1"/>
+                </a:solidFill>
+                <a:latin typeface="+mn-lt"/>
+                <a:ea typeface="+mn-ea"/>
+                <a:cs typeface="+mn-cs"/>
+              </a:defRPr>
+            </a:lvl2pPr>
+            <a:lvl3pPr marL="1143000" indent="-228600" algn="l" defTabSz="914400" rtl="0" eaLnBrk="1" latinLnBrk="0" hangingPunct="1">
+              <a:lnSpc>
+                <a:spcPct val="90000"/>
+              </a:lnSpc>
+              <a:spcBef>
+                <a:spcPts val="500"/>
+              </a:spcBef>
+              <a:buFont typeface="Arial" panose="020B0604020202020204" pitchFamily="34" charset="0"/>
+              <a:buChar char="•"/>
+              <a:defRPr sz="2000" kern="1200">
+                <a:solidFill>
+                  <a:schemeClr val="tx1"/>
+                </a:solidFill>
+                <a:latin typeface="+mn-lt"/>
+                <a:ea typeface="+mn-ea"/>
+                <a:cs typeface="+mn-cs"/>
+              </a:defRPr>
+            </a:lvl3pPr>
+            <a:lvl4pPr marL="1600200" indent="-228600" algn="l" defTabSz="914400" rtl="0" eaLnBrk="1" latinLnBrk="0" hangingPunct="1">
+              <a:lnSpc>
+                <a:spcPct val="90000"/>
+              </a:lnSpc>
+              <a:spcBef>
+                <a:spcPts val="500"/>
+              </a:spcBef>
+              <a:buFont typeface="Arial" panose="020B0604020202020204" pitchFamily="34" charset="0"/>
+              <a:buChar char="•"/>
+              <a:defRPr sz="1800" kern="1200">
+                <a:solidFill>
+                  <a:schemeClr val="tx1"/>
+                </a:solidFill>
+                <a:latin typeface="+mn-lt"/>
+                <a:ea typeface="+mn-ea"/>
+                <a:cs typeface="+mn-cs"/>
+              </a:defRPr>
+            </a:lvl4pPr>
+            <a:lvl5pPr marL="2057400" indent="-228600" algn="l" defTabSz="914400" rtl="0" eaLnBrk="1" latinLnBrk="0" hangingPunct="1">
+              <a:lnSpc>
+                <a:spcPct val="90000"/>
+              </a:lnSpc>
+              <a:spcBef>
+                <a:spcPts val="500"/>
+              </a:spcBef>
+              <a:buFont typeface="Arial" panose="020B0604020202020204" pitchFamily="34" charset="0"/>
+              <a:buChar char="•"/>
+              <a:defRPr sz="1800" kern="1200">
+                <a:solidFill>
+                  <a:schemeClr val="tx1"/>
+                </a:solidFill>
+                <a:latin typeface="+mn-lt"/>
+                <a:ea typeface="+mn-ea"/>
+                <a:cs typeface="+mn-cs"/>
+              </a:defRPr>
+            </a:lvl5pPr>
+            <a:lvl6pPr marL="2514600" indent="-228600" algn="l" defTabSz="914400" rtl="0" eaLnBrk="1" latinLnBrk="0" hangingPunct="1">
+              <a:lnSpc>
+                <a:spcPct val="90000"/>
+              </a:lnSpc>
+              <a:spcBef>
+                <a:spcPts val="500"/>
+              </a:spcBef>
+              <a:buFont typeface="Arial" panose="020B0604020202020204" pitchFamily="34" charset="0"/>
+              <a:buChar char="•"/>
+              <a:defRPr sz="1800" kern="1200">
+                <a:solidFill>
+                  <a:schemeClr val="tx1"/>
+                </a:solidFill>
+                <a:latin typeface="+mn-lt"/>
+                <a:ea typeface="+mn-ea"/>
+                <a:cs typeface="+mn-cs"/>
+              </a:defRPr>
+            </a:lvl6pPr>
+            <a:lvl7pPr marL="2971800" indent="-228600" algn="l" defTabSz="914400" rtl="0" eaLnBrk="1" latinLnBrk="0" hangingPunct="1">
+              <a:lnSpc>
+                <a:spcPct val="90000"/>
+              </a:lnSpc>
+              <a:spcBef>
+                <a:spcPts val="500"/>
+              </a:spcBef>
+              <a:buFont typeface="Arial" panose="020B0604020202020204" pitchFamily="34" charset="0"/>
+              <a:buChar char="•"/>
+              <a:defRPr sz="1800" kern="1200">
+                <a:solidFill>
+                  <a:schemeClr val="tx1"/>
+                </a:solidFill>
+                <a:latin typeface="+mn-lt"/>
+                <a:ea typeface="+mn-ea"/>
+                <a:cs typeface="+mn-cs"/>
+              </a:defRPr>
+            </a:lvl7pPr>
+            <a:lvl8pPr marL="3429000" indent="-228600" algn="l" defTabSz="914400" rtl="0" eaLnBrk="1" latinLnBrk="0" hangingPunct="1">
+              <a:lnSpc>
+                <a:spcPct val="90000"/>
+              </a:lnSpc>
+              <a:spcBef>
+                <a:spcPts val="500"/>
+              </a:spcBef>
+              <a:buFont typeface="Arial" panose="020B0604020202020204" pitchFamily="34" charset="0"/>
+              <a:buChar char="•"/>
+              <a:defRPr sz="1800" kern="1200">
+                <a:solidFill>
+                  <a:schemeClr val="tx1"/>
+                </a:solidFill>
+                <a:latin typeface="+mn-lt"/>
+                <a:ea typeface="+mn-ea"/>
+                <a:cs typeface="+mn-cs"/>
+              </a:defRPr>
+            </a:lvl8pPr>
+            <a:lvl9pPr marL="3886200" indent="-228600" algn="l" defTabSz="914400" rtl="0" eaLnBrk="1" latinLnBrk="0" hangingPunct="1">
+              <a:lnSpc>
+                <a:spcPct val="90000"/>
+              </a:lnSpc>
+              <a:spcBef>
+                <a:spcPts val="500"/>
+              </a:spcBef>
+              <a:buFont typeface="Arial" panose="020B0604020202020204" pitchFamily="34" charset="0"/>
+              <a:buChar char="•"/>
+              <a:defRPr sz="1800" kern="1200">
+                <a:solidFill>
+                  <a:schemeClr val="tx1"/>
+                </a:solidFill>
+                <a:latin typeface="+mn-lt"/>
+                <a:ea typeface="+mn-ea"/>
+                <a:cs typeface="+mn-cs"/>
+              </a:defRPr>
+            </a:lvl9pPr>
+          </a:lstStyle>
+          <a:p>
+            <a:pPr marL="0" indent="0" algn="just">
+              <a:lnSpc>
+                <a:spcPct val="150000"/>
+              </a:lnSpc>
+              <a:spcAft>
+                <a:spcPts val="800"/>
+              </a:spcAft>
+              <a:buNone/>
+            </a:pPr>
+            <a:r>
+              <a:rPr lang="ru-RU" sz="2400" b="1" kern="100" dirty="0">
+                <a:solidFill>
+                  <a:srgbClr val="000000"/>
+                </a:solidFill>
+                <a:effectLst/>
+                <a:latin typeface="Helvetica" panose="020B0604020202020204" pitchFamily="2" charset="0"/>
+                <a:ea typeface="Calibri" panose="020F0502020204030204" pitchFamily="34" charset="0"/>
+                <a:cs typeface="Times New Roman" panose="02020603050405020304" pitchFamily="18" charset="0"/>
+              </a:rPr>
+              <a:t>Коробейникова Анастасия</a:t>
+            </a:r>
+            <a:r>
+              <a:rPr lang="ru-RU" sz="2400" kern="100" dirty="0">
+                <a:solidFill>
+                  <a:srgbClr val="000000"/>
+                </a:solidFill>
+                <a:effectLst/>
+                <a:latin typeface="Helvetica" panose="020B0604020202020204" pitchFamily="2" charset="0"/>
+                <a:ea typeface="Calibri" panose="020F0502020204030204" pitchFamily="34" charset="0"/>
+                <a:cs typeface="Times New Roman" panose="02020603050405020304" pitchFamily="18" charset="0"/>
+              </a:rPr>
+              <a:t> </a:t>
+            </a:r>
+            <a:r>
+              <a:rPr lang="ru-RU" sz="2400" dirty="0">
+                <a:latin typeface="Helvetica" panose="020B0604020202020204" pitchFamily="2" charset="0"/>
+                <a:cs typeface="Fahkwang" panose="00000500000000000000" pitchFamily="2" charset="-34"/>
+              </a:rPr>
+              <a:t>–</a:t>
+            </a:r>
+            <a:r>
+              <a:rPr lang="ru-RU" sz="2400" kern="100" dirty="0">
+                <a:solidFill>
+                  <a:srgbClr val="000000"/>
+                </a:solidFill>
+                <a:effectLst/>
+                <a:latin typeface="Helvetica" panose="020B0604020202020204" pitchFamily="2" charset="0"/>
+                <a:ea typeface="Calibri" panose="020F0502020204030204" pitchFamily="34" charset="0"/>
+                <a:cs typeface="Times New Roman" panose="02020603050405020304" pitchFamily="18" charset="0"/>
+              </a:rPr>
+              <a:t> тимлид, продакт, </a:t>
+            </a:r>
+            <a:r>
+              <a:rPr lang="ru-RU" sz="2400" kern="100" dirty="0" err="1">
+                <a:solidFill>
+                  <a:srgbClr val="000000"/>
+                </a:solidFill>
+                <a:effectLst/>
+                <a:latin typeface="Helvetica" panose="020B0604020202020204" pitchFamily="2" charset="0"/>
+                <a:ea typeface="Calibri" panose="020F0502020204030204" pitchFamily="34" charset="0"/>
+                <a:cs typeface="Times New Roman" panose="02020603050405020304" pitchFamily="18" charset="0"/>
+              </a:rPr>
+              <a:t>проджект</a:t>
+            </a:r>
+            <a:r>
+              <a:rPr lang="ru-RU" sz="2400" kern="100" dirty="0">
+                <a:solidFill>
+                  <a:srgbClr val="000000"/>
+                </a:solidFill>
+                <a:effectLst/>
+                <a:latin typeface="Helvetica" panose="020B0604020202020204" pitchFamily="2" charset="0"/>
+                <a:ea typeface="Calibri" panose="020F0502020204030204" pitchFamily="34" charset="0"/>
+                <a:cs typeface="Times New Roman" panose="02020603050405020304" pitchFamily="18" charset="0"/>
+              </a:rPr>
+              <a:t>-менеджер, </a:t>
+            </a:r>
+            <a:r>
+              <a:rPr lang="ru-RU" sz="2400" kern="100" dirty="0" err="1">
+                <a:solidFill>
+                  <a:srgbClr val="000000"/>
+                </a:solidFill>
+                <a:effectLst/>
+                <a:latin typeface="Helvetica" panose="020B0604020202020204" pitchFamily="2" charset="0"/>
+                <a:ea typeface="Calibri" panose="020F0502020204030204" pitchFamily="34" charset="0"/>
+                <a:cs typeface="Times New Roman" panose="02020603050405020304" pitchFamily="18" charset="0"/>
+              </a:rPr>
+              <a:t>фронтенд</a:t>
+            </a:r>
+            <a:r>
+              <a:rPr lang="ru-RU" sz="2400" kern="100" dirty="0">
+                <a:solidFill>
+                  <a:srgbClr val="000000"/>
+                </a:solidFill>
+                <a:effectLst/>
+                <a:latin typeface="Helvetica" panose="020B0604020202020204" pitchFamily="2" charset="0"/>
+                <a:ea typeface="Calibri" panose="020F0502020204030204" pitchFamily="34" charset="0"/>
+                <a:cs typeface="Times New Roman" panose="02020603050405020304" pitchFamily="18" charset="0"/>
+              </a:rPr>
+              <a:t> разработчик, тестировщик.</a:t>
+            </a:r>
+          </a:p>
+          <a:p>
+            <a:pPr marL="0" indent="0" algn="just">
+              <a:lnSpc>
+                <a:spcPct val="140000"/>
+              </a:lnSpc>
+              <a:spcAft>
+                <a:spcPts val="800"/>
+              </a:spcAft>
+              <a:buNone/>
+            </a:pPr>
+            <a:r>
+              <a:rPr lang="ru-RU" sz="2400" b="1" kern="100" dirty="0">
+                <a:solidFill>
+                  <a:srgbClr val="000000"/>
+                </a:solidFill>
+                <a:effectLst/>
+                <a:latin typeface="Helvetica" panose="020B0604020202020204" pitchFamily="2" charset="0"/>
+                <a:ea typeface="Calibri" panose="020F0502020204030204" pitchFamily="34" charset="0"/>
+                <a:cs typeface="Times New Roman" panose="02020603050405020304" pitchFamily="18" charset="0"/>
+              </a:rPr>
+              <a:t>Любченко Елизавета</a:t>
+            </a:r>
+            <a:r>
+              <a:rPr lang="ru-RU" sz="2400" kern="100" dirty="0">
+                <a:solidFill>
+                  <a:srgbClr val="000000"/>
+                </a:solidFill>
+                <a:effectLst/>
+                <a:latin typeface="Helvetica" panose="020B0604020202020204" pitchFamily="2" charset="0"/>
+                <a:ea typeface="Calibri" panose="020F0502020204030204" pitchFamily="34" charset="0"/>
+                <a:cs typeface="Times New Roman" panose="02020603050405020304" pitchFamily="18" charset="0"/>
+              </a:rPr>
+              <a:t> </a:t>
+            </a:r>
+            <a:r>
+              <a:rPr lang="ru-RU" sz="2400" dirty="0">
+                <a:latin typeface="Helvetica" panose="020B0604020202020204" pitchFamily="2" charset="0"/>
+                <a:cs typeface="Fahkwang" panose="00000500000000000000" pitchFamily="2" charset="-34"/>
+              </a:rPr>
+              <a:t>–</a:t>
+            </a:r>
+            <a:r>
+              <a:rPr lang="ru-RU" sz="2400" kern="100" dirty="0">
+                <a:solidFill>
+                  <a:srgbClr val="000000"/>
+                </a:solidFill>
+                <a:effectLst/>
+                <a:latin typeface="Helvetica" panose="020B0604020202020204" pitchFamily="2" charset="0"/>
+                <a:ea typeface="Calibri" panose="020F0502020204030204" pitchFamily="34" charset="0"/>
+                <a:cs typeface="Times New Roman" panose="02020603050405020304" pitchFamily="18" charset="0"/>
+              </a:rPr>
+              <a:t> бизнес-аналитик, технический писатель, дизайнер.</a:t>
+            </a:r>
+          </a:p>
+          <a:p>
+            <a:pPr marL="0" indent="0" algn="just">
+              <a:lnSpc>
+                <a:spcPct val="140000"/>
+              </a:lnSpc>
+              <a:spcAft>
+                <a:spcPts val="800"/>
+              </a:spcAft>
+              <a:buNone/>
+            </a:pPr>
+            <a:r>
+              <a:rPr lang="ru-RU" sz="2400" b="1" kern="100" dirty="0">
+                <a:solidFill>
+                  <a:srgbClr val="000000"/>
+                </a:solidFill>
+                <a:effectLst/>
+                <a:latin typeface="Helvetica" panose="020B0604020202020204" pitchFamily="2" charset="0"/>
+                <a:ea typeface="Calibri" panose="020F0502020204030204" pitchFamily="34" charset="0"/>
+                <a:cs typeface="Times New Roman" panose="02020603050405020304" pitchFamily="18" charset="0"/>
+              </a:rPr>
+              <a:t>Шеина Елена</a:t>
+            </a:r>
+            <a:r>
+              <a:rPr lang="ru-RU" sz="2400" kern="100" dirty="0">
+                <a:solidFill>
+                  <a:srgbClr val="000000"/>
+                </a:solidFill>
+                <a:effectLst/>
+                <a:latin typeface="Helvetica" panose="020B0604020202020204" pitchFamily="2" charset="0"/>
+                <a:ea typeface="Calibri" panose="020F0502020204030204" pitchFamily="34" charset="0"/>
+                <a:cs typeface="Times New Roman" panose="02020603050405020304" pitchFamily="18" charset="0"/>
+              </a:rPr>
+              <a:t> </a:t>
+            </a:r>
+            <a:r>
+              <a:rPr lang="ru-RU" sz="2400" dirty="0">
+                <a:latin typeface="Helvetica" panose="020B0604020202020204" pitchFamily="2" charset="0"/>
+                <a:cs typeface="Fahkwang" panose="00000500000000000000" pitchFamily="2" charset="-34"/>
+              </a:rPr>
+              <a:t>–</a:t>
+            </a:r>
+            <a:r>
+              <a:rPr lang="ru-RU" sz="2400" kern="100" dirty="0">
+                <a:solidFill>
+                  <a:srgbClr val="000000"/>
+                </a:solidFill>
+                <a:effectLst/>
+                <a:latin typeface="Helvetica" panose="020B0604020202020204" pitchFamily="2" charset="0"/>
+                <a:ea typeface="Calibri" panose="020F0502020204030204" pitchFamily="34" charset="0"/>
+                <a:cs typeface="Times New Roman" panose="02020603050405020304" pitchFamily="18" charset="0"/>
+              </a:rPr>
+              <a:t> системный аналитик, бэкенд разработчик, </a:t>
+            </a:r>
+            <a:r>
+              <a:rPr lang="ru-RU" sz="2400" kern="100" dirty="0" err="1">
+                <a:solidFill>
+                  <a:srgbClr val="000000"/>
+                </a:solidFill>
+                <a:effectLst/>
+                <a:latin typeface="Helvetica" panose="020B0604020202020204" pitchFamily="2" charset="0"/>
+                <a:ea typeface="Calibri" panose="020F0502020204030204" pitchFamily="34" charset="0"/>
+                <a:cs typeface="Times New Roman" panose="02020603050405020304" pitchFamily="18" charset="0"/>
+              </a:rPr>
+              <a:t>девопс</a:t>
+            </a:r>
+            <a:r>
+              <a:rPr lang="ru-RU" sz="2400" kern="100" dirty="0">
+                <a:solidFill>
+                  <a:srgbClr val="000000"/>
+                </a:solidFill>
+                <a:effectLst/>
+                <a:latin typeface="Helvetica" panose="020B0604020202020204" pitchFamily="2" charset="0"/>
+                <a:ea typeface="Calibri" panose="020F0502020204030204" pitchFamily="34" charset="0"/>
+                <a:cs typeface="Times New Roman" panose="02020603050405020304" pitchFamily="18" charset="0"/>
+              </a:rPr>
+              <a:t> инженер.</a:t>
+            </a:r>
+          </a:p>
+          <a:p>
+            <a:pPr marL="0" indent="0">
+              <a:lnSpc>
+                <a:spcPct val="150000"/>
+              </a:lnSpc>
+              <a:buNone/>
+            </a:pPr>
+            <a:endParaRPr lang="ru-RU" sz="2400" dirty="0">
+              <a:latin typeface="Helvetica" panose="020B0604020202020204" pitchFamily="2" charset="0"/>
+              <a:cs typeface="Fahkwang" panose="00000500000000000000" pitchFamily="2" charset="-34"/>
+            </a:endParaRPr>
+          </a:p>
+        </p:txBody>
+      </p:sp>
+      <p:sp>
+        <p:nvSpPr>
+          <p:cNvPr id="2" name="TextBox 1">
+            <a:extLst>
+              <a:ext uri="{FF2B5EF4-FFF2-40B4-BE49-F238E27FC236}">
+                <a16:creationId xmlns:a16="http://schemas.microsoft.com/office/drawing/2014/main" id="{646B9443-789B-F672-295D-CFCF8050B28F}"/>
               </a:ext>
             </a:extLst>
           </p:cNvPr>
@@ -4781,8 +6125,8 @@
         </p:nvSpPr>
         <p:spPr>
           <a:xfrm>
-            <a:off x="5608782" y="5874478"/>
-            <a:ext cx="974436" cy="461665"/>
+            <a:off x="10585450" y="5668600"/>
+            <a:ext cx="996950" cy="461665"/>
           </a:xfrm>
           <a:prstGeom prst="rect">
             <a:avLst/>
@@ -4800,13 +6144,19 @@
               <a:rPr lang="ru-RU" sz="2400" dirty="0">
                 <a:latin typeface="Helvetica" panose="020B0604020202020204" pitchFamily="2" charset="0"/>
               </a:rPr>
-              <a:t>1</a:t>
+              <a:t>13</a:t>
             </a:r>
             <a:r>
               <a:rPr lang="en-US" sz="2400" dirty="0">
                 <a:latin typeface="Helvetica" panose="020B0604020202020204" pitchFamily="2" charset="0"/>
               </a:rPr>
-              <a:t>3/15</a:t>
+              <a:t>/1</a:t>
+            </a:r>
+            <a:r>
+              <a:rPr lang="ru-RU" sz="2400" dirty="0">
+                <a:latin typeface="Helvetica" panose="020B0604020202020204" pitchFamily="2" charset="0"/>
+              </a:rPr>
+              <a:t>5</a:t>
             </a:r>
             <a:endParaRPr lang="ru-RU" sz="2400" dirty="0"/>
           </a:p>
@@ -4815,7 +6165,7 @@
     </p:spTree>
     <p:extLst>
       <p:ext uri="{BB962C8B-B14F-4D97-AF65-F5344CB8AC3E}">
-        <p14:creationId xmlns:p14="http://schemas.microsoft.com/office/powerpoint/2010/main" val="1967406907"/>
+        <p14:creationId xmlns:p14="http://schemas.microsoft.com/office/powerpoint/2010/main" val="2802166991"/>
       </p:ext>
     </p:extLst>
   </p:cSld>
@@ -4844,46 +6194,6 @@
       </p:grpSpPr>
       <p:sp>
         <p:nvSpPr>
-          <p:cNvPr id="2" name="Заголовок 1">
-            <a:extLst>
-              <a:ext uri="{FF2B5EF4-FFF2-40B4-BE49-F238E27FC236}">
-                <a16:creationId xmlns:a16="http://schemas.microsoft.com/office/drawing/2014/main" id="{97F2B76D-03A2-122D-1A97-BC93E2E7D80A}"/>
-              </a:ext>
-            </a:extLst>
-          </p:cNvPr>
-          <p:cNvSpPr>
-            <a:spLocks noGrp="1"/>
-          </p:cNvSpPr>
-          <p:nvPr>
-            <p:ph type="title"/>
-          </p:nvPr>
-        </p:nvSpPr>
-        <p:spPr>
-          <a:xfrm>
-            <a:off x="1184275" y="630237"/>
-            <a:ext cx="9296400" cy="928688"/>
-          </a:xfrm>
-        </p:spPr>
-        <p:txBody>
-          <a:bodyPr>
-            <a:normAutofit/>
-          </a:bodyPr>
-          <a:lstStyle/>
-          <a:p>
-            <a:r>
-              <a:rPr lang="ru-RU" sz="3600" b="1" spc="100" dirty="0">
-                <a:latin typeface="Helvetica" panose="020B0604020202020204" pitchFamily="2" charset="0"/>
-              </a:rPr>
-              <a:t>Информация о команде</a:t>
-            </a:r>
-            <a:endParaRPr lang="ru-RU" sz="3600" b="1" dirty="0">
-              <a:latin typeface="Helvetica" panose="020B0604020202020204" pitchFamily="2" charset="0"/>
-            </a:endParaRPr>
-          </a:p>
-        </p:txBody>
-      </p:sp>
-      <p:sp>
-        <p:nvSpPr>
           <p:cNvPr id="3" name="Объект 2">
             <a:extLst>
               <a:ext uri="{FF2B5EF4-FFF2-40B4-BE49-F238E27FC236}">
@@ -4900,8 +6210,8 @@
         </p:nvSpPr>
         <p:spPr>
           <a:xfrm>
-            <a:off x="1184275" y="1679575"/>
-            <a:ext cx="9848850" cy="4937125"/>
+            <a:off x="685800" y="2297942"/>
+            <a:ext cx="10820400" cy="2262116"/>
           </a:xfrm>
         </p:spPr>
         <p:txBody>
@@ -4910,186 +6220,50 @@
           </a:bodyPr>
           <a:lstStyle/>
           <a:p>
-            <a:pPr algn="just">
+            <a:pPr marL="0" indent="0" algn="just">
               <a:lnSpc>
                 <a:spcPct val="150000"/>
               </a:lnSpc>
               <a:spcAft>
                 <a:spcPts val="800"/>
               </a:spcAft>
-            </a:pPr>
-            <a:r>
-              <a:rPr lang="ru-RU" sz="2400" b="1" kern="100" dirty="0">
-                <a:solidFill>
-                  <a:srgbClr val="000000"/>
-                </a:solidFill>
-                <a:effectLst/>
-                <a:latin typeface="Helvetica" panose="020B0604020202020204" pitchFamily="2" charset="0"/>
-                <a:ea typeface="Calibri" panose="020F0502020204030204" pitchFamily="34" charset="0"/>
-                <a:cs typeface="Times New Roman" panose="02020603050405020304" pitchFamily="18" charset="0"/>
-              </a:rPr>
-              <a:t>Коробейникова Анастасия</a:t>
-            </a:r>
-            <a:r>
-              <a:rPr lang="ru-RU" sz="2400" kern="100" dirty="0">
-                <a:solidFill>
-                  <a:srgbClr val="000000"/>
-                </a:solidFill>
-                <a:effectLst/>
-                <a:latin typeface="Helvetica" panose="020B0604020202020204" pitchFamily="2" charset="0"/>
-                <a:ea typeface="Calibri" panose="020F0502020204030204" pitchFamily="34" charset="0"/>
-                <a:cs typeface="Times New Roman" panose="02020603050405020304" pitchFamily="18" charset="0"/>
-              </a:rPr>
-              <a:t>: тимлид, продакт, </a:t>
-            </a:r>
-            <a:r>
-              <a:rPr lang="ru-RU" sz="2400" kern="100" dirty="0" err="1">
-                <a:solidFill>
-                  <a:srgbClr val="000000"/>
-                </a:solidFill>
-                <a:effectLst/>
-                <a:latin typeface="Helvetica" panose="020B0604020202020204" pitchFamily="2" charset="0"/>
-                <a:ea typeface="Calibri" panose="020F0502020204030204" pitchFamily="34" charset="0"/>
-                <a:cs typeface="Times New Roman" panose="02020603050405020304" pitchFamily="18" charset="0"/>
-              </a:rPr>
-              <a:t>проджект</a:t>
-            </a:r>
-            <a:r>
-              <a:rPr lang="ru-RU" sz="2400" kern="100" dirty="0">
-                <a:solidFill>
-                  <a:srgbClr val="000000"/>
-                </a:solidFill>
-                <a:effectLst/>
-                <a:latin typeface="Helvetica" panose="020B0604020202020204" pitchFamily="2" charset="0"/>
-                <a:ea typeface="Calibri" panose="020F0502020204030204" pitchFamily="34" charset="0"/>
-                <a:cs typeface="Times New Roman" panose="02020603050405020304" pitchFamily="18" charset="0"/>
-              </a:rPr>
-              <a:t>-менеджер, </a:t>
-            </a:r>
-            <a:r>
-              <a:rPr lang="ru-RU" sz="2400" kern="100" dirty="0" err="1">
-                <a:solidFill>
-                  <a:srgbClr val="000000"/>
-                </a:solidFill>
-                <a:effectLst/>
-                <a:latin typeface="Helvetica" panose="020B0604020202020204" pitchFamily="2" charset="0"/>
-                <a:ea typeface="Calibri" panose="020F0502020204030204" pitchFamily="34" charset="0"/>
-                <a:cs typeface="Times New Roman" panose="02020603050405020304" pitchFamily="18" charset="0"/>
-              </a:rPr>
-              <a:t>фронтенд</a:t>
-            </a:r>
-            <a:r>
-              <a:rPr lang="ru-RU" sz="2400" kern="100" dirty="0">
-                <a:solidFill>
-                  <a:srgbClr val="000000"/>
-                </a:solidFill>
-                <a:effectLst/>
-                <a:latin typeface="Helvetica" panose="020B0604020202020204" pitchFamily="2" charset="0"/>
-                <a:ea typeface="Calibri" panose="020F0502020204030204" pitchFamily="34" charset="0"/>
-                <a:cs typeface="Times New Roman" panose="02020603050405020304" pitchFamily="18" charset="0"/>
-              </a:rPr>
-              <a:t> разработчик, тестировщик;</a:t>
-            </a:r>
-          </a:p>
-          <a:p>
-            <a:pPr algn="just">
-              <a:lnSpc>
-                <a:spcPct val="140000"/>
-              </a:lnSpc>
-              <a:spcAft>
-                <a:spcPts val="800"/>
-              </a:spcAft>
-            </a:pPr>
-            <a:r>
-              <a:rPr lang="ru-RU" sz="2400" b="1" kern="100" dirty="0">
-                <a:solidFill>
-                  <a:srgbClr val="000000"/>
-                </a:solidFill>
-                <a:effectLst/>
-                <a:latin typeface="Helvetica" panose="020B0604020202020204" pitchFamily="2" charset="0"/>
-                <a:ea typeface="Calibri" panose="020F0502020204030204" pitchFamily="34" charset="0"/>
-                <a:cs typeface="Times New Roman" panose="02020603050405020304" pitchFamily="18" charset="0"/>
-              </a:rPr>
-              <a:t>Любченко Елизавета</a:t>
-            </a:r>
-            <a:r>
-              <a:rPr lang="ru-RU" sz="2400" kern="100" dirty="0">
-                <a:solidFill>
-                  <a:srgbClr val="000000"/>
-                </a:solidFill>
-                <a:effectLst/>
-                <a:latin typeface="Helvetica" panose="020B0604020202020204" pitchFamily="2" charset="0"/>
-                <a:ea typeface="Calibri" panose="020F0502020204030204" pitchFamily="34" charset="0"/>
-                <a:cs typeface="Times New Roman" panose="02020603050405020304" pitchFamily="18" charset="0"/>
-              </a:rPr>
-              <a:t>: бизнес-аналитик, технический писатель, дизайнер;</a:t>
-            </a:r>
-          </a:p>
-          <a:p>
-            <a:pPr algn="just">
-              <a:lnSpc>
-                <a:spcPct val="140000"/>
-              </a:lnSpc>
-              <a:spcAft>
-                <a:spcPts val="800"/>
-              </a:spcAft>
-            </a:pPr>
-            <a:r>
-              <a:rPr lang="ru-RU" sz="2400" b="1" kern="100" dirty="0">
-                <a:solidFill>
-                  <a:srgbClr val="000000"/>
-                </a:solidFill>
-                <a:effectLst/>
-                <a:latin typeface="Helvetica" panose="020B0604020202020204" pitchFamily="2" charset="0"/>
-                <a:ea typeface="Calibri" panose="020F0502020204030204" pitchFamily="34" charset="0"/>
-                <a:cs typeface="Times New Roman" panose="02020603050405020304" pitchFamily="18" charset="0"/>
-              </a:rPr>
-              <a:t>Шеина Елена</a:t>
-            </a:r>
-            <a:r>
-              <a:rPr lang="ru-RU" sz="2400" kern="100" dirty="0">
-                <a:solidFill>
-                  <a:srgbClr val="000000"/>
-                </a:solidFill>
-                <a:effectLst/>
-                <a:latin typeface="Helvetica" panose="020B0604020202020204" pitchFamily="2" charset="0"/>
-                <a:ea typeface="Calibri" panose="020F0502020204030204" pitchFamily="34" charset="0"/>
-                <a:cs typeface="Times New Roman" panose="02020603050405020304" pitchFamily="18" charset="0"/>
-              </a:rPr>
-              <a:t>: системный аналитик, бэкенд разработчик, </a:t>
-            </a:r>
-            <a:r>
-              <a:rPr lang="ru-RU" sz="2400" kern="100" dirty="0" err="1">
-                <a:solidFill>
-                  <a:srgbClr val="000000"/>
-                </a:solidFill>
-                <a:effectLst/>
-                <a:latin typeface="Helvetica" panose="020B0604020202020204" pitchFamily="2" charset="0"/>
-                <a:ea typeface="Calibri" panose="020F0502020204030204" pitchFamily="34" charset="0"/>
-                <a:cs typeface="Times New Roman" panose="02020603050405020304" pitchFamily="18" charset="0"/>
-              </a:rPr>
-              <a:t>девопс</a:t>
-            </a:r>
-            <a:r>
-              <a:rPr lang="ru-RU" sz="2400" kern="100" dirty="0">
-                <a:solidFill>
-                  <a:srgbClr val="000000"/>
-                </a:solidFill>
-                <a:effectLst/>
-                <a:latin typeface="Helvetica" panose="020B0604020202020204" pitchFamily="2" charset="0"/>
-                <a:ea typeface="Calibri" panose="020F0502020204030204" pitchFamily="34" charset="0"/>
-                <a:cs typeface="Times New Roman" panose="02020603050405020304" pitchFamily="18" charset="0"/>
-              </a:rPr>
-              <a:t> инженер.</a:t>
-            </a:r>
-          </a:p>
-          <a:p>
-            <a:pPr marL="0" indent="0">
-              <a:lnSpc>
-                <a:spcPct val="150000"/>
-              </a:lnSpc>
               <a:buNone/>
             </a:pPr>
+            <a:r>
+              <a:rPr lang="ru-RU" sz="2400" kern="1200" dirty="0">
+                <a:solidFill>
+                  <a:srgbClr val="000000"/>
+                </a:solidFill>
+                <a:effectLst/>
+                <a:latin typeface="Helvetica" panose="020B0604020202020204" pitchFamily="2" charset="0"/>
+                <a:ea typeface="+mj-ea"/>
+                <a:cs typeface="Fahkwang" panose="00000500000000000000" pitchFamily="2" charset="-34"/>
+              </a:rPr>
+              <a:t>Погрузитесь в мир искусства вместе с </a:t>
+            </a:r>
+            <a:r>
+              <a:rPr lang="en-US" sz="2400" kern="1200" dirty="0" err="1">
+                <a:solidFill>
+                  <a:srgbClr val="000000"/>
+                </a:solidFill>
+                <a:effectLst/>
+                <a:latin typeface="Helvetica" panose="020B0604020202020204" pitchFamily="2" charset="0"/>
+                <a:ea typeface="+mj-ea"/>
+                <a:cs typeface="Fahkwang" panose="00000500000000000000" pitchFamily="2" charset="-34"/>
+              </a:rPr>
+              <a:t>Lindéro</a:t>
+            </a:r>
+            <a:r>
+              <a:rPr lang="ru-RU" sz="2400" dirty="0">
+                <a:solidFill>
+                  <a:srgbClr val="000000"/>
+                </a:solidFill>
+                <a:latin typeface="Helvetica" panose="020B0604020202020204" pitchFamily="2" charset="0"/>
+                <a:ea typeface="+mj-ea"/>
+                <a:cs typeface="Fahkwang" panose="00000500000000000000" pitchFamily="2" charset="-34"/>
+              </a:rPr>
+              <a:t>. У нас вы найдете уникальные произведения искусства, сможете поучаствовать в торгах на аукционе и даже оформить подписку на любимого художника.</a:t>
+            </a:r>
             <a:endParaRPr lang="ru-RU" sz="2400" dirty="0">
               <a:latin typeface="Helvetica" panose="020B0604020202020204" pitchFamily="2" charset="0"/>
               <a:cs typeface="Fahkwang" panose="00000500000000000000" pitchFamily="2" charset="-34"/>
@@ -5099,10 +6273,10 @@
       </p:sp>
       <p:sp>
         <p:nvSpPr>
-          <p:cNvPr id="5" name="Заголовок 1">
-            <a:extLst>
-              <a:ext uri="{FF2B5EF4-FFF2-40B4-BE49-F238E27FC236}">
-                <a16:creationId xmlns:a16="http://schemas.microsoft.com/office/drawing/2014/main" id="{02472FE2-FB90-775E-7C82-F26D7F1A7A9C}"/>
+          <p:cNvPr id="2" name="Заголовок 1">
+            <a:extLst>
+              <a:ext uri="{FF2B5EF4-FFF2-40B4-BE49-F238E27FC236}">
+                <a16:creationId xmlns:a16="http://schemas.microsoft.com/office/drawing/2014/main" id="{5339F898-0A17-FAD9-155C-48B3FCC48EC3}"/>
               </a:ext>
             </a:extLst>
           </p:cNvPr>
@@ -5113,8 +6287,8 @@
         </p:nvSpPr>
         <p:spPr>
           <a:xfrm>
-            <a:off x="9796895" y="5689098"/>
-            <a:ext cx="1367560" cy="832427"/>
+            <a:off x="609600" y="5718421"/>
+            <a:ext cx="1367560" cy="362025"/>
           </a:xfrm>
           <a:prstGeom prst="rect">
             <a:avLst/>
@@ -5159,10 +6333,70 @@
       </p:sp>
       <p:sp>
         <p:nvSpPr>
-          <p:cNvPr id="6" name="TextBox 5">
-            <a:extLst>
-              <a:ext uri="{FF2B5EF4-FFF2-40B4-BE49-F238E27FC236}">
-                <a16:creationId xmlns:a16="http://schemas.microsoft.com/office/drawing/2014/main" id="{DCC6D81E-E281-F708-7406-A17299165287}"/>
+          <p:cNvPr id="7" name="AutoShape 2">
+            <a:extLst>
+              <a:ext uri="{FF2B5EF4-FFF2-40B4-BE49-F238E27FC236}">
+                <a16:creationId xmlns:a16="http://schemas.microsoft.com/office/drawing/2014/main" id="{295C5B34-B371-A9AA-7BE4-1F66A6A6B000}"/>
+              </a:ext>
+            </a:extLst>
+          </p:cNvPr>
+          <p:cNvSpPr/>
+          <p:nvPr/>
+        </p:nvSpPr>
+        <p:spPr>
+          <a:xfrm>
+            <a:off x="685800" y="6159500"/>
+            <a:ext cx="10820400" cy="0"/>
+          </a:xfrm>
+          <a:prstGeom prst="line">
+            <a:avLst/>
+          </a:prstGeom>
+          <a:ln w="19050" cap="flat">
+            <a:solidFill>
+              <a:srgbClr val="000000"/>
+            </a:solidFill>
+            <a:prstDash val="solid"/>
+            <a:headEnd type="none" w="sm" len="sm"/>
+            <a:tailEnd type="none" w="sm" len="sm"/>
+          </a:ln>
+        </p:spPr>
+      </p:sp>
+      <p:sp>
+        <p:nvSpPr>
+          <p:cNvPr id="8" name="AutoShape 4">
+            <a:extLst>
+              <a:ext uri="{FF2B5EF4-FFF2-40B4-BE49-F238E27FC236}">
+                <a16:creationId xmlns:a16="http://schemas.microsoft.com/office/drawing/2014/main" id="{45E4D536-542E-BA9B-C326-864FCEB4747A}"/>
+              </a:ext>
+            </a:extLst>
+          </p:cNvPr>
+          <p:cNvSpPr/>
+          <p:nvPr/>
+        </p:nvSpPr>
+        <p:spPr>
+          <a:xfrm>
+            <a:off x="685800" y="685800"/>
+            <a:ext cx="10820400" cy="0"/>
+          </a:xfrm>
+          <a:prstGeom prst="line">
+            <a:avLst/>
+          </a:prstGeom>
+          <a:ln w="19050" cap="flat">
+            <a:solidFill>
+              <a:srgbClr val="000000"/>
+            </a:solidFill>
+            <a:prstDash val="solid"/>
+            <a:headEnd type="none" w="sm" len="sm"/>
+            <a:tailEnd type="none" w="sm" len="sm"/>
+          </a:ln>
+        </p:spPr>
+      </p:sp>
+      <p:sp>
+        <p:nvSpPr>
+          <p:cNvPr id="4" name="TextBox 3">
+            <a:extLst>
+              <a:ext uri="{FF2B5EF4-FFF2-40B4-BE49-F238E27FC236}">
+                <a16:creationId xmlns:a16="http://schemas.microsoft.com/office/drawing/2014/main" id="{2EFEF0BD-11FD-B3EA-AF86-EAC61ECD5747}"/>
               </a:ext>
             </a:extLst>
           </p:cNvPr>
@@ -5171,8 +6405,8 @@
         </p:nvSpPr>
         <p:spPr>
           <a:xfrm>
-            <a:off x="5608782" y="5874478"/>
-            <a:ext cx="974436" cy="461665"/>
+            <a:off x="10585450" y="5668600"/>
+            <a:ext cx="996950" cy="461665"/>
           </a:xfrm>
           <a:prstGeom prst="rect">
             <a:avLst/>
@@ -5190,13 +6424,19 @@
               <a:rPr lang="ru-RU" sz="2400" dirty="0">
                 <a:latin typeface="Helvetica" panose="020B0604020202020204" pitchFamily="2" charset="0"/>
               </a:rPr>
-              <a:t>1</a:t>
+              <a:t>14</a:t>
             </a:r>
             <a:r>
               <a:rPr lang="en-US" sz="2400" dirty="0">
                 <a:latin typeface="Helvetica" panose="020B0604020202020204" pitchFamily="2" charset="0"/>
               </a:rPr>
-              <a:t>4/15</a:t>
+              <a:t>/1</a:t>
+            </a:r>
+            <a:r>
+              <a:rPr lang="ru-RU" sz="2400" dirty="0">
+                <a:latin typeface="Helvetica" panose="020B0604020202020204" pitchFamily="2" charset="0"/>
+              </a:rPr>
+              <a:t>5</a:t>
             </a:r>
             <a:endParaRPr lang="ru-RU" sz="2400" dirty="0"/>
           </a:p>
@@ -5205,7 +6445,7 @@
     </p:spTree>
     <p:extLst>
       <p:ext uri="{BB962C8B-B14F-4D97-AF65-F5344CB8AC3E}">
-        <p14:creationId xmlns:p14="http://schemas.microsoft.com/office/powerpoint/2010/main" val="1742632445"/>
+        <p14:creationId xmlns:p14="http://schemas.microsoft.com/office/powerpoint/2010/main" val="1466470786"/>
       </p:ext>
     </p:extLst>
   </p:cSld>
@@ -5234,31 +6474,315 @@
       </p:grpSpPr>
       <p:sp>
         <p:nvSpPr>
-          <p:cNvPr id="3" name="Объект 2">
-            <a:extLst>
-              <a:ext uri="{FF2B5EF4-FFF2-40B4-BE49-F238E27FC236}">
-                <a16:creationId xmlns:a16="http://schemas.microsoft.com/office/drawing/2014/main" id="{E5843620-488B-BC0F-AD03-99FEEDA04CA8}"/>
-              </a:ext>
-            </a:extLst>
-          </p:cNvPr>
-          <p:cNvSpPr>
-            <a:spLocks noGrp="1"/>
+          <p:cNvPr id="4" name="Заголовок 1">
+            <a:extLst>
+              <a:ext uri="{FF2B5EF4-FFF2-40B4-BE49-F238E27FC236}">
+                <a16:creationId xmlns:a16="http://schemas.microsoft.com/office/drawing/2014/main" id="{08809879-027E-65BF-B079-6AA3DAD5AA00}"/>
+              </a:ext>
+            </a:extLst>
+          </p:cNvPr>
+          <p:cNvSpPr txBox="1">
+            <a:spLocks/>
           </p:cNvSpPr>
-          <p:nvPr>
-            <p:ph idx="1"/>
-          </p:nvPr>
-        </p:nvSpPr>
-        <p:spPr>
-          <a:xfrm>
-            <a:off x="1171575" y="2297942"/>
-            <a:ext cx="9848850" cy="2262116"/>
-          </a:xfrm>
-        </p:spPr>
-        <p:txBody>
-          <a:bodyPr>
+          <p:nvPr/>
+        </p:nvSpPr>
+        <p:spPr>
+          <a:xfrm>
+            <a:off x="609600" y="5718421"/>
+            <a:ext cx="1367560" cy="362025"/>
+          </a:xfrm>
+          <a:prstGeom prst="rect">
+            <a:avLst/>
+          </a:prstGeom>
+        </p:spPr>
+        <p:txBody>
+          <a:bodyPr vert="horz" lIns="91440" tIns="45720" rIns="91440" bIns="45720" rtlCol="0" anchor="ctr">
+            <a:noAutofit/>
+          </a:bodyPr>
+          <a:lstStyle>
+            <a:lvl1pPr algn="l" defTabSz="914400" rtl="0" eaLnBrk="1" latinLnBrk="0" hangingPunct="1">
+              <a:lnSpc>
+                <a:spcPct val="90000"/>
+              </a:lnSpc>
+              <a:spcBef>
+                <a:spcPct val="0"/>
+              </a:spcBef>
+              <a:buNone/>
+              <a:defRPr sz="4400" kern="1200">
+                <a:solidFill>
+                  <a:schemeClr val="tx1"/>
+                </a:solidFill>
+                <a:latin typeface="+mj-lt"/>
+                <a:ea typeface="+mj-ea"/>
+                <a:cs typeface="+mj-cs"/>
+              </a:defRPr>
+            </a:lvl1pPr>
+          </a:lstStyle>
+          <a:p>
+            <a:r>
+              <a:rPr lang="en-US" sz="2400" dirty="0" err="1">
+                <a:latin typeface="Fahkwang" panose="00000500000000000000" pitchFamily="2" charset="-34"/>
+                <a:cs typeface="Fahkwang" panose="00000500000000000000" pitchFamily="2" charset="-34"/>
+              </a:rPr>
+              <a:t>Lindéro</a:t>
+            </a:r>
+            <a:endParaRPr lang="ru-RU" sz="2400" dirty="0">
+              <a:cs typeface="Fahkwang" panose="00000500000000000000" pitchFamily="2" charset="-34"/>
+            </a:endParaRPr>
+          </a:p>
+        </p:txBody>
+      </p:sp>
+      <p:sp>
+        <p:nvSpPr>
+          <p:cNvPr id="8" name="AutoShape 2">
+            <a:extLst>
+              <a:ext uri="{FF2B5EF4-FFF2-40B4-BE49-F238E27FC236}">
+                <a16:creationId xmlns:a16="http://schemas.microsoft.com/office/drawing/2014/main" id="{A60D3E77-0048-315A-E5CA-9D1A513B3776}"/>
+              </a:ext>
+            </a:extLst>
+          </p:cNvPr>
+          <p:cNvSpPr/>
+          <p:nvPr/>
+        </p:nvSpPr>
+        <p:spPr>
+          <a:xfrm>
+            <a:off x="685800" y="6159500"/>
+            <a:ext cx="10820400" cy="0"/>
+          </a:xfrm>
+          <a:prstGeom prst="line">
+            <a:avLst/>
+          </a:prstGeom>
+          <a:ln w="19050" cap="flat">
+            <a:solidFill>
+              <a:srgbClr val="000000"/>
+            </a:solidFill>
+            <a:prstDash val="solid"/>
+            <a:headEnd type="none" w="sm" len="sm"/>
+            <a:tailEnd type="none" w="sm" len="sm"/>
+          </a:ln>
+        </p:spPr>
+      </p:sp>
+      <p:sp>
+        <p:nvSpPr>
+          <p:cNvPr id="9" name="AutoShape 4">
+            <a:extLst>
+              <a:ext uri="{FF2B5EF4-FFF2-40B4-BE49-F238E27FC236}">
+                <a16:creationId xmlns:a16="http://schemas.microsoft.com/office/drawing/2014/main" id="{B813AABC-AE19-6AC0-B4D5-29670EF120B5}"/>
+              </a:ext>
+            </a:extLst>
+          </p:cNvPr>
+          <p:cNvSpPr/>
+          <p:nvPr/>
+        </p:nvSpPr>
+        <p:spPr>
+          <a:xfrm>
+            <a:off x="685800" y="685800"/>
+            <a:ext cx="10820400" cy="0"/>
+          </a:xfrm>
+          <a:prstGeom prst="line">
+            <a:avLst/>
+          </a:prstGeom>
+          <a:ln w="19050" cap="flat">
+            <a:solidFill>
+              <a:srgbClr val="000000"/>
+            </a:solidFill>
+            <a:prstDash val="solid"/>
+            <a:headEnd type="none" w="sm" len="sm"/>
+            <a:tailEnd type="none" w="sm" len="sm"/>
+          </a:ln>
+        </p:spPr>
+      </p:sp>
+      <p:sp>
+        <p:nvSpPr>
+          <p:cNvPr id="11" name="Объект 2">
+            <a:extLst>
+              <a:ext uri="{FF2B5EF4-FFF2-40B4-BE49-F238E27FC236}">
+                <a16:creationId xmlns:a16="http://schemas.microsoft.com/office/drawing/2014/main" id="{16056D76-2896-D12B-5453-83DF1575AB7B}"/>
+              </a:ext>
+            </a:extLst>
+          </p:cNvPr>
+          <p:cNvSpPr txBox="1">
+            <a:spLocks/>
+          </p:cNvSpPr>
+          <p:nvPr/>
+        </p:nvSpPr>
+        <p:spPr>
+          <a:xfrm>
+            <a:off x="7188199" y="4768173"/>
+            <a:ext cx="4591050" cy="656345"/>
+          </a:xfrm>
+          <a:prstGeom prst="rect">
+            <a:avLst/>
+          </a:prstGeom>
+        </p:spPr>
+        <p:txBody>
+          <a:bodyPr vert="horz" lIns="91440" tIns="45720" rIns="91440" bIns="45720" rtlCol="0">
             <a:normAutofit/>
           </a:bodyPr>
-          <a:lstStyle/>
+          <a:lstStyle>
+            <a:lvl1pPr marL="228600" indent="-228600" algn="l" defTabSz="914400" rtl="0" eaLnBrk="1" latinLnBrk="0" hangingPunct="1">
+              <a:lnSpc>
+                <a:spcPct val="90000"/>
+              </a:lnSpc>
+              <a:spcBef>
+                <a:spcPts val="1000"/>
+              </a:spcBef>
+              <a:buFont typeface="Arial" panose="020B0604020202020204" pitchFamily="34" charset="0"/>
+              <a:buChar char="•"/>
+              <a:defRPr sz="2800" kern="1200">
+                <a:solidFill>
+                  <a:schemeClr val="tx1"/>
+                </a:solidFill>
+                <a:latin typeface="+mn-lt"/>
+                <a:ea typeface="+mn-ea"/>
+                <a:cs typeface="+mn-cs"/>
+              </a:defRPr>
+            </a:lvl1pPr>
+            <a:lvl2pPr marL="685800" indent="-228600" algn="l" defTabSz="914400" rtl="0" eaLnBrk="1" latinLnBrk="0" hangingPunct="1">
+              <a:lnSpc>
+                <a:spcPct val="90000"/>
+              </a:lnSpc>
+              <a:spcBef>
+                <a:spcPts val="500"/>
+              </a:spcBef>
+              <a:buFont typeface="Arial" panose="020B0604020202020204" pitchFamily="34" charset="0"/>
+              <a:buChar char="•"/>
+              <a:defRPr sz="2400" kern="1200">
+                <a:solidFill>
+                  <a:schemeClr val="tx1"/>
+                </a:solidFill>
+                <a:latin typeface="+mn-lt"/>
+                <a:ea typeface="+mn-ea"/>
+                <a:cs typeface="+mn-cs"/>
+              </a:defRPr>
+            </a:lvl2pPr>
+            <a:lvl3pPr marL="1143000" indent="-228600" algn="l" defTabSz="914400" rtl="0" eaLnBrk="1" latinLnBrk="0" hangingPunct="1">
+              <a:lnSpc>
+                <a:spcPct val="90000"/>
+              </a:lnSpc>
+              <a:spcBef>
+                <a:spcPts val="500"/>
+              </a:spcBef>
+              <a:buFont typeface="Arial" panose="020B0604020202020204" pitchFamily="34" charset="0"/>
+              <a:buChar char="•"/>
+              <a:defRPr sz="2000" kern="1200">
+                <a:solidFill>
+                  <a:schemeClr val="tx1"/>
+                </a:solidFill>
+                <a:latin typeface="+mn-lt"/>
+                <a:ea typeface="+mn-ea"/>
+                <a:cs typeface="+mn-cs"/>
+              </a:defRPr>
+            </a:lvl3pPr>
+            <a:lvl4pPr marL="1600200" indent="-228600" algn="l" defTabSz="914400" rtl="0" eaLnBrk="1" latinLnBrk="0" hangingPunct="1">
+              <a:lnSpc>
+                <a:spcPct val="90000"/>
+              </a:lnSpc>
+              <a:spcBef>
+                <a:spcPts val="500"/>
+              </a:spcBef>
+              <a:buFont typeface="Arial" panose="020B0604020202020204" pitchFamily="34" charset="0"/>
+              <a:buChar char="•"/>
+              <a:defRPr sz="1800" kern="1200">
+                <a:solidFill>
+                  <a:schemeClr val="tx1"/>
+                </a:solidFill>
+                <a:latin typeface="+mn-lt"/>
+                <a:ea typeface="+mn-ea"/>
+                <a:cs typeface="+mn-cs"/>
+              </a:defRPr>
+            </a:lvl4pPr>
+            <a:lvl5pPr marL="2057400" indent="-228600" algn="l" defTabSz="914400" rtl="0" eaLnBrk="1" latinLnBrk="0" hangingPunct="1">
+              <a:lnSpc>
+                <a:spcPct val="90000"/>
+              </a:lnSpc>
+              <a:spcBef>
+                <a:spcPts val="500"/>
+              </a:spcBef>
+              <a:buFont typeface="Arial" panose="020B0604020202020204" pitchFamily="34" charset="0"/>
+              <a:buChar char="•"/>
+              <a:defRPr sz="1800" kern="1200">
+                <a:solidFill>
+                  <a:schemeClr val="tx1"/>
+                </a:solidFill>
+                <a:latin typeface="+mn-lt"/>
+                <a:ea typeface="+mn-ea"/>
+                <a:cs typeface="+mn-cs"/>
+              </a:defRPr>
+            </a:lvl5pPr>
+            <a:lvl6pPr marL="2514600" indent="-228600" algn="l" defTabSz="914400" rtl="0" eaLnBrk="1" latinLnBrk="0" hangingPunct="1">
+              <a:lnSpc>
+                <a:spcPct val="90000"/>
+              </a:lnSpc>
+              <a:spcBef>
+                <a:spcPts val="500"/>
+              </a:spcBef>
+              <a:buFont typeface="Arial" panose="020B0604020202020204" pitchFamily="34" charset="0"/>
+              <a:buChar char="•"/>
+              <a:defRPr sz="1800" kern="1200">
+                <a:solidFill>
+                  <a:schemeClr val="tx1"/>
+                </a:solidFill>
+                <a:latin typeface="+mn-lt"/>
+                <a:ea typeface="+mn-ea"/>
+                <a:cs typeface="+mn-cs"/>
+              </a:defRPr>
+            </a:lvl6pPr>
+            <a:lvl7pPr marL="2971800" indent="-228600" algn="l" defTabSz="914400" rtl="0" eaLnBrk="1" latinLnBrk="0" hangingPunct="1">
+              <a:lnSpc>
+                <a:spcPct val="90000"/>
+              </a:lnSpc>
+              <a:spcBef>
+                <a:spcPts val="500"/>
+              </a:spcBef>
+              <a:buFont typeface="Arial" panose="020B0604020202020204" pitchFamily="34" charset="0"/>
+              <a:buChar char="•"/>
+              <a:defRPr sz="1800" kern="1200">
+                <a:solidFill>
+                  <a:schemeClr val="tx1"/>
+                </a:solidFill>
+                <a:latin typeface="+mn-lt"/>
+                <a:ea typeface="+mn-ea"/>
+                <a:cs typeface="+mn-cs"/>
+              </a:defRPr>
+            </a:lvl7pPr>
+            <a:lvl8pPr marL="3429000" indent="-228600" algn="l" defTabSz="914400" rtl="0" eaLnBrk="1" latinLnBrk="0" hangingPunct="1">
+              <a:lnSpc>
+                <a:spcPct val="90000"/>
+              </a:lnSpc>
+              <a:spcBef>
+                <a:spcPts val="500"/>
+              </a:spcBef>
+              <a:buFont typeface="Arial" panose="020B0604020202020204" pitchFamily="34" charset="0"/>
+              <a:buChar char="•"/>
+              <a:defRPr sz="1800" kern="1200">
+                <a:solidFill>
+                  <a:schemeClr val="tx1"/>
+                </a:solidFill>
+                <a:latin typeface="+mn-lt"/>
+                <a:ea typeface="+mn-ea"/>
+                <a:cs typeface="+mn-cs"/>
+              </a:defRPr>
+            </a:lvl8pPr>
+            <a:lvl9pPr marL="3886200" indent="-228600" algn="l" defTabSz="914400" rtl="0" eaLnBrk="1" latinLnBrk="0" hangingPunct="1">
+              <a:lnSpc>
+                <a:spcPct val="90000"/>
+              </a:lnSpc>
+              <a:spcBef>
+                <a:spcPts val="500"/>
+              </a:spcBef>
+              <a:buFont typeface="Arial" panose="020B0604020202020204" pitchFamily="34" charset="0"/>
+              <a:buChar char="•"/>
+              <a:defRPr sz="1800" kern="1200">
+                <a:solidFill>
+                  <a:schemeClr val="tx1"/>
+                </a:solidFill>
+                <a:latin typeface="+mn-lt"/>
+                <a:ea typeface="+mn-ea"/>
+                <a:cs typeface="+mn-cs"/>
+              </a:defRPr>
+            </a:lvl9pPr>
+          </a:lstStyle>
           <a:p>
             <a:pPr marL="0" indent="0" algn="just">
               <a:lnSpc>
@@ -5270,113 +6794,54 @@
               <a:buNone/>
             </a:pPr>
             <a:r>
-              <a:rPr lang="ru-RU" sz="2400" kern="1200" dirty="0">
+              <a:rPr lang="en-US" sz="2400" kern="100" dirty="0">
                 <a:solidFill>
                   <a:srgbClr val="000000"/>
                 </a:solidFill>
-                <a:effectLst/>
-                <a:latin typeface="Helvetica" panose="020B0604020202020204" pitchFamily="2" charset="0"/>
-                <a:ea typeface="+mj-ea"/>
-                <a:cs typeface="Fahkwang" panose="00000500000000000000" pitchFamily="2" charset="-34"/>
-              </a:rPr>
-              <a:t>Погрузитесь в мир искусства вместе с </a:t>
-            </a:r>
-            <a:r>
-              <a:rPr lang="en-US" sz="2400" kern="1200" dirty="0" err="1">
-                <a:solidFill>
-                  <a:srgbClr val="000000"/>
-                </a:solidFill>
-                <a:effectLst/>
-                <a:latin typeface="Helvetica" panose="020B0604020202020204" pitchFamily="2" charset="0"/>
-                <a:ea typeface="+mj-ea"/>
-                <a:cs typeface="Fahkwang" panose="00000500000000000000" pitchFamily="2" charset="-34"/>
-              </a:rPr>
-              <a:t>Lindéro</a:t>
-            </a:r>
-            <a:r>
-              <a:rPr lang="ru-RU" sz="2400" dirty="0">
-                <a:solidFill>
-                  <a:srgbClr val="000000"/>
-                </a:solidFill>
-                <a:latin typeface="Helvetica" panose="020B0604020202020204" pitchFamily="2" charset="0"/>
-                <a:ea typeface="+mj-ea"/>
-                <a:cs typeface="Fahkwang" panose="00000500000000000000" pitchFamily="2" charset="-34"/>
-              </a:rPr>
-              <a:t>! У нас вы найдете уникальные произведения искусства, сможете поучаствовать в торгах на аукционе и даже оформить подписку на любимого художника.</a:t>
-            </a:r>
-            <a:endParaRPr lang="ru-RU" sz="2400" dirty="0">
-              <a:latin typeface="Helvetica" panose="020B0604020202020204" pitchFamily="2" charset="0"/>
-              <a:cs typeface="Fahkwang" panose="00000500000000000000" pitchFamily="2" charset="-34"/>
-            </a:endParaRPr>
-          </a:p>
-        </p:txBody>
-      </p:sp>
-      <p:sp>
-        <p:nvSpPr>
-          <p:cNvPr id="4" name="Заголовок 1">
-            <a:extLst>
-              <a:ext uri="{FF2B5EF4-FFF2-40B4-BE49-F238E27FC236}">
-                <a16:creationId xmlns:a16="http://schemas.microsoft.com/office/drawing/2014/main" id="{47AF0DB6-1B4D-4B5D-5587-9D9F3FAAAA73}"/>
-              </a:ext>
-            </a:extLst>
-          </p:cNvPr>
-          <p:cNvSpPr txBox="1">
-            <a:spLocks/>
-          </p:cNvSpPr>
+                <a:latin typeface="Helvetica" panose="020B0604020202020204" pitchFamily="2" charset="0"/>
+                <a:ea typeface="Calibri" panose="020F0502020204030204" pitchFamily="34" charset="0"/>
+                <a:cs typeface="Times New Roman" panose="02020603050405020304" pitchFamily="18" charset="0"/>
+              </a:rPr>
+              <a:t>lisalubchenko@yandex.ru</a:t>
+            </a:r>
+          </a:p>
+        </p:txBody>
+      </p:sp>
+      <p:pic>
+        <p:nvPicPr>
+          <p:cNvPr id="3" name="Рисунок 2">
+            <a:extLst>
+              <a:ext uri="{FF2B5EF4-FFF2-40B4-BE49-F238E27FC236}">
+                <a16:creationId xmlns:a16="http://schemas.microsoft.com/office/drawing/2014/main" id="{506C89DC-11D0-4C19-2F1B-28B98167124E}"/>
+              </a:ext>
+            </a:extLst>
+          </p:cNvPr>
+          <p:cNvPicPr>
+            <a:picLocks noChangeAspect="1"/>
+          </p:cNvPicPr>
           <p:nvPr/>
-        </p:nvSpPr>
-        <p:spPr>
-          <a:xfrm>
-            <a:off x="9796895" y="5689098"/>
-            <a:ext cx="1367560" cy="832427"/>
+        </p:nvPicPr>
+        <p:blipFill rotWithShape="1">
+          <a:blip r:embed="rId2"/>
+          <a:srcRect l="6915" t="7015" r="6243" b="6609"/>
+          <a:stretch/>
+        </p:blipFill>
+        <p:spPr>
+          <a:xfrm>
+            <a:off x="2349500" y="1512119"/>
+            <a:ext cx="3854450" cy="3833762"/>
           </a:xfrm>
           <a:prstGeom prst="rect">
             <a:avLst/>
           </a:prstGeom>
         </p:spPr>
-        <p:txBody>
-          <a:bodyPr vert="horz" lIns="91440" tIns="45720" rIns="91440" bIns="45720" rtlCol="0" anchor="ctr">
-            <a:noAutofit/>
-          </a:bodyPr>
-          <a:lstStyle>
-            <a:lvl1pPr algn="l" defTabSz="914400" rtl="0" eaLnBrk="1" latinLnBrk="0" hangingPunct="1">
-              <a:lnSpc>
-                <a:spcPct val="90000"/>
-              </a:lnSpc>
-              <a:spcBef>
-                <a:spcPct val="0"/>
-              </a:spcBef>
-              <a:buNone/>
-              <a:defRPr sz="4400" kern="1200">
-                <a:solidFill>
-                  <a:schemeClr val="tx1"/>
-                </a:solidFill>
-                <a:latin typeface="+mj-lt"/>
-                <a:ea typeface="+mj-ea"/>
-                <a:cs typeface="+mj-cs"/>
-              </a:defRPr>
-            </a:lvl1pPr>
-          </a:lstStyle>
-          <a:p>
-            <a:r>
-              <a:rPr lang="en-US" sz="2400" dirty="0" err="1">
-                <a:latin typeface="Fahkwang" panose="00000500000000000000" pitchFamily="2" charset="-34"/>
-                <a:cs typeface="Fahkwang" panose="00000500000000000000" pitchFamily="2" charset="-34"/>
-              </a:rPr>
-              <a:t>Lindéro</a:t>
-            </a:r>
-            <a:endParaRPr lang="ru-RU" sz="2400" dirty="0">
-              <a:cs typeface="Fahkwang" panose="00000500000000000000" pitchFamily="2" charset="-34"/>
-            </a:endParaRPr>
-          </a:p>
-        </p:txBody>
-      </p:sp>
-      <p:sp>
-        <p:nvSpPr>
-          <p:cNvPr id="5" name="TextBox 4">
-            <a:extLst>
-              <a:ext uri="{FF2B5EF4-FFF2-40B4-BE49-F238E27FC236}">
-                <a16:creationId xmlns:a16="http://schemas.microsoft.com/office/drawing/2014/main" id="{D21E6C72-4339-13E2-0F50-F92049EF214A}"/>
+      </p:pic>
+      <p:sp>
+        <p:nvSpPr>
+          <p:cNvPr id="2" name="TextBox 1">
+            <a:extLst>
+              <a:ext uri="{FF2B5EF4-FFF2-40B4-BE49-F238E27FC236}">
+                <a16:creationId xmlns:a16="http://schemas.microsoft.com/office/drawing/2014/main" id="{6C42A01E-3FF7-B2A5-71E3-1F62684D8BB1}"/>
               </a:ext>
             </a:extLst>
           </p:cNvPr>
@@ -5385,8 +6850,8 @@
         </p:nvSpPr>
         <p:spPr>
           <a:xfrm>
-            <a:off x="5608782" y="5874478"/>
-            <a:ext cx="974436" cy="461665"/>
+            <a:off x="10585450" y="5668600"/>
+            <a:ext cx="996950" cy="461665"/>
           </a:xfrm>
           <a:prstGeom prst="rect">
             <a:avLst/>
@@ -5404,13 +6869,19 @@
               <a:rPr lang="ru-RU" sz="2400" dirty="0">
                 <a:latin typeface="Helvetica" panose="020B0604020202020204" pitchFamily="2" charset="0"/>
               </a:rPr>
-              <a:t>1</a:t>
+              <a:t>15</a:t>
             </a:r>
             <a:r>
               <a:rPr lang="en-US" sz="2400" dirty="0">
                 <a:latin typeface="Helvetica" panose="020B0604020202020204" pitchFamily="2" charset="0"/>
               </a:rPr>
-              <a:t>5/15</a:t>
+              <a:t>/1</a:t>
+            </a:r>
+            <a:r>
+              <a:rPr lang="ru-RU" sz="2400" dirty="0">
+                <a:latin typeface="Helvetica" panose="020B0604020202020204" pitchFamily="2" charset="0"/>
+              </a:rPr>
+              <a:t>5</a:t>
             </a:r>
             <a:endParaRPr lang="ru-RU" sz="2400" dirty="0"/>
           </a:p>
@@ -5419,7 +6890,7 @@
     </p:spTree>
     <p:extLst>
       <p:ext uri="{BB962C8B-B14F-4D97-AF65-F5344CB8AC3E}">
-        <p14:creationId xmlns:p14="http://schemas.microsoft.com/office/powerpoint/2010/main" val="1466470786"/>
+        <p14:creationId xmlns:p14="http://schemas.microsoft.com/office/powerpoint/2010/main" val="4140100770"/>
       </p:ext>
     </p:extLst>
   </p:cSld>
@@ -5464,7 +6935,7 @@
         </p:nvSpPr>
         <p:spPr>
           <a:xfrm>
-            <a:off x="1184275" y="630237"/>
+            <a:off x="609600" y="1364864"/>
             <a:ext cx="9296400" cy="928688"/>
           </a:xfrm>
         </p:spPr>
@@ -5478,14 +6949,11 @@
               <a:rPr lang="ru-RU" sz="3600" b="1" spc="100" dirty="0">
                 <a:latin typeface="Helvetica" panose="020B0604020202020204" pitchFamily="2" charset="0"/>
               </a:rPr>
-              <a:t>Описание</a:t>
-            </a:r>
-            <a:r>
-              <a:rPr lang="ru-RU" sz="3600" b="1" dirty="0">
-                <a:latin typeface="Helvetica" panose="020B0604020202020204" pitchFamily="2" charset="0"/>
-              </a:rPr>
-              <a:t> проблемы</a:t>
-            </a:r>
+              <a:t>ПРОБЛЕМА</a:t>
+            </a:r>
+            <a:endParaRPr lang="ru-RU" sz="3600" b="1" dirty="0">
+              <a:latin typeface="Helvetica" panose="020B0604020202020204" pitchFamily="2" charset="0"/>
+            </a:endParaRPr>
           </a:p>
         </p:txBody>
       </p:sp>
@@ -5507,8 +6975,8 @@
         </p:nvSpPr>
         <p:spPr>
           <a:xfrm>
-            <a:off x="1184275" y="1679575"/>
-            <a:ext cx="9848850" cy="2225675"/>
+            <a:off x="609600" y="2372604"/>
+            <a:ext cx="10896600" cy="2225675"/>
           </a:xfrm>
         </p:spPr>
         <p:txBody>
@@ -5527,7 +6995,7 @@
               <a:rPr lang="ru-RU" sz="2400" dirty="0">
                 <a:latin typeface="Helvetica" panose="020B0604020202020204" pitchFamily="2" charset="0"/>
               </a:rPr>
-              <a:t>В России отсутствует единая удобная площадка для покупки произведений искусства и участия в аукционах, что создает трудности как и для покупателей, так и для художников.</a:t>
+              <a:t>В России отсутствует единая удобная площадка для покупки произведений искусства и участия в аукционах.</a:t>
             </a:r>
           </a:p>
         </p:txBody>
@@ -5548,8 +7016,8 @@
         </p:nvSpPr>
         <p:spPr>
           <a:xfrm>
-            <a:off x="9796895" y="5689098"/>
-            <a:ext cx="1367560" cy="832427"/>
+            <a:off x="609600" y="5718421"/>
+            <a:ext cx="1367560" cy="362025"/>
           </a:xfrm>
           <a:prstGeom prst="rect">
             <a:avLst/>
@@ -5606,7 +7074,7 @@
         </p:nvSpPr>
         <p:spPr>
           <a:xfrm>
-            <a:off x="5638800" y="5874480"/>
+            <a:off x="10725150" y="5668602"/>
             <a:ext cx="914400" cy="461665"/>
           </a:xfrm>
           <a:prstGeom prst="rect">
@@ -5631,11 +7099,77 @@
               <a:rPr lang="en-US" sz="2400" dirty="0">
                 <a:latin typeface="Helvetica" panose="020B0604020202020204" pitchFamily="2" charset="0"/>
               </a:rPr>
-              <a:t>/15</a:t>
+              <a:t>/1</a:t>
+            </a:r>
+            <a:r>
+              <a:rPr lang="ru-RU" sz="2400" dirty="0">
+                <a:latin typeface="Helvetica" panose="020B0604020202020204" pitchFamily="2" charset="0"/>
+              </a:rPr>
+              <a:t>5</a:t>
             </a:r>
             <a:endParaRPr lang="ru-RU" sz="2400" dirty="0"/>
           </a:p>
         </p:txBody>
+      </p:sp>
+      <p:sp>
+        <p:nvSpPr>
+          <p:cNvPr id="4" name="AutoShape 2">
+            <a:extLst>
+              <a:ext uri="{FF2B5EF4-FFF2-40B4-BE49-F238E27FC236}">
+                <a16:creationId xmlns:a16="http://schemas.microsoft.com/office/drawing/2014/main" id="{DCA217E2-C570-FEDB-7C1D-927C4691ACFF}"/>
+              </a:ext>
+            </a:extLst>
+          </p:cNvPr>
+          <p:cNvSpPr/>
+          <p:nvPr/>
+        </p:nvSpPr>
+        <p:spPr>
+          <a:xfrm>
+            <a:off x="685800" y="6159500"/>
+            <a:ext cx="10820400" cy="0"/>
+          </a:xfrm>
+          <a:prstGeom prst="line">
+            <a:avLst/>
+          </a:prstGeom>
+          <a:ln w="19050" cap="flat">
+            <a:solidFill>
+              <a:srgbClr val="000000"/>
+            </a:solidFill>
+            <a:prstDash val="solid"/>
+            <a:headEnd type="none" w="sm" len="sm"/>
+            <a:tailEnd type="none" w="sm" len="sm"/>
+          </a:ln>
+        </p:spPr>
+      </p:sp>
+      <p:sp>
+        <p:nvSpPr>
+          <p:cNvPr id="6" name="AutoShape 4">
+            <a:extLst>
+              <a:ext uri="{FF2B5EF4-FFF2-40B4-BE49-F238E27FC236}">
+                <a16:creationId xmlns:a16="http://schemas.microsoft.com/office/drawing/2014/main" id="{EA962FFE-6B63-31D0-576E-85B45529FBDC}"/>
+              </a:ext>
+            </a:extLst>
+          </p:cNvPr>
+          <p:cNvSpPr/>
+          <p:nvPr/>
+        </p:nvSpPr>
+        <p:spPr>
+          <a:xfrm>
+            <a:off x="685800" y="685800"/>
+            <a:ext cx="10820400" cy="0"/>
+          </a:xfrm>
+          <a:prstGeom prst="line">
+            <a:avLst/>
+          </a:prstGeom>
+          <a:ln w="19050" cap="flat">
+            <a:solidFill>
+              <a:srgbClr val="000000"/>
+            </a:solidFill>
+            <a:prstDash val="solid"/>
+            <a:headEnd type="none" w="sm" len="sm"/>
+            <a:tailEnd type="none" w="sm" len="sm"/>
+          </a:ln>
+        </p:spPr>
       </p:sp>
     </p:spTree>
     <p:extLst>
@@ -5669,49 +7203,6 @@
       </p:grpSpPr>
       <p:sp>
         <p:nvSpPr>
-          <p:cNvPr id="2" name="Заголовок 1">
-            <a:extLst>
-              <a:ext uri="{FF2B5EF4-FFF2-40B4-BE49-F238E27FC236}">
-                <a16:creationId xmlns:a16="http://schemas.microsoft.com/office/drawing/2014/main" id="{97F2B76D-03A2-122D-1A97-BC93E2E7D80A}"/>
-              </a:ext>
-            </a:extLst>
-          </p:cNvPr>
-          <p:cNvSpPr>
-            <a:spLocks noGrp="1"/>
-          </p:cNvSpPr>
-          <p:nvPr>
-            <p:ph type="title"/>
-          </p:nvPr>
-        </p:nvSpPr>
-        <p:spPr>
-          <a:xfrm>
-            <a:off x="1184275" y="630237"/>
-            <a:ext cx="9296400" cy="928688"/>
-          </a:xfrm>
-        </p:spPr>
-        <p:txBody>
-          <a:bodyPr>
-            <a:normAutofit/>
-          </a:bodyPr>
-          <a:lstStyle/>
-          <a:p>
-            <a:r>
-              <a:rPr lang="ru-RU" sz="3600" b="1" spc="100" dirty="0">
-                <a:latin typeface="Helvetica" panose="020B0604020202020204" pitchFamily="2" charset="0"/>
-              </a:rPr>
-              <a:t>Целевая</a:t>
-            </a:r>
-            <a:r>
-              <a:rPr lang="ru-RU" sz="3600" b="1" dirty="0">
-                <a:latin typeface="Helvetica" panose="020B0604020202020204" pitchFamily="2" charset="0"/>
-              </a:rPr>
-              <a:t> аудитория</a:t>
-            </a:r>
-          </a:p>
-        </p:txBody>
-      </p:sp>
-      <p:sp>
-        <p:nvSpPr>
           <p:cNvPr id="3" name="Объект 2">
             <a:extLst>
               <a:ext uri="{FF2B5EF4-FFF2-40B4-BE49-F238E27FC236}">
@@ -5728,8 +7219,8 @@
         </p:nvSpPr>
         <p:spPr>
           <a:xfrm>
-            <a:off x="1184275" y="1679575"/>
-            <a:ext cx="9848850" cy="2225675"/>
+            <a:off x="609600" y="2372604"/>
+            <a:ext cx="10896600" cy="2225675"/>
           </a:xfrm>
         </p:spPr>
         <p:txBody>
@@ -5755,10 +7246,10 @@
       </p:sp>
       <p:sp>
         <p:nvSpPr>
-          <p:cNvPr id="5" name="Заголовок 1">
-            <a:extLst>
-              <a:ext uri="{FF2B5EF4-FFF2-40B4-BE49-F238E27FC236}">
-                <a16:creationId xmlns:a16="http://schemas.microsoft.com/office/drawing/2014/main" id="{8FCF2606-9543-DBB7-AA09-26232084EF2B}"/>
+          <p:cNvPr id="10" name="Заголовок 1">
+            <a:extLst>
+              <a:ext uri="{FF2B5EF4-FFF2-40B4-BE49-F238E27FC236}">
+                <a16:creationId xmlns:a16="http://schemas.microsoft.com/office/drawing/2014/main" id="{CA5C1600-6F69-AD23-E5E0-B9455A08B500}"/>
               </a:ext>
             </a:extLst>
           </p:cNvPr>
@@ -5769,8 +7260,8 @@
         </p:nvSpPr>
         <p:spPr>
           <a:xfrm>
-            <a:off x="9796895" y="5689098"/>
-            <a:ext cx="1367560" cy="832427"/>
+            <a:off x="609600" y="5718421"/>
+            <a:ext cx="1367560" cy="362025"/>
           </a:xfrm>
           <a:prstGeom prst="rect">
             <a:avLst/>
@@ -5815,10 +7306,10 @@
       </p:sp>
       <p:sp>
         <p:nvSpPr>
-          <p:cNvPr id="6" name="TextBox 5">
-            <a:extLst>
-              <a:ext uri="{FF2B5EF4-FFF2-40B4-BE49-F238E27FC236}">
-                <a16:creationId xmlns:a16="http://schemas.microsoft.com/office/drawing/2014/main" id="{05615B6F-2488-59F6-BA1F-997C1B0B8F5E}"/>
+          <p:cNvPr id="11" name="TextBox 10">
+            <a:extLst>
+              <a:ext uri="{FF2B5EF4-FFF2-40B4-BE49-F238E27FC236}">
+                <a16:creationId xmlns:a16="http://schemas.microsoft.com/office/drawing/2014/main" id="{E3993235-965D-5506-FB89-0F8E63662853}"/>
               </a:ext>
             </a:extLst>
           </p:cNvPr>
@@ -5827,7 +7318,7 @@
         </p:nvSpPr>
         <p:spPr>
           <a:xfrm>
-            <a:off x="5638800" y="5874480"/>
+            <a:off x="10725150" y="5668602"/>
             <a:ext cx="914400" cy="461665"/>
           </a:xfrm>
           <a:prstGeom prst="rect">
@@ -5852,9 +7343,134 @@
               <a:rPr lang="en-US" sz="2400" dirty="0">
                 <a:latin typeface="Helvetica" panose="020B0604020202020204" pitchFamily="2" charset="0"/>
               </a:rPr>
-              <a:t>/15</a:t>
+              <a:t>/1</a:t>
+            </a:r>
+            <a:r>
+              <a:rPr lang="ru-RU" sz="2400" dirty="0">
+                <a:latin typeface="Helvetica" panose="020B0604020202020204" pitchFamily="2" charset="0"/>
+              </a:rPr>
+              <a:t>5</a:t>
             </a:r>
             <a:endParaRPr lang="ru-RU" sz="2400" dirty="0"/>
+          </a:p>
+        </p:txBody>
+      </p:sp>
+      <p:sp>
+        <p:nvSpPr>
+          <p:cNvPr id="12" name="AutoShape 2">
+            <a:extLst>
+              <a:ext uri="{FF2B5EF4-FFF2-40B4-BE49-F238E27FC236}">
+                <a16:creationId xmlns:a16="http://schemas.microsoft.com/office/drawing/2014/main" id="{73E82E10-7D2A-1B60-53A2-A0DE91550050}"/>
+              </a:ext>
+            </a:extLst>
+          </p:cNvPr>
+          <p:cNvSpPr/>
+          <p:nvPr/>
+        </p:nvSpPr>
+        <p:spPr>
+          <a:xfrm>
+            <a:off x="685800" y="6159500"/>
+            <a:ext cx="10820400" cy="0"/>
+          </a:xfrm>
+          <a:prstGeom prst="line">
+            <a:avLst/>
+          </a:prstGeom>
+          <a:ln w="19050" cap="flat">
+            <a:solidFill>
+              <a:srgbClr val="000000"/>
+            </a:solidFill>
+            <a:prstDash val="solid"/>
+            <a:headEnd type="none" w="sm" len="sm"/>
+            <a:tailEnd type="none" w="sm" len="sm"/>
+          </a:ln>
+        </p:spPr>
+      </p:sp>
+      <p:sp>
+        <p:nvSpPr>
+          <p:cNvPr id="13" name="AutoShape 4">
+            <a:extLst>
+              <a:ext uri="{FF2B5EF4-FFF2-40B4-BE49-F238E27FC236}">
+                <a16:creationId xmlns:a16="http://schemas.microsoft.com/office/drawing/2014/main" id="{CF7A06C4-A338-C427-E0FE-FE7BAEC1AAF2}"/>
+              </a:ext>
+            </a:extLst>
+          </p:cNvPr>
+          <p:cNvSpPr/>
+          <p:nvPr/>
+        </p:nvSpPr>
+        <p:spPr>
+          <a:xfrm>
+            <a:off x="685800" y="685800"/>
+            <a:ext cx="10820400" cy="0"/>
+          </a:xfrm>
+          <a:prstGeom prst="line">
+            <a:avLst/>
+          </a:prstGeom>
+          <a:ln w="19050" cap="flat">
+            <a:solidFill>
+              <a:srgbClr val="000000"/>
+            </a:solidFill>
+            <a:prstDash val="solid"/>
+            <a:headEnd type="none" w="sm" len="sm"/>
+            <a:tailEnd type="none" w="sm" len="sm"/>
+          </a:ln>
+        </p:spPr>
+      </p:sp>
+      <p:sp>
+        <p:nvSpPr>
+          <p:cNvPr id="14" name="Заголовок 1">
+            <a:extLst>
+              <a:ext uri="{FF2B5EF4-FFF2-40B4-BE49-F238E27FC236}">
+                <a16:creationId xmlns:a16="http://schemas.microsoft.com/office/drawing/2014/main" id="{383A7F05-FEBC-61BC-F57F-65221C7D2E50}"/>
+              </a:ext>
+            </a:extLst>
+          </p:cNvPr>
+          <p:cNvSpPr txBox="1">
+            <a:spLocks/>
+          </p:cNvSpPr>
+          <p:nvPr/>
+        </p:nvSpPr>
+        <p:spPr>
+          <a:xfrm>
+            <a:off x="609600" y="1364864"/>
+            <a:ext cx="9296400" cy="928688"/>
+          </a:xfrm>
+          <a:prstGeom prst="rect">
+            <a:avLst/>
+          </a:prstGeom>
+        </p:spPr>
+        <p:txBody>
+          <a:bodyPr vert="horz" lIns="91440" tIns="45720" rIns="91440" bIns="45720" rtlCol="0" anchor="ctr">
+            <a:normAutofit/>
+          </a:bodyPr>
+          <a:lstStyle>
+            <a:lvl1pPr algn="l" defTabSz="914400" rtl="0" eaLnBrk="1" latinLnBrk="0" hangingPunct="1">
+              <a:lnSpc>
+                <a:spcPct val="90000"/>
+              </a:lnSpc>
+              <a:spcBef>
+                <a:spcPct val="0"/>
+              </a:spcBef>
+              <a:buNone/>
+              <a:defRPr sz="4400" kern="1200">
+                <a:solidFill>
+                  <a:schemeClr val="tx1"/>
+                </a:solidFill>
+                <a:latin typeface="+mj-lt"/>
+                <a:ea typeface="+mj-ea"/>
+                <a:cs typeface="+mj-cs"/>
+              </a:defRPr>
+            </a:lvl1pPr>
+          </a:lstStyle>
+          <a:p>
+            <a:r>
+              <a:rPr lang="ru-RU" sz="3600" b="1" spc="100" dirty="0">
+                <a:latin typeface="Helvetica" panose="020B0604020202020204" pitchFamily="2" charset="0"/>
+              </a:rPr>
+              <a:t>ЦЕЛЕВАЯ АУДИТОРИЯ</a:t>
+            </a:r>
+            <a:endParaRPr lang="ru-RU" sz="3600" b="1" dirty="0">
+              <a:latin typeface="Helvetica" panose="020B0604020202020204" pitchFamily="2" charset="0"/>
+            </a:endParaRPr>
           </a:p>
         </p:txBody>
       </p:sp>
@@ -5890,118 +7506,10 @@
       </p:grpSpPr>
       <p:sp>
         <p:nvSpPr>
-          <p:cNvPr id="2" name="Заголовок 1">
-            <a:extLst>
-              <a:ext uri="{FF2B5EF4-FFF2-40B4-BE49-F238E27FC236}">
-                <a16:creationId xmlns:a16="http://schemas.microsoft.com/office/drawing/2014/main" id="{97F2B76D-03A2-122D-1A97-BC93E2E7D80A}"/>
-              </a:ext>
-            </a:extLst>
-          </p:cNvPr>
-          <p:cNvSpPr>
-            <a:spLocks noGrp="1"/>
-          </p:cNvSpPr>
-          <p:nvPr>
-            <p:ph type="title"/>
-          </p:nvPr>
-        </p:nvSpPr>
-        <p:spPr>
-          <a:xfrm>
-            <a:off x="1184275" y="630237"/>
-            <a:ext cx="8156575" cy="928688"/>
-          </a:xfrm>
-        </p:spPr>
-        <p:txBody>
-          <a:bodyPr>
-            <a:normAutofit/>
-          </a:bodyPr>
-          <a:lstStyle/>
-          <a:p>
-            <a:r>
-              <a:rPr lang="ru-RU" sz="3600" b="1" spc="100" dirty="0">
-                <a:latin typeface="Helvetica" panose="020B0604020202020204" pitchFamily="2" charset="0"/>
-              </a:rPr>
-              <a:t>Предлагаемое</a:t>
-            </a:r>
-            <a:r>
-              <a:rPr lang="ru-RU" sz="3600" b="1" dirty="0">
-                <a:latin typeface="Helvetica" panose="020B0604020202020204" pitchFamily="2" charset="0"/>
-              </a:rPr>
-              <a:t> решение</a:t>
-            </a:r>
-          </a:p>
-        </p:txBody>
-      </p:sp>
-      <p:sp>
-        <p:nvSpPr>
-          <p:cNvPr id="3" name="Объект 2">
-            <a:extLst>
-              <a:ext uri="{FF2B5EF4-FFF2-40B4-BE49-F238E27FC236}">
-                <a16:creationId xmlns:a16="http://schemas.microsoft.com/office/drawing/2014/main" id="{E5843620-488B-BC0F-AD03-99FEEDA04CA8}"/>
-              </a:ext>
-            </a:extLst>
-          </p:cNvPr>
-          <p:cNvSpPr>
-            <a:spLocks noGrp="1"/>
-          </p:cNvSpPr>
-          <p:nvPr>
-            <p:ph idx="1"/>
-          </p:nvPr>
-        </p:nvSpPr>
-        <p:spPr>
-          <a:xfrm>
-            <a:off x="1184275" y="1679575"/>
-            <a:ext cx="9848850" cy="2714625"/>
-          </a:xfrm>
-        </p:spPr>
-        <p:txBody>
-          <a:bodyPr>
-            <a:normAutofit/>
-          </a:bodyPr>
-          <a:lstStyle/>
-          <a:p>
-            <a:pPr marL="0" indent="0">
-              <a:lnSpc>
-                <a:spcPct val="150000"/>
-              </a:lnSpc>
-              <a:buNone/>
-            </a:pPr>
-            <a:r>
-              <a:rPr lang="en-US" sz="2400" dirty="0" err="1">
-                <a:latin typeface="Helvetica" panose="020B0604020202020204" pitchFamily="2" charset="0"/>
-                <a:cs typeface="Fahkwang" panose="00000500000000000000" pitchFamily="2" charset="-34"/>
-              </a:rPr>
-              <a:t>Lindéro</a:t>
-            </a:r>
-            <a:r>
-              <a:rPr lang="ru-RU" sz="2400" dirty="0">
-                <a:latin typeface="Helvetica" panose="020B0604020202020204" pitchFamily="2" charset="0"/>
-                <a:cs typeface="Fahkwang" panose="00000500000000000000" pitchFamily="2" charset="-34"/>
-              </a:rPr>
-              <a:t> – это веб-сайт, который позволяет продавать картины, скульптуры и фотографии</a:t>
-            </a:r>
-            <a:r>
-              <a:rPr lang="en-US" sz="2400" dirty="0">
-                <a:latin typeface="Helvetica" panose="020B0604020202020204" pitchFamily="2" charset="0"/>
-                <a:cs typeface="Fahkwang" panose="00000500000000000000" pitchFamily="2" charset="-34"/>
-              </a:rPr>
-              <a:t>;</a:t>
-            </a:r>
-            <a:r>
-              <a:rPr lang="ru-RU" sz="2400" dirty="0">
-                <a:latin typeface="Helvetica" panose="020B0604020202020204" pitchFamily="2" charset="0"/>
-                <a:cs typeface="Fahkwang" panose="00000500000000000000" pitchFamily="2" charset="-34"/>
-              </a:rPr>
-              <a:t> проводить аукционы. Кроме того, на сайте присутствует система платной подписки на художника.</a:t>
-            </a:r>
-          </a:p>
-        </p:txBody>
-      </p:sp>
-      <p:sp>
-        <p:nvSpPr>
-          <p:cNvPr id="5" name="Заголовок 1">
-            <a:extLst>
-              <a:ext uri="{FF2B5EF4-FFF2-40B4-BE49-F238E27FC236}">
-                <a16:creationId xmlns:a16="http://schemas.microsoft.com/office/drawing/2014/main" id="{2C2F5CCE-D86C-6118-2025-00D56BB2F0EA}"/>
+          <p:cNvPr id="4" name="Заголовок 1">
+            <a:extLst>
+              <a:ext uri="{FF2B5EF4-FFF2-40B4-BE49-F238E27FC236}">
+                <a16:creationId xmlns:a16="http://schemas.microsoft.com/office/drawing/2014/main" id="{75846B8C-F0BA-FB05-B4E5-7A4AEC75A66E}"/>
               </a:ext>
             </a:extLst>
           </p:cNvPr>
@@ -6012,8 +7520,8 @@
         </p:nvSpPr>
         <p:spPr>
           <a:xfrm>
-            <a:off x="9796895" y="5689098"/>
-            <a:ext cx="1367560" cy="832427"/>
+            <a:off x="609600" y="5718421"/>
+            <a:ext cx="1367560" cy="362025"/>
           </a:xfrm>
           <a:prstGeom prst="rect">
             <a:avLst/>
@@ -6058,10 +7566,10 @@
       </p:sp>
       <p:sp>
         <p:nvSpPr>
-          <p:cNvPr id="6" name="TextBox 5">
-            <a:extLst>
-              <a:ext uri="{FF2B5EF4-FFF2-40B4-BE49-F238E27FC236}">
-                <a16:creationId xmlns:a16="http://schemas.microsoft.com/office/drawing/2014/main" id="{C76C0D7D-3BAF-701E-54A7-CDA5EC27E7CA}"/>
+          <p:cNvPr id="7" name="TextBox 6">
+            <a:extLst>
+              <a:ext uri="{FF2B5EF4-FFF2-40B4-BE49-F238E27FC236}">
+                <a16:creationId xmlns:a16="http://schemas.microsoft.com/office/drawing/2014/main" id="{791BC9C3-A3AD-D5A4-57B3-DEC64101B843}"/>
               </a:ext>
             </a:extLst>
           </p:cNvPr>
@@ -6070,7 +7578,7 @@
         </p:nvSpPr>
         <p:spPr>
           <a:xfrm>
-            <a:off x="5638800" y="5874480"/>
+            <a:off x="10725150" y="5668602"/>
             <a:ext cx="914400" cy="461665"/>
           </a:xfrm>
           <a:prstGeom prst="rect">
@@ -6095,9 +7603,363 @@
               <a:rPr lang="en-US" sz="2400" dirty="0">
                 <a:latin typeface="Helvetica" panose="020B0604020202020204" pitchFamily="2" charset="0"/>
               </a:rPr>
-              <a:t>/15</a:t>
+              <a:t>/1</a:t>
+            </a:r>
+            <a:r>
+              <a:rPr lang="ru-RU" sz="2400" dirty="0">
+                <a:latin typeface="Helvetica" panose="020B0604020202020204" pitchFamily="2" charset="0"/>
+              </a:rPr>
+              <a:t>5</a:t>
             </a:r>
             <a:endParaRPr lang="ru-RU" sz="2400" dirty="0"/>
+          </a:p>
+        </p:txBody>
+      </p:sp>
+      <p:sp>
+        <p:nvSpPr>
+          <p:cNvPr id="8" name="AutoShape 2">
+            <a:extLst>
+              <a:ext uri="{FF2B5EF4-FFF2-40B4-BE49-F238E27FC236}">
+                <a16:creationId xmlns:a16="http://schemas.microsoft.com/office/drawing/2014/main" id="{AC0D06D6-F28D-3382-3083-FE7E3BA3FD4B}"/>
+              </a:ext>
+            </a:extLst>
+          </p:cNvPr>
+          <p:cNvSpPr/>
+          <p:nvPr/>
+        </p:nvSpPr>
+        <p:spPr>
+          <a:xfrm>
+            <a:off x="685800" y="6159500"/>
+            <a:ext cx="10820400" cy="0"/>
+          </a:xfrm>
+          <a:prstGeom prst="line">
+            <a:avLst/>
+          </a:prstGeom>
+          <a:ln w="19050" cap="flat">
+            <a:solidFill>
+              <a:srgbClr val="000000"/>
+            </a:solidFill>
+            <a:prstDash val="solid"/>
+            <a:headEnd type="none" w="sm" len="sm"/>
+            <a:tailEnd type="none" w="sm" len="sm"/>
+          </a:ln>
+        </p:spPr>
+      </p:sp>
+      <p:sp>
+        <p:nvSpPr>
+          <p:cNvPr id="9" name="AutoShape 4">
+            <a:extLst>
+              <a:ext uri="{FF2B5EF4-FFF2-40B4-BE49-F238E27FC236}">
+                <a16:creationId xmlns:a16="http://schemas.microsoft.com/office/drawing/2014/main" id="{AE06666E-646A-EEA6-728F-B4933FA5E6A1}"/>
+              </a:ext>
+            </a:extLst>
+          </p:cNvPr>
+          <p:cNvSpPr/>
+          <p:nvPr/>
+        </p:nvSpPr>
+        <p:spPr>
+          <a:xfrm>
+            <a:off x="685800" y="685800"/>
+            <a:ext cx="10820400" cy="0"/>
+          </a:xfrm>
+          <a:prstGeom prst="line">
+            <a:avLst/>
+          </a:prstGeom>
+          <a:ln w="19050" cap="flat">
+            <a:solidFill>
+              <a:srgbClr val="000000"/>
+            </a:solidFill>
+            <a:prstDash val="solid"/>
+            <a:headEnd type="none" w="sm" len="sm"/>
+            <a:tailEnd type="none" w="sm" len="sm"/>
+          </a:ln>
+        </p:spPr>
+      </p:sp>
+      <p:sp>
+        <p:nvSpPr>
+          <p:cNvPr id="10" name="Заголовок 1">
+            <a:extLst>
+              <a:ext uri="{FF2B5EF4-FFF2-40B4-BE49-F238E27FC236}">
+                <a16:creationId xmlns:a16="http://schemas.microsoft.com/office/drawing/2014/main" id="{C8D530CB-18D5-2901-5FDD-67E85763E4FB}"/>
+              </a:ext>
+            </a:extLst>
+          </p:cNvPr>
+          <p:cNvSpPr txBox="1">
+            <a:spLocks/>
+          </p:cNvSpPr>
+          <p:nvPr/>
+        </p:nvSpPr>
+        <p:spPr>
+          <a:xfrm>
+            <a:off x="609600" y="1364864"/>
+            <a:ext cx="9296400" cy="928688"/>
+          </a:xfrm>
+          <a:prstGeom prst="rect">
+            <a:avLst/>
+          </a:prstGeom>
+        </p:spPr>
+        <p:txBody>
+          <a:bodyPr vert="horz" lIns="91440" tIns="45720" rIns="91440" bIns="45720" rtlCol="0" anchor="ctr">
+            <a:normAutofit/>
+          </a:bodyPr>
+          <a:lstStyle>
+            <a:lvl1pPr algn="l" defTabSz="914400" rtl="0" eaLnBrk="1" latinLnBrk="0" hangingPunct="1">
+              <a:lnSpc>
+                <a:spcPct val="90000"/>
+              </a:lnSpc>
+              <a:spcBef>
+                <a:spcPct val="0"/>
+              </a:spcBef>
+              <a:buNone/>
+              <a:defRPr sz="4400" kern="1200">
+                <a:solidFill>
+                  <a:schemeClr val="tx1"/>
+                </a:solidFill>
+                <a:latin typeface="+mj-lt"/>
+                <a:ea typeface="+mj-ea"/>
+                <a:cs typeface="+mj-cs"/>
+              </a:defRPr>
+            </a:lvl1pPr>
+          </a:lstStyle>
+          <a:p>
+            <a:r>
+              <a:rPr lang="ru-RU" sz="3600" b="1" spc="100" dirty="0">
+                <a:latin typeface="Helvetica" panose="020B0604020202020204" pitchFamily="2" charset="0"/>
+              </a:rPr>
+              <a:t>ПРЕДЛАГАЕМОЕ РЕШЕНИЕ</a:t>
+            </a:r>
+            <a:endParaRPr lang="ru-RU" sz="3600" b="1" dirty="0">
+              <a:latin typeface="Helvetica" panose="020B0604020202020204" pitchFamily="2" charset="0"/>
+            </a:endParaRPr>
+          </a:p>
+        </p:txBody>
+      </p:sp>
+      <p:sp>
+        <p:nvSpPr>
+          <p:cNvPr id="11" name="Объект 2">
+            <a:extLst>
+              <a:ext uri="{FF2B5EF4-FFF2-40B4-BE49-F238E27FC236}">
+                <a16:creationId xmlns:a16="http://schemas.microsoft.com/office/drawing/2014/main" id="{F5446CF8-0DA1-0CBB-D9D5-06A52425C03F}"/>
+              </a:ext>
+            </a:extLst>
+          </p:cNvPr>
+          <p:cNvSpPr txBox="1">
+            <a:spLocks/>
+          </p:cNvSpPr>
+          <p:nvPr/>
+        </p:nvSpPr>
+        <p:spPr>
+          <a:xfrm>
+            <a:off x="609600" y="2372604"/>
+            <a:ext cx="10896600" cy="2225675"/>
+          </a:xfrm>
+          <a:prstGeom prst="rect">
+            <a:avLst/>
+          </a:prstGeom>
+        </p:spPr>
+        <p:txBody>
+          <a:bodyPr vert="horz" lIns="91440" tIns="45720" rIns="91440" bIns="45720" rtlCol="0">
+            <a:normAutofit/>
+          </a:bodyPr>
+          <a:lstStyle>
+            <a:lvl1pPr marL="228600" indent="-228600" algn="l" defTabSz="914400" rtl="0" eaLnBrk="1" latinLnBrk="0" hangingPunct="1">
+              <a:lnSpc>
+                <a:spcPct val="90000"/>
+              </a:lnSpc>
+              <a:spcBef>
+                <a:spcPts val="1000"/>
+              </a:spcBef>
+              <a:buFont typeface="Arial" panose="020B0604020202020204" pitchFamily="34" charset="0"/>
+              <a:buChar char="•"/>
+              <a:defRPr sz="2800" kern="1200">
+                <a:solidFill>
+                  <a:schemeClr val="tx1"/>
+                </a:solidFill>
+                <a:latin typeface="+mn-lt"/>
+                <a:ea typeface="+mn-ea"/>
+                <a:cs typeface="+mn-cs"/>
+              </a:defRPr>
+            </a:lvl1pPr>
+            <a:lvl2pPr marL="685800" indent="-228600" algn="l" defTabSz="914400" rtl="0" eaLnBrk="1" latinLnBrk="0" hangingPunct="1">
+              <a:lnSpc>
+                <a:spcPct val="90000"/>
+              </a:lnSpc>
+              <a:spcBef>
+                <a:spcPts val="500"/>
+              </a:spcBef>
+              <a:buFont typeface="Arial" panose="020B0604020202020204" pitchFamily="34" charset="0"/>
+              <a:buChar char="•"/>
+              <a:defRPr sz="2400" kern="1200">
+                <a:solidFill>
+                  <a:schemeClr val="tx1"/>
+                </a:solidFill>
+                <a:latin typeface="+mn-lt"/>
+                <a:ea typeface="+mn-ea"/>
+                <a:cs typeface="+mn-cs"/>
+              </a:defRPr>
+            </a:lvl2pPr>
+            <a:lvl3pPr marL="1143000" indent="-228600" algn="l" defTabSz="914400" rtl="0" eaLnBrk="1" latinLnBrk="0" hangingPunct="1">
+              <a:lnSpc>
+                <a:spcPct val="90000"/>
+              </a:lnSpc>
+              <a:spcBef>
+                <a:spcPts val="500"/>
+              </a:spcBef>
+              <a:buFont typeface="Arial" panose="020B0604020202020204" pitchFamily="34" charset="0"/>
+              <a:buChar char="•"/>
+              <a:defRPr sz="2000" kern="1200">
+                <a:solidFill>
+                  <a:schemeClr val="tx1"/>
+                </a:solidFill>
+                <a:latin typeface="+mn-lt"/>
+                <a:ea typeface="+mn-ea"/>
+                <a:cs typeface="+mn-cs"/>
+              </a:defRPr>
+            </a:lvl3pPr>
+            <a:lvl4pPr marL="1600200" indent="-228600" algn="l" defTabSz="914400" rtl="0" eaLnBrk="1" latinLnBrk="0" hangingPunct="1">
+              <a:lnSpc>
+                <a:spcPct val="90000"/>
+              </a:lnSpc>
+              <a:spcBef>
+                <a:spcPts val="500"/>
+              </a:spcBef>
+              <a:buFont typeface="Arial" panose="020B0604020202020204" pitchFamily="34" charset="0"/>
+              <a:buChar char="•"/>
+              <a:defRPr sz="1800" kern="1200">
+                <a:solidFill>
+                  <a:schemeClr val="tx1"/>
+                </a:solidFill>
+                <a:latin typeface="+mn-lt"/>
+                <a:ea typeface="+mn-ea"/>
+                <a:cs typeface="+mn-cs"/>
+              </a:defRPr>
+            </a:lvl4pPr>
+            <a:lvl5pPr marL="2057400" indent="-228600" algn="l" defTabSz="914400" rtl="0" eaLnBrk="1" latinLnBrk="0" hangingPunct="1">
+              <a:lnSpc>
+                <a:spcPct val="90000"/>
+              </a:lnSpc>
+              <a:spcBef>
+                <a:spcPts val="500"/>
+              </a:spcBef>
+              <a:buFont typeface="Arial" panose="020B0604020202020204" pitchFamily="34" charset="0"/>
+              <a:buChar char="•"/>
+              <a:defRPr sz="1800" kern="1200">
+                <a:solidFill>
+                  <a:schemeClr val="tx1"/>
+                </a:solidFill>
+                <a:latin typeface="+mn-lt"/>
+                <a:ea typeface="+mn-ea"/>
+                <a:cs typeface="+mn-cs"/>
+              </a:defRPr>
+            </a:lvl5pPr>
+            <a:lvl6pPr marL="2514600" indent="-228600" algn="l" defTabSz="914400" rtl="0" eaLnBrk="1" latinLnBrk="0" hangingPunct="1">
+              <a:lnSpc>
+                <a:spcPct val="90000"/>
+              </a:lnSpc>
+              <a:spcBef>
+                <a:spcPts val="500"/>
+              </a:spcBef>
+              <a:buFont typeface="Arial" panose="020B0604020202020204" pitchFamily="34" charset="0"/>
+              <a:buChar char="•"/>
+              <a:defRPr sz="1800" kern="1200">
+                <a:solidFill>
+                  <a:schemeClr val="tx1"/>
+                </a:solidFill>
+                <a:latin typeface="+mn-lt"/>
+                <a:ea typeface="+mn-ea"/>
+                <a:cs typeface="+mn-cs"/>
+              </a:defRPr>
+            </a:lvl6pPr>
+            <a:lvl7pPr marL="2971800" indent="-228600" algn="l" defTabSz="914400" rtl="0" eaLnBrk="1" latinLnBrk="0" hangingPunct="1">
+              <a:lnSpc>
+                <a:spcPct val="90000"/>
+              </a:lnSpc>
+              <a:spcBef>
+                <a:spcPts val="500"/>
+              </a:spcBef>
+              <a:buFont typeface="Arial" panose="020B0604020202020204" pitchFamily="34" charset="0"/>
+              <a:buChar char="•"/>
+              <a:defRPr sz="1800" kern="1200">
+                <a:solidFill>
+                  <a:schemeClr val="tx1"/>
+                </a:solidFill>
+                <a:latin typeface="+mn-lt"/>
+                <a:ea typeface="+mn-ea"/>
+                <a:cs typeface="+mn-cs"/>
+              </a:defRPr>
+            </a:lvl7pPr>
+            <a:lvl8pPr marL="3429000" indent="-228600" algn="l" defTabSz="914400" rtl="0" eaLnBrk="1" latinLnBrk="0" hangingPunct="1">
+              <a:lnSpc>
+                <a:spcPct val="90000"/>
+              </a:lnSpc>
+              <a:spcBef>
+                <a:spcPts val="500"/>
+              </a:spcBef>
+              <a:buFont typeface="Arial" panose="020B0604020202020204" pitchFamily="34" charset="0"/>
+              <a:buChar char="•"/>
+              <a:defRPr sz="1800" kern="1200">
+                <a:solidFill>
+                  <a:schemeClr val="tx1"/>
+                </a:solidFill>
+                <a:latin typeface="+mn-lt"/>
+                <a:ea typeface="+mn-ea"/>
+                <a:cs typeface="+mn-cs"/>
+              </a:defRPr>
+            </a:lvl8pPr>
+            <a:lvl9pPr marL="3886200" indent="-228600" algn="l" defTabSz="914400" rtl="0" eaLnBrk="1" latinLnBrk="0" hangingPunct="1">
+              <a:lnSpc>
+                <a:spcPct val="90000"/>
+              </a:lnSpc>
+              <a:spcBef>
+                <a:spcPts val="500"/>
+              </a:spcBef>
+              <a:buFont typeface="Arial" panose="020B0604020202020204" pitchFamily="34" charset="0"/>
+              <a:buChar char="•"/>
+              <a:defRPr sz="1800" kern="1200">
+                <a:solidFill>
+                  <a:schemeClr val="tx1"/>
+                </a:solidFill>
+                <a:latin typeface="+mn-lt"/>
+                <a:ea typeface="+mn-ea"/>
+                <a:cs typeface="+mn-cs"/>
+              </a:defRPr>
+            </a:lvl9pPr>
+          </a:lstStyle>
+          <a:p>
+            <a:pPr marL="0" indent="0">
+              <a:lnSpc>
+                <a:spcPct val="150000"/>
+              </a:lnSpc>
+              <a:buNone/>
+            </a:pPr>
+            <a:r>
+              <a:rPr lang="en-US" sz="2400" dirty="0" err="1">
+                <a:latin typeface="Helvetica" panose="020B0604020202020204" pitchFamily="2" charset="0"/>
+                <a:cs typeface="Fahkwang" panose="00000500000000000000" pitchFamily="2" charset="-34"/>
+              </a:rPr>
+              <a:t>Lindéro</a:t>
+            </a:r>
+            <a:r>
+              <a:rPr lang="ru-RU" sz="2400" dirty="0">
+                <a:latin typeface="Helvetica" panose="020B0604020202020204" pitchFamily="2" charset="0"/>
+                <a:cs typeface="Fahkwang" panose="00000500000000000000" pitchFamily="2" charset="-34"/>
+              </a:rPr>
+              <a:t> – это веб-сайт, который позволяет продавать картины, скульптуры и фотографии</a:t>
+            </a:r>
+            <a:r>
+              <a:rPr lang="en-US" sz="2400" dirty="0">
+                <a:latin typeface="Helvetica" panose="020B0604020202020204" pitchFamily="2" charset="0"/>
+                <a:cs typeface="Fahkwang" panose="00000500000000000000" pitchFamily="2" charset="-34"/>
+              </a:rPr>
+              <a:t>;</a:t>
+            </a:r>
+            <a:r>
+              <a:rPr lang="ru-RU" sz="2400" dirty="0">
+                <a:latin typeface="Helvetica" panose="020B0604020202020204" pitchFamily="2" charset="0"/>
+                <a:cs typeface="Fahkwang" panose="00000500000000000000" pitchFamily="2" charset="-34"/>
+              </a:rPr>
+              <a:t> проводить аукционы. Кроме того, на сайте присутствует система платной подписки на художника.</a:t>
+            </a:r>
           </a:p>
         </p:txBody>
       </p:sp>
@@ -6133,74 +7995,422 @@
       </p:grpSpPr>
       <p:sp>
         <p:nvSpPr>
-          <p:cNvPr id="2" name="Заголовок 1">
-            <a:extLst>
-              <a:ext uri="{FF2B5EF4-FFF2-40B4-BE49-F238E27FC236}">
-                <a16:creationId xmlns:a16="http://schemas.microsoft.com/office/drawing/2014/main" id="{97F2B76D-03A2-122D-1A97-BC93E2E7D80A}"/>
-              </a:ext>
-            </a:extLst>
-          </p:cNvPr>
-          <p:cNvSpPr>
-            <a:spLocks noGrp="1"/>
+          <p:cNvPr id="4" name="Заголовок 1">
+            <a:extLst>
+              <a:ext uri="{FF2B5EF4-FFF2-40B4-BE49-F238E27FC236}">
+                <a16:creationId xmlns:a16="http://schemas.microsoft.com/office/drawing/2014/main" id="{08809879-027E-65BF-B079-6AA3DAD5AA00}"/>
+              </a:ext>
+            </a:extLst>
+          </p:cNvPr>
+          <p:cNvSpPr txBox="1">
+            <a:spLocks/>
           </p:cNvSpPr>
-          <p:nvPr>
-            <p:ph type="title"/>
-          </p:nvPr>
-        </p:nvSpPr>
-        <p:spPr>
-          <a:xfrm>
-            <a:off x="1184275" y="630237"/>
+          <p:nvPr/>
+        </p:nvSpPr>
+        <p:spPr>
+          <a:xfrm>
+            <a:off x="609600" y="5718421"/>
+            <a:ext cx="1367560" cy="362025"/>
+          </a:xfrm>
+          <a:prstGeom prst="rect">
+            <a:avLst/>
+          </a:prstGeom>
+        </p:spPr>
+        <p:txBody>
+          <a:bodyPr vert="horz" lIns="91440" tIns="45720" rIns="91440" bIns="45720" rtlCol="0" anchor="ctr">
+            <a:noAutofit/>
+          </a:bodyPr>
+          <a:lstStyle>
+            <a:lvl1pPr algn="l" defTabSz="914400" rtl="0" eaLnBrk="1" latinLnBrk="0" hangingPunct="1">
+              <a:lnSpc>
+                <a:spcPct val="90000"/>
+              </a:lnSpc>
+              <a:spcBef>
+                <a:spcPct val="0"/>
+              </a:spcBef>
+              <a:buNone/>
+              <a:defRPr sz="4400" kern="1200">
+                <a:solidFill>
+                  <a:schemeClr val="tx1"/>
+                </a:solidFill>
+                <a:latin typeface="+mj-lt"/>
+                <a:ea typeface="+mj-ea"/>
+                <a:cs typeface="+mj-cs"/>
+              </a:defRPr>
+            </a:lvl1pPr>
+          </a:lstStyle>
+          <a:p>
+            <a:r>
+              <a:rPr lang="en-US" sz="2400" dirty="0" err="1">
+                <a:latin typeface="Fahkwang" panose="00000500000000000000" pitchFamily="2" charset="-34"/>
+                <a:cs typeface="Fahkwang" panose="00000500000000000000" pitchFamily="2" charset="-34"/>
+              </a:rPr>
+              <a:t>Lindéro</a:t>
+            </a:r>
+            <a:endParaRPr lang="ru-RU" sz="2400" dirty="0">
+              <a:cs typeface="Fahkwang" panose="00000500000000000000" pitchFamily="2" charset="-34"/>
+            </a:endParaRPr>
+          </a:p>
+        </p:txBody>
+      </p:sp>
+      <p:sp>
+        <p:nvSpPr>
+          <p:cNvPr id="7" name="TextBox 6">
+            <a:extLst>
+              <a:ext uri="{FF2B5EF4-FFF2-40B4-BE49-F238E27FC236}">
+                <a16:creationId xmlns:a16="http://schemas.microsoft.com/office/drawing/2014/main" id="{09AE2FA2-DEF9-5A38-DCBB-6F3F8360E242}"/>
+              </a:ext>
+            </a:extLst>
+          </p:cNvPr>
+          <p:cNvSpPr txBox="1"/>
+          <p:nvPr/>
+        </p:nvSpPr>
+        <p:spPr>
+          <a:xfrm>
+            <a:off x="10725150" y="5668602"/>
+            <a:ext cx="914400" cy="461665"/>
+          </a:xfrm>
+          <a:prstGeom prst="rect">
+            <a:avLst/>
+          </a:prstGeom>
+          <a:noFill/>
+        </p:spPr>
+        <p:txBody>
+          <a:bodyPr wrap="square">
+            <a:spAutoFit/>
+          </a:bodyPr>
+          <a:lstStyle/>
+          <a:p>
+            <a:pPr algn="ctr"/>
+            <a:r>
+              <a:rPr lang="ru-RU" sz="2400" dirty="0">
+                <a:latin typeface="Helvetica" panose="020B0604020202020204" pitchFamily="2" charset="0"/>
+              </a:rPr>
+              <a:t>5</a:t>
+            </a:r>
+            <a:r>
+              <a:rPr lang="en-US" sz="2400" dirty="0">
+                <a:latin typeface="Helvetica" panose="020B0604020202020204" pitchFamily="2" charset="0"/>
+              </a:rPr>
+              <a:t>/1</a:t>
+            </a:r>
+            <a:r>
+              <a:rPr lang="ru-RU" sz="2400" dirty="0">
+                <a:latin typeface="Helvetica" panose="020B0604020202020204" pitchFamily="2" charset="0"/>
+              </a:rPr>
+              <a:t>5</a:t>
+            </a:r>
+            <a:endParaRPr lang="ru-RU" sz="2400" dirty="0"/>
+          </a:p>
+        </p:txBody>
+      </p:sp>
+      <p:sp>
+        <p:nvSpPr>
+          <p:cNvPr id="8" name="AutoShape 2">
+            <a:extLst>
+              <a:ext uri="{FF2B5EF4-FFF2-40B4-BE49-F238E27FC236}">
+                <a16:creationId xmlns:a16="http://schemas.microsoft.com/office/drawing/2014/main" id="{A60D3E77-0048-315A-E5CA-9D1A513B3776}"/>
+              </a:ext>
+            </a:extLst>
+          </p:cNvPr>
+          <p:cNvSpPr/>
+          <p:nvPr/>
+        </p:nvSpPr>
+        <p:spPr>
+          <a:xfrm>
+            <a:off x="685800" y="6159500"/>
+            <a:ext cx="10820400" cy="0"/>
+          </a:xfrm>
+          <a:prstGeom prst="line">
+            <a:avLst/>
+          </a:prstGeom>
+          <a:ln w="19050" cap="flat">
+            <a:solidFill>
+              <a:srgbClr val="000000"/>
+            </a:solidFill>
+            <a:prstDash val="solid"/>
+            <a:headEnd type="none" w="sm" len="sm"/>
+            <a:tailEnd type="none" w="sm" len="sm"/>
+          </a:ln>
+        </p:spPr>
+      </p:sp>
+      <p:sp>
+        <p:nvSpPr>
+          <p:cNvPr id="9" name="AutoShape 4">
+            <a:extLst>
+              <a:ext uri="{FF2B5EF4-FFF2-40B4-BE49-F238E27FC236}">
+                <a16:creationId xmlns:a16="http://schemas.microsoft.com/office/drawing/2014/main" id="{B813AABC-AE19-6AC0-B4D5-29670EF120B5}"/>
+              </a:ext>
+            </a:extLst>
+          </p:cNvPr>
+          <p:cNvSpPr/>
+          <p:nvPr/>
+        </p:nvSpPr>
+        <p:spPr>
+          <a:xfrm>
+            <a:off x="685800" y="685800"/>
+            <a:ext cx="10820400" cy="0"/>
+          </a:xfrm>
+          <a:prstGeom prst="line">
+            <a:avLst/>
+          </a:prstGeom>
+          <a:ln w="19050" cap="flat">
+            <a:solidFill>
+              <a:srgbClr val="000000"/>
+            </a:solidFill>
+            <a:prstDash val="solid"/>
+            <a:headEnd type="none" w="sm" len="sm"/>
+            <a:tailEnd type="none" w="sm" len="sm"/>
+          </a:ln>
+        </p:spPr>
+      </p:sp>
+      <p:sp>
+        <p:nvSpPr>
+          <p:cNvPr id="10" name="Заголовок 1">
+            <a:extLst>
+              <a:ext uri="{FF2B5EF4-FFF2-40B4-BE49-F238E27FC236}">
+                <a16:creationId xmlns:a16="http://schemas.microsoft.com/office/drawing/2014/main" id="{2F77F458-4884-8591-1A08-0E6A076DB56A}"/>
+              </a:ext>
+            </a:extLst>
+          </p:cNvPr>
+          <p:cNvSpPr txBox="1">
+            <a:spLocks/>
+          </p:cNvSpPr>
+          <p:nvPr/>
+        </p:nvSpPr>
+        <p:spPr>
+          <a:xfrm>
+            <a:off x="609600" y="1364864"/>
             <a:ext cx="9296400" cy="928688"/>
           </a:xfrm>
-        </p:spPr>
-        <p:txBody>
-          <a:bodyPr>
+          <a:prstGeom prst="rect">
+            <a:avLst/>
+          </a:prstGeom>
+        </p:spPr>
+        <p:txBody>
+          <a:bodyPr vert="horz" lIns="91440" tIns="45720" rIns="91440" bIns="45720" rtlCol="0" anchor="ctr">
             <a:normAutofit/>
           </a:bodyPr>
-          <a:lstStyle/>
+          <a:lstStyle>
+            <a:lvl1pPr algn="l" defTabSz="914400" rtl="0" eaLnBrk="1" latinLnBrk="0" hangingPunct="1">
+              <a:lnSpc>
+                <a:spcPct val="90000"/>
+              </a:lnSpc>
+              <a:spcBef>
+                <a:spcPct val="0"/>
+              </a:spcBef>
+              <a:buNone/>
+              <a:defRPr sz="4400" kern="1200">
+                <a:solidFill>
+                  <a:schemeClr val="tx1"/>
+                </a:solidFill>
+                <a:latin typeface="+mj-lt"/>
+                <a:ea typeface="+mj-ea"/>
+                <a:cs typeface="+mj-cs"/>
+              </a:defRPr>
+            </a:lvl1pPr>
+          </a:lstStyle>
           <a:p>
             <a:r>
               <a:rPr lang="ru-RU" sz="3600" b="1" spc="100" dirty="0">
                 <a:latin typeface="Helvetica" panose="020B0604020202020204" pitchFamily="2" charset="0"/>
               </a:rPr>
-              <a:t>Технологии</a:t>
-            </a:r>
-            <a:r>
-              <a:rPr lang="ru-RU" sz="3600" b="1" dirty="0">
-                <a:latin typeface="Helvetica" panose="020B0604020202020204" pitchFamily="2" charset="0"/>
-              </a:rPr>
-              <a:t> и инновации</a:t>
-            </a:r>
-          </a:p>
-        </p:txBody>
-      </p:sp>
-      <p:sp>
-        <p:nvSpPr>
-          <p:cNvPr id="3" name="Объект 2">
-            <a:extLst>
-              <a:ext uri="{FF2B5EF4-FFF2-40B4-BE49-F238E27FC236}">
-                <a16:creationId xmlns:a16="http://schemas.microsoft.com/office/drawing/2014/main" id="{E5843620-488B-BC0F-AD03-99FEEDA04CA8}"/>
-              </a:ext>
-            </a:extLst>
-          </p:cNvPr>
-          <p:cNvSpPr>
-            <a:spLocks noGrp="1"/>
+              <a:t>ТЕХНОЛОГИИ И ИННОВАЦИИ</a:t>
+            </a:r>
+          </a:p>
+        </p:txBody>
+      </p:sp>
+      <p:sp>
+        <p:nvSpPr>
+          <p:cNvPr id="16" name="Объект 2">
+            <a:extLst>
+              <a:ext uri="{FF2B5EF4-FFF2-40B4-BE49-F238E27FC236}">
+                <a16:creationId xmlns:a16="http://schemas.microsoft.com/office/drawing/2014/main" id="{3EC6CDB1-C91E-356A-55E6-D69886606CB7}"/>
+              </a:ext>
+            </a:extLst>
+          </p:cNvPr>
+          <p:cNvSpPr txBox="1">
+            <a:spLocks/>
           </p:cNvSpPr>
-          <p:nvPr>
-            <p:ph idx="1"/>
-          </p:nvPr>
-        </p:nvSpPr>
-        <p:spPr>
-          <a:xfrm>
-            <a:off x="1184275" y="1679575"/>
-            <a:ext cx="9848850" cy="4244975"/>
-          </a:xfrm>
-        </p:spPr>
-        <p:txBody>
-          <a:bodyPr>
-            <a:noAutofit/>
+          <p:nvPr/>
+        </p:nvSpPr>
+        <p:spPr>
+          <a:xfrm>
+            <a:off x="609600" y="2372604"/>
+            <a:ext cx="10896600" cy="2739146"/>
+          </a:xfrm>
+          <a:prstGeom prst="rect">
+            <a:avLst/>
+          </a:prstGeom>
+        </p:spPr>
+        <p:txBody>
+          <a:bodyPr vert="horz" lIns="91440" tIns="45720" rIns="91440" bIns="45720" rtlCol="0">
+            <a:normAutofit/>
           </a:bodyPr>
-          <a:lstStyle/>
+          <a:lstStyle>
+            <a:lvl1pPr marL="228600" indent="-228600" algn="l" defTabSz="914400" rtl="0" eaLnBrk="1" latinLnBrk="0" hangingPunct="1">
+              <a:lnSpc>
+                <a:spcPct val="90000"/>
+              </a:lnSpc>
+              <a:spcBef>
+                <a:spcPts val="1000"/>
+              </a:spcBef>
+              <a:buFont typeface="Arial" panose="020B0604020202020204" pitchFamily="34" charset="0"/>
+              <a:buChar char="•"/>
+              <a:defRPr sz="2800" kern="1200">
+                <a:solidFill>
+                  <a:schemeClr val="tx1"/>
+                </a:solidFill>
+                <a:latin typeface="+mn-lt"/>
+                <a:ea typeface="+mn-ea"/>
+                <a:cs typeface="+mn-cs"/>
+              </a:defRPr>
+            </a:lvl1pPr>
+            <a:lvl2pPr marL="685800" indent="-228600" algn="l" defTabSz="914400" rtl="0" eaLnBrk="1" latinLnBrk="0" hangingPunct="1">
+              <a:lnSpc>
+                <a:spcPct val="90000"/>
+              </a:lnSpc>
+              <a:spcBef>
+                <a:spcPts val="500"/>
+              </a:spcBef>
+              <a:buFont typeface="Arial" panose="020B0604020202020204" pitchFamily="34" charset="0"/>
+              <a:buChar char="•"/>
+              <a:defRPr sz="2400" kern="1200">
+                <a:solidFill>
+                  <a:schemeClr val="tx1"/>
+                </a:solidFill>
+                <a:latin typeface="+mn-lt"/>
+                <a:ea typeface="+mn-ea"/>
+                <a:cs typeface="+mn-cs"/>
+              </a:defRPr>
+            </a:lvl2pPr>
+            <a:lvl3pPr marL="1143000" indent="-228600" algn="l" defTabSz="914400" rtl="0" eaLnBrk="1" latinLnBrk="0" hangingPunct="1">
+              <a:lnSpc>
+                <a:spcPct val="90000"/>
+              </a:lnSpc>
+              <a:spcBef>
+                <a:spcPts val="500"/>
+              </a:spcBef>
+              <a:buFont typeface="Arial" panose="020B0604020202020204" pitchFamily="34" charset="0"/>
+              <a:buChar char="•"/>
+              <a:defRPr sz="2000" kern="1200">
+                <a:solidFill>
+                  <a:schemeClr val="tx1"/>
+                </a:solidFill>
+                <a:latin typeface="+mn-lt"/>
+                <a:ea typeface="+mn-ea"/>
+                <a:cs typeface="+mn-cs"/>
+              </a:defRPr>
+            </a:lvl3pPr>
+            <a:lvl4pPr marL="1600200" indent="-228600" algn="l" defTabSz="914400" rtl="0" eaLnBrk="1" latinLnBrk="0" hangingPunct="1">
+              <a:lnSpc>
+                <a:spcPct val="90000"/>
+              </a:lnSpc>
+              <a:spcBef>
+                <a:spcPts val="500"/>
+              </a:spcBef>
+              <a:buFont typeface="Arial" panose="020B0604020202020204" pitchFamily="34" charset="0"/>
+              <a:buChar char="•"/>
+              <a:defRPr sz="1800" kern="1200">
+                <a:solidFill>
+                  <a:schemeClr val="tx1"/>
+                </a:solidFill>
+                <a:latin typeface="+mn-lt"/>
+                <a:ea typeface="+mn-ea"/>
+                <a:cs typeface="+mn-cs"/>
+              </a:defRPr>
+            </a:lvl4pPr>
+            <a:lvl5pPr marL="2057400" indent="-228600" algn="l" defTabSz="914400" rtl="0" eaLnBrk="1" latinLnBrk="0" hangingPunct="1">
+              <a:lnSpc>
+                <a:spcPct val="90000"/>
+              </a:lnSpc>
+              <a:spcBef>
+                <a:spcPts val="500"/>
+              </a:spcBef>
+              <a:buFont typeface="Arial" panose="020B0604020202020204" pitchFamily="34" charset="0"/>
+              <a:buChar char="•"/>
+              <a:defRPr sz="1800" kern="1200">
+                <a:solidFill>
+                  <a:schemeClr val="tx1"/>
+                </a:solidFill>
+                <a:latin typeface="+mn-lt"/>
+                <a:ea typeface="+mn-ea"/>
+                <a:cs typeface="+mn-cs"/>
+              </a:defRPr>
+            </a:lvl5pPr>
+            <a:lvl6pPr marL="2514600" indent="-228600" algn="l" defTabSz="914400" rtl="0" eaLnBrk="1" latinLnBrk="0" hangingPunct="1">
+              <a:lnSpc>
+                <a:spcPct val="90000"/>
+              </a:lnSpc>
+              <a:spcBef>
+                <a:spcPts val="500"/>
+              </a:spcBef>
+              <a:buFont typeface="Arial" panose="020B0604020202020204" pitchFamily="34" charset="0"/>
+              <a:buChar char="•"/>
+              <a:defRPr sz="1800" kern="1200">
+                <a:solidFill>
+                  <a:schemeClr val="tx1"/>
+                </a:solidFill>
+                <a:latin typeface="+mn-lt"/>
+                <a:ea typeface="+mn-ea"/>
+                <a:cs typeface="+mn-cs"/>
+              </a:defRPr>
+            </a:lvl6pPr>
+            <a:lvl7pPr marL="2971800" indent="-228600" algn="l" defTabSz="914400" rtl="0" eaLnBrk="1" latinLnBrk="0" hangingPunct="1">
+              <a:lnSpc>
+                <a:spcPct val="90000"/>
+              </a:lnSpc>
+              <a:spcBef>
+                <a:spcPts val="500"/>
+              </a:spcBef>
+              <a:buFont typeface="Arial" panose="020B0604020202020204" pitchFamily="34" charset="0"/>
+              <a:buChar char="•"/>
+              <a:defRPr sz="1800" kern="1200">
+                <a:solidFill>
+                  <a:schemeClr val="tx1"/>
+                </a:solidFill>
+                <a:latin typeface="+mn-lt"/>
+                <a:ea typeface="+mn-ea"/>
+                <a:cs typeface="+mn-cs"/>
+              </a:defRPr>
+            </a:lvl7pPr>
+            <a:lvl8pPr marL="3429000" indent="-228600" algn="l" defTabSz="914400" rtl="0" eaLnBrk="1" latinLnBrk="0" hangingPunct="1">
+              <a:lnSpc>
+                <a:spcPct val="90000"/>
+              </a:lnSpc>
+              <a:spcBef>
+                <a:spcPts val="500"/>
+              </a:spcBef>
+              <a:buFont typeface="Arial" panose="020B0604020202020204" pitchFamily="34" charset="0"/>
+              <a:buChar char="•"/>
+              <a:defRPr sz="1800" kern="1200">
+                <a:solidFill>
+                  <a:schemeClr val="tx1"/>
+                </a:solidFill>
+                <a:latin typeface="+mn-lt"/>
+                <a:ea typeface="+mn-ea"/>
+                <a:cs typeface="+mn-cs"/>
+              </a:defRPr>
+            </a:lvl8pPr>
+            <a:lvl9pPr marL="3886200" indent="-228600" algn="l" defTabSz="914400" rtl="0" eaLnBrk="1" latinLnBrk="0" hangingPunct="1">
+              <a:lnSpc>
+                <a:spcPct val="90000"/>
+              </a:lnSpc>
+              <a:spcBef>
+                <a:spcPts val="500"/>
+              </a:spcBef>
+              <a:buFont typeface="Arial" panose="020B0604020202020204" pitchFamily="34" charset="0"/>
+              <a:buChar char="•"/>
+              <a:defRPr sz="1800" kern="1200">
+                <a:solidFill>
+                  <a:schemeClr val="tx1"/>
+                </a:solidFill>
+                <a:latin typeface="+mn-lt"/>
+                <a:ea typeface="+mn-ea"/>
+                <a:cs typeface="+mn-cs"/>
+              </a:defRPr>
+            </a:lvl9pPr>
+          </a:lstStyle>
           <a:p>
             <a:pPr marL="0" indent="0">
               <a:lnSpc>
@@ -6209,67 +8419,46 @@
               <a:buNone/>
             </a:pPr>
             <a:r>
+              <a:rPr lang="en-US" sz="2400" b="1" dirty="0">
+                <a:latin typeface="Helvetica" panose="020B0604020202020204" pitchFamily="2" charset="0"/>
+                <a:cs typeface="Fahkwang" panose="00000500000000000000" pitchFamily="2" charset="-34"/>
+              </a:rPr>
+              <a:t>React</a:t>
+            </a:r>
+            <a:r>
+              <a:rPr lang="ru-RU" sz="2400" b="1" dirty="0">
+                <a:latin typeface="Helvetica" panose="020B0604020202020204" pitchFamily="2" charset="0"/>
+                <a:cs typeface="Fahkwang" panose="00000500000000000000" pitchFamily="2" charset="-34"/>
+              </a:rPr>
+              <a:t>, </a:t>
+            </a:r>
+            <a:r>
+              <a:rPr lang="en-US" sz="2400" b="1" dirty="0">
+                <a:latin typeface="Helvetica" panose="020B0604020202020204" pitchFamily="2" charset="0"/>
+                <a:cs typeface="Fahkwang" panose="00000500000000000000" pitchFamily="2" charset="-34"/>
+              </a:rPr>
+              <a:t>Redux</a:t>
+            </a:r>
+            <a:r>
+              <a:rPr lang="en-US" sz="2400" dirty="0">
+                <a:latin typeface="Helvetica" panose="020B0604020202020204" pitchFamily="2" charset="0"/>
+                <a:cs typeface="Fahkwang" panose="00000500000000000000" pitchFamily="2" charset="-34"/>
+              </a:rPr>
+              <a:t> </a:t>
+            </a:r>
+            <a:r>
               <a:rPr lang="ru-RU" sz="2400" dirty="0">
                 <a:latin typeface="Helvetica" panose="020B0604020202020204" pitchFamily="2" charset="0"/>
                 <a:cs typeface="Fahkwang" panose="00000500000000000000" pitchFamily="2" charset="-34"/>
               </a:rPr>
-              <a:t>В проекте используются следующие технологии:</a:t>
-            </a:r>
-          </a:p>
-          <a:p>
-            <a:pPr>
-              <a:lnSpc>
-                <a:spcPct val="125000"/>
-              </a:lnSpc>
-            </a:pPr>
-            <a:r>
-              <a:rPr lang="en-US" sz="2400" b="1" dirty="0">
+              <a:t>– </a:t>
+            </a:r>
+            <a:r>
+              <a:rPr lang="ru-RU" sz="2400" dirty="0" err="1">
                 <a:latin typeface="Helvetica" panose="020B0604020202020204" pitchFamily="2" charset="0"/>
                 <a:cs typeface="Fahkwang" panose="00000500000000000000" pitchFamily="2" charset="-34"/>
               </a:rPr>
-              <a:t>React</a:t>
-            </a:r>
-            <a:r>
-              <a:rPr lang="ru-RU" sz="2400" b="1" dirty="0">
-                <a:latin typeface="Helvetica" panose="020B0604020202020204" pitchFamily="2" charset="0"/>
-                <a:cs typeface="Fahkwang" panose="00000500000000000000" pitchFamily="2" charset="-34"/>
-              </a:rPr>
-              <a:t>, </a:t>
-            </a:r>
-            <a:r>
-              <a:rPr lang="en-US" sz="2400" b="1" dirty="0">
-                <a:latin typeface="Helvetica" panose="020B0604020202020204" pitchFamily="2" charset="0"/>
-                <a:cs typeface="Fahkwang" panose="00000500000000000000" pitchFamily="2" charset="-34"/>
-              </a:rPr>
-              <a:t>Redux</a:t>
-            </a:r>
-            <a:r>
-              <a:rPr lang="en-US" sz="2400" dirty="0">
-                <a:latin typeface="Helvetica" panose="020B0604020202020204" pitchFamily="2" charset="0"/>
-                <a:cs typeface="Fahkwang" panose="00000500000000000000" pitchFamily="2" charset="-34"/>
-              </a:rPr>
-              <a:t> </a:t>
-            </a:r>
-            <a:r>
-              <a:rPr lang="ru-RU" sz="2400" dirty="0">
-                <a:latin typeface="Helvetica" panose="020B0604020202020204" pitchFamily="2" charset="0"/>
-                <a:cs typeface="Fahkwang" panose="00000500000000000000" pitchFamily="2" charset="-34"/>
-              </a:rPr>
-              <a:t>для </a:t>
-            </a:r>
-            <a:r>
-              <a:rPr lang="ru-RU" sz="2400" dirty="0" err="1">
-                <a:latin typeface="Helvetica" panose="020B0604020202020204" pitchFamily="2" charset="0"/>
-                <a:cs typeface="Fahkwang" panose="00000500000000000000" pitchFamily="2" charset="-34"/>
-              </a:rPr>
-              <a:t>фронтенда</a:t>
-            </a:r>
-            <a:r>
-              <a:rPr lang="ru-RU" sz="2400" dirty="0">
-                <a:latin typeface="Helvetica" panose="020B0604020202020204" pitchFamily="2" charset="0"/>
-                <a:cs typeface="Fahkwang" panose="00000500000000000000" pitchFamily="2" charset="-34"/>
-              </a:rPr>
-              <a:t>;</a:t>
+              <a:t>фронтенд</a:t>
             </a:r>
             <a:endParaRPr lang="en-US" sz="2400" dirty="0">
               <a:latin typeface="Helvetica" panose="020B0604020202020204" pitchFamily="2" charset="0"/>
@@ -6277,10 +8466,11 @@
             </a:endParaRPr>
           </a:p>
           <a:p>
-            <a:pPr>
+            <a:pPr marL="0" indent="0">
               <a:lnSpc>
                 <a:spcPct val="150000"/>
               </a:lnSpc>
+              <a:buNone/>
             </a:pPr>
             <a:r>
               <a:rPr lang="en-US" sz="2400" b="1" dirty="0">
@@ -6322,7 +8512,7 @@
                 <a:latin typeface="Helvetica" panose="020B0604020202020204" pitchFamily="2" charset="0"/>
                 <a:cs typeface="Fahkwang" panose="00000500000000000000" pitchFamily="2" charset="-34"/>
               </a:rPr>
-              <a:t>для бэкенда;</a:t>
+              <a:t>– бэкенд</a:t>
             </a:r>
             <a:endParaRPr lang="en-US" sz="2400" dirty="0">
               <a:latin typeface="Helvetica" panose="020B0604020202020204" pitchFamily="2" charset="0"/>
@@ -6330,17 +8520,47 @@
             </a:endParaRPr>
           </a:p>
           <a:p>
-            <a:pPr>
+            <a:pPr marL="0" indent="0">
               <a:lnSpc>
                 <a:spcPct val="125000"/>
               </a:lnSpc>
+              <a:buNone/>
             </a:pPr>
             <a:r>
               <a:rPr lang="en-US" sz="2400" b="1" dirty="0">
                 <a:latin typeface="Helvetica" panose="020B0604020202020204" pitchFamily="2" charset="0"/>
                 <a:cs typeface="Fahkwang" panose="00000500000000000000" pitchFamily="2" charset="-34"/>
               </a:rPr>
-              <a:t>Nginx, Docker</a:t>
+              <a:t>PostgreSQL</a:t>
+            </a:r>
+            <a:r>
+              <a:rPr lang="ru-RU" sz="2400" dirty="0">
+                <a:latin typeface="Helvetica" panose="020B0604020202020204" pitchFamily="2" charset="0"/>
+                <a:cs typeface="Fahkwang" panose="00000500000000000000" pitchFamily="2" charset="-34"/>
+              </a:rPr>
+              <a:t> – база данных</a:t>
+            </a:r>
+          </a:p>
+          <a:p>
+            <a:pPr marL="0" indent="0">
+              <a:lnSpc>
+                <a:spcPct val="125000"/>
+              </a:lnSpc>
+              <a:buNone/>
+            </a:pPr>
+            <a:r>
+              <a:rPr lang="en-US" sz="2400" b="1" dirty="0">
+                <a:latin typeface="Helvetica" panose="020B0604020202020204" pitchFamily="2" charset="0"/>
+                <a:cs typeface="Fahkwang" panose="00000500000000000000" pitchFamily="2" charset="-34"/>
+              </a:rPr>
+              <a:t>Nginx, Docker, </a:t>
+            </a:r>
+            <a:r>
+              <a:rPr lang="en-US" sz="2400" b="1" dirty="0" err="1">
+                <a:latin typeface="Helvetica" panose="020B0604020202020204" pitchFamily="2" charset="0"/>
+                <a:cs typeface="Fahkwang" panose="00000500000000000000" pitchFamily="2" charset="-34"/>
+              </a:rPr>
+              <a:t>MinIO</a:t>
             </a:r>
             <a:r>
               <a:rPr lang="ru-RU" sz="2400" b="1" dirty="0">
@@ -6354,33 +8574,12 @@
                 <a:latin typeface="Helvetica" panose="020B0604020202020204" pitchFamily="2" charset="0"/>
                 <a:cs typeface="Fahkwang" panose="00000500000000000000" pitchFamily="2" charset="-34"/>
               </a:rPr>
-              <a:t>для деплоя;</a:t>
+              <a:t>– дополнительные инструменты</a:t>
             </a:r>
             <a:endParaRPr lang="en-US" sz="2400" dirty="0">
               <a:latin typeface="Helvetica" panose="020B0604020202020204" pitchFamily="2" charset="0"/>
               <a:cs typeface="Fahkwang" panose="00000500000000000000" pitchFamily="2" charset="-34"/>
             </a:endParaRPr>
-          </a:p>
-          <a:p>
-            <a:pPr>
-              <a:lnSpc>
-                <a:spcPct val="125000"/>
-              </a:lnSpc>
-            </a:pPr>
-            <a:r>
-              <a:rPr lang="en-US" sz="2400" b="1" dirty="0">
-                <a:latin typeface="Helvetica" panose="020B0604020202020204" pitchFamily="2" charset="0"/>
-                <a:cs typeface="Fahkwang" panose="00000500000000000000" pitchFamily="2" charset="-34"/>
-              </a:rPr>
-              <a:t>PostgreSQL</a:t>
-            </a:r>
-            <a:r>
-              <a:rPr lang="ru-RU" sz="2400" dirty="0">
-                <a:latin typeface="Helvetica" panose="020B0604020202020204" pitchFamily="2" charset="0"/>
-                <a:cs typeface="Fahkwang" panose="00000500000000000000" pitchFamily="2" charset="-34"/>
-              </a:rPr>
-              <a:t> для базы данных.</a:t>
-            </a:r>
           </a:p>
           <a:p>
             <a:pPr marL="0" indent="0">
@@ -6393,111 +8592,6 @@
               <a:latin typeface="Helvetica" panose="020B0604020202020204" pitchFamily="2" charset="0"/>
               <a:cs typeface="Fahkwang" panose="00000500000000000000" pitchFamily="2" charset="-34"/>
             </a:endParaRPr>
-          </a:p>
-        </p:txBody>
-      </p:sp>
-      <p:sp>
-        <p:nvSpPr>
-          <p:cNvPr id="5" name="Заголовок 1">
-            <a:extLst>
-              <a:ext uri="{FF2B5EF4-FFF2-40B4-BE49-F238E27FC236}">
-                <a16:creationId xmlns:a16="http://schemas.microsoft.com/office/drawing/2014/main" id="{073E5C44-8640-8A86-E79D-E3B9FF653060}"/>
-              </a:ext>
-            </a:extLst>
-          </p:cNvPr>
-          <p:cNvSpPr txBox="1">
-            <a:spLocks/>
-          </p:cNvSpPr>
-          <p:nvPr/>
-        </p:nvSpPr>
-        <p:spPr>
-          <a:xfrm>
-            <a:off x="9796895" y="5689098"/>
-            <a:ext cx="1367560" cy="832427"/>
-          </a:xfrm>
-          <a:prstGeom prst="rect">
-            <a:avLst/>
-          </a:prstGeom>
-        </p:spPr>
-        <p:txBody>
-          <a:bodyPr vert="horz" lIns="91440" tIns="45720" rIns="91440" bIns="45720" rtlCol="0" anchor="ctr">
-            <a:noAutofit/>
-          </a:bodyPr>
-          <a:lstStyle>
-            <a:lvl1pPr algn="l" defTabSz="914400" rtl="0" eaLnBrk="1" latinLnBrk="0" hangingPunct="1">
-              <a:lnSpc>
-                <a:spcPct val="90000"/>
-              </a:lnSpc>
-              <a:spcBef>
-                <a:spcPct val="0"/>
-              </a:spcBef>
-              <a:buNone/>
-              <a:defRPr sz="4400" kern="1200">
-                <a:solidFill>
-                  <a:schemeClr val="tx1"/>
-                </a:solidFill>
-                <a:latin typeface="+mj-lt"/>
-                <a:ea typeface="+mj-ea"/>
-                <a:cs typeface="+mj-cs"/>
-              </a:defRPr>
-            </a:lvl1pPr>
-          </a:lstStyle>
-          <a:p>
-            <a:r>
-              <a:rPr lang="en-US" sz="2400" dirty="0" err="1">
-                <a:latin typeface="Fahkwang" panose="00000500000000000000" pitchFamily="2" charset="-34"/>
-                <a:cs typeface="Fahkwang" panose="00000500000000000000" pitchFamily="2" charset="-34"/>
-              </a:rPr>
-              <a:t>Lindéro</a:t>
-            </a:r>
-            <a:endParaRPr lang="ru-RU" sz="2400" dirty="0">
-              <a:cs typeface="Fahkwang" panose="00000500000000000000" pitchFamily="2" charset="-34"/>
-            </a:endParaRPr>
-          </a:p>
-        </p:txBody>
-      </p:sp>
-      <p:sp>
-        <p:nvSpPr>
-          <p:cNvPr id="6" name="TextBox 5">
-            <a:extLst>
-              <a:ext uri="{FF2B5EF4-FFF2-40B4-BE49-F238E27FC236}">
-                <a16:creationId xmlns:a16="http://schemas.microsoft.com/office/drawing/2014/main" id="{79FDF17D-79D5-61A7-1C72-5BF80759A742}"/>
-              </a:ext>
-            </a:extLst>
-          </p:cNvPr>
-          <p:cNvSpPr txBox="1"/>
-          <p:nvPr/>
-        </p:nvSpPr>
-        <p:spPr>
-          <a:xfrm>
-            <a:off x="5638800" y="5874480"/>
-            <a:ext cx="914400" cy="461665"/>
-          </a:xfrm>
-          <a:prstGeom prst="rect">
-            <a:avLst/>
-          </a:prstGeom>
-          <a:noFill/>
-        </p:spPr>
-        <p:txBody>
-          <a:bodyPr wrap="square">
-            <a:spAutoFit/>
-          </a:bodyPr>
-          <a:lstStyle/>
-          <a:p>
-            <a:pPr algn="ctr"/>
-            <a:r>
-              <a:rPr lang="ru-RU" sz="2400" dirty="0">
-                <a:latin typeface="Helvetica" panose="020B0604020202020204" pitchFamily="2" charset="0"/>
-              </a:rPr>
-              <a:t>5</a:t>
-            </a:r>
-            <a:r>
-              <a:rPr lang="en-US" sz="2400" dirty="0">
-                <a:latin typeface="Helvetica" panose="020B0604020202020204" pitchFamily="2" charset="0"/>
-              </a:rPr>
-              <a:t>/15</a:t>
-            </a:r>
-            <a:endParaRPr lang="ru-RU" sz="2400" dirty="0"/>
           </a:p>
         </p:txBody>
       </p:sp>
@@ -6533,97 +8627,10 @@
       </p:grpSpPr>
       <p:sp>
         <p:nvSpPr>
-          <p:cNvPr id="2" name="Заголовок 1">
-            <a:extLst>
-              <a:ext uri="{FF2B5EF4-FFF2-40B4-BE49-F238E27FC236}">
-                <a16:creationId xmlns:a16="http://schemas.microsoft.com/office/drawing/2014/main" id="{97F2B76D-03A2-122D-1A97-BC93E2E7D80A}"/>
-              </a:ext>
-            </a:extLst>
-          </p:cNvPr>
-          <p:cNvSpPr>
-            <a:spLocks noGrp="1"/>
-          </p:cNvSpPr>
-          <p:nvPr>
-            <p:ph type="title"/>
-          </p:nvPr>
-        </p:nvSpPr>
-        <p:spPr>
-          <a:xfrm>
-            <a:off x="1184275" y="630237"/>
-            <a:ext cx="9296400" cy="928688"/>
-          </a:xfrm>
-        </p:spPr>
-        <p:txBody>
-          <a:bodyPr>
-            <a:normAutofit/>
-          </a:bodyPr>
-          <a:lstStyle/>
-          <a:p>
-            <a:r>
-              <a:rPr lang="ru-RU" sz="3600" b="1" spc="100" dirty="0">
-                <a:latin typeface="Helvetica" panose="020B0604020202020204" pitchFamily="2" charset="0"/>
-              </a:rPr>
-              <a:t>Технологии</a:t>
-            </a:r>
-            <a:r>
-              <a:rPr lang="ru-RU" sz="3600" b="1" dirty="0">
-                <a:latin typeface="Helvetica" panose="020B0604020202020204" pitchFamily="2" charset="0"/>
-              </a:rPr>
-              <a:t> и инновации</a:t>
-            </a:r>
-          </a:p>
-        </p:txBody>
-      </p:sp>
-      <p:sp>
-        <p:nvSpPr>
-          <p:cNvPr id="3" name="Объект 2">
-            <a:extLst>
-              <a:ext uri="{FF2B5EF4-FFF2-40B4-BE49-F238E27FC236}">
-                <a16:creationId xmlns:a16="http://schemas.microsoft.com/office/drawing/2014/main" id="{E5843620-488B-BC0F-AD03-99FEEDA04CA8}"/>
-              </a:ext>
-            </a:extLst>
-          </p:cNvPr>
-          <p:cNvSpPr>
-            <a:spLocks noGrp="1"/>
-          </p:cNvSpPr>
-          <p:nvPr>
-            <p:ph idx="1"/>
-          </p:nvPr>
-        </p:nvSpPr>
-        <p:spPr>
-          <a:xfrm>
-            <a:off x="1184275" y="1679576"/>
-            <a:ext cx="9848850" cy="2652280"/>
-          </a:xfrm>
-        </p:spPr>
-        <p:txBody>
-          <a:bodyPr>
-            <a:noAutofit/>
-          </a:bodyPr>
-          <a:lstStyle/>
-          <a:p>
-            <a:pPr marL="0" indent="0">
-              <a:lnSpc>
-                <a:spcPct val="150000"/>
-              </a:lnSpc>
-              <a:buNone/>
-            </a:pPr>
-            <a:r>
-              <a:rPr lang="ru-RU" sz="2400" dirty="0">
-                <a:latin typeface="Helvetica" panose="020B0604020202020204" pitchFamily="2" charset="0"/>
-                <a:cs typeface="Fahkwang" panose="00000500000000000000" pitchFamily="2" charset="-34"/>
-              </a:rPr>
-              <a:t>Эти технологии были выбраны за их популярность, высокую производительность и надежность, что упрощает процесс разработки. </a:t>
-            </a:r>
-          </a:p>
-        </p:txBody>
-      </p:sp>
-      <p:sp>
-        <p:nvSpPr>
-          <p:cNvPr id="5" name="Заголовок 1">
-            <a:extLst>
-              <a:ext uri="{FF2B5EF4-FFF2-40B4-BE49-F238E27FC236}">
-                <a16:creationId xmlns:a16="http://schemas.microsoft.com/office/drawing/2014/main" id="{26E159FF-4E46-7E18-BB33-6CC8124EB416}"/>
+          <p:cNvPr id="4" name="Заголовок 1">
+            <a:extLst>
+              <a:ext uri="{FF2B5EF4-FFF2-40B4-BE49-F238E27FC236}">
+                <a16:creationId xmlns:a16="http://schemas.microsoft.com/office/drawing/2014/main" id="{08809879-027E-65BF-B079-6AA3DAD5AA00}"/>
               </a:ext>
             </a:extLst>
           </p:cNvPr>
@@ -6634,8 +8641,8 @@
         </p:nvSpPr>
         <p:spPr>
           <a:xfrm>
-            <a:off x="9796895" y="5689098"/>
-            <a:ext cx="1367560" cy="832427"/>
+            <a:off x="609600" y="5718421"/>
+            <a:ext cx="1367560" cy="362025"/>
           </a:xfrm>
           <a:prstGeom prst="rect">
             <a:avLst/>
@@ -6680,10 +8687,10 @@
       </p:sp>
       <p:sp>
         <p:nvSpPr>
-          <p:cNvPr id="6" name="TextBox 5">
-            <a:extLst>
-              <a:ext uri="{FF2B5EF4-FFF2-40B4-BE49-F238E27FC236}">
-                <a16:creationId xmlns:a16="http://schemas.microsoft.com/office/drawing/2014/main" id="{F3C994FE-BBEA-84A2-BE8B-ED9E30482399}"/>
+          <p:cNvPr id="7" name="TextBox 6">
+            <a:extLst>
+              <a:ext uri="{FF2B5EF4-FFF2-40B4-BE49-F238E27FC236}">
+                <a16:creationId xmlns:a16="http://schemas.microsoft.com/office/drawing/2014/main" id="{09AE2FA2-DEF9-5A38-DCBB-6F3F8360E242}"/>
               </a:ext>
             </a:extLst>
           </p:cNvPr>
@@ -6692,7 +8699,7 @@
         </p:nvSpPr>
         <p:spPr>
           <a:xfrm>
-            <a:off x="5638800" y="5874480"/>
+            <a:off x="10725150" y="5668602"/>
             <a:ext cx="914400" cy="461665"/>
           </a:xfrm>
           <a:prstGeom prst="rect">
@@ -6717,16 +8724,385 @@
               <a:rPr lang="en-US" sz="2400" dirty="0">
                 <a:latin typeface="Helvetica" panose="020B0604020202020204" pitchFamily="2" charset="0"/>
               </a:rPr>
-              <a:t>/15</a:t>
+              <a:t>/1</a:t>
+            </a:r>
+            <a:r>
+              <a:rPr lang="ru-RU" sz="2400" dirty="0">
+                <a:latin typeface="Helvetica" panose="020B0604020202020204" pitchFamily="2" charset="0"/>
+              </a:rPr>
+              <a:t>5</a:t>
             </a:r>
             <a:endParaRPr lang="ru-RU" sz="2400" dirty="0"/>
+          </a:p>
+        </p:txBody>
+      </p:sp>
+      <p:sp>
+        <p:nvSpPr>
+          <p:cNvPr id="8" name="AutoShape 2">
+            <a:extLst>
+              <a:ext uri="{FF2B5EF4-FFF2-40B4-BE49-F238E27FC236}">
+                <a16:creationId xmlns:a16="http://schemas.microsoft.com/office/drawing/2014/main" id="{A60D3E77-0048-315A-E5CA-9D1A513B3776}"/>
+              </a:ext>
+            </a:extLst>
+          </p:cNvPr>
+          <p:cNvSpPr/>
+          <p:nvPr/>
+        </p:nvSpPr>
+        <p:spPr>
+          <a:xfrm>
+            <a:off x="685800" y="6159500"/>
+            <a:ext cx="10820400" cy="0"/>
+          </a:xfrm>
+          <a:prstGeom prst="line">
+            <a:avLst/>
+          </a:prstGeom>
+          <a:ln w="19050" cap="flat">
+            <a:solidFill>
+              <a:srgbClr val="000000"/>
+            </a:solidFill>
+            <a:prstDash val="solid"/>
+            <a:headEnd type="none" w="sm" len="sm"/>
+            <a:tailEnd type="none" w="sm" len="sm"/>
+          </a:ln>
+        </p:spPr>
+      </p:sp>
+      <p:sp>
+        <p:nvSpPr>
+          <p:cNvPr id="9" name="AutoShape 4">
+            <a:extLst>
+              <a:ext uri="{FF2B5EF4-FFF2-40B4-BE49-F238E27FC236}">
+                <a16:creationId xmlns:a16="http://schemas.microsoft.com/office/drawing/2014/main" id="{B813AABC-AE19-6AC0-B4D5-29670EF120B5}"/>
+              </a:ext>
+            </a:extLst>
+          </p:cNvPr>
+          <p:cNvSpPr/>
+          <p:nvPr/>
+        </p:nvSpPr>
+        <p:spPr>
+          <a:xfrm>
+            <a:off x="685800" y="685800"/>
+            <a:ext cx="10820400" cy="0"/>
+          </a:xfrm>
+          <a:prstGeom prst="line">
+            <a:avLst/>
+          </a:prstGeom>
+          <a:ln w="19050" cap="flat">
+            <a:solidFill>
+              <a:srgbClr val="000000"/>
+            </a:solidFill>
+            <a:prstDash val="solid"/>
+            <a:headEnd type="none" w="sm" len="sm"/>
+            <a:tailEnd type="none" w="sm" len="sm"/>
+          </a:ln>
+        </p:spPr>
+      </p:sp>
+      <p:sp>
+        <p:nvSpPr>
+          <p:cNvPr id="10" name="Заголовок 1">
+            <a:extLst>
+              <a:ext uri="{FF2B5EF4-FFF2-40B4-BE49-F238E27FC236}">
+                <a16:creationId xmlns:a16="http://schemas.microsoft.com/office/drawing/2014/main" id="{2F77F458-4884-8591-1A08-0E6A076DB56A}"/>
+              </a:ext>
+            </a:extLst>
+          </p:cNvPr>
+          <p:cNvSpPr txBox="1">
+            <a:spLocks/>
+          </p:cNvSpPr>
+          <p:nvPr/>
+        </p:nvSpPr>
+        <p:spPr>
+          <a:xfrm>
+            <a:off x="609600" y="1364864"/>
+            <a:ext cx="9296400" cy="928688"/>
+          </a:xfrm>
+          <a:prstGeom prst="rect">
+            <a:avLst/>
+          </a:prstGeom>
+        </p:spPr>
+        <p:txBody>
+          <a:bodyPr vert="horz" lIns="91440" tIns="45720" rIns="91440" bIns="45720" rtlCol="0" anchor="ctr">
+            <a:normAutofit/>
+          </a:bodyPr>
+          <a:lstStyle>
+            <a:lvl1pPr algn="l" defTabSz="914400" rtl="0" eaLnBrk="1" latinLnBrk="0" hangingPunct="1">
+              <a:lnSpc>
+                <a:spcPct val="90000"/>
+              </a:lnSpc>
+              <a:spcBef>
+                <a:spcPct val="0"/>
+              </a:spcBef>
+              <a:buNone/>
+              <a:defRPr sz="4400" kern="1200">
+                <a:solidFill>
+                  <a:schemeClr val="tx1"/>
+                </a:solidFill>
+                <a:latin typeface="+mj-lt"/>
+                <a:ea typeface="+mj-ea"/>
+                <a:cs typeface="+mj-cs"/>
+              </a:defRPr>
+            </a:lvl1pPr>
+          </a:lstStyle>
+          <a:p>
+            <a:r>
+              <a:rPr lang="ru-RU" sz="3600" b="1" spc="100" dirty="0">
+                <a:latin typeface="Helvetica" panose="020B0604020202020204" pitchFamily="2" charset="0"/>
+              </a:rPr>
+              <a:t>КОНКУРЕНТНОЕ ПРЕИМУЩЕСТВО</a:t>
+            </a:r>
+          </a:p>
+        </p:txBody>
+      </p:sp>
+      <p:sp>
+        <p:nvSpPr>
+          <p:cNvPr id="11" name="Объект 2">
+            <a:extLst>
+              <a:ext uri="{FF2B5EF4-FFF2-40B4-BE49-F238E27FC236}">
+                <a16:creationId xmlns:a16="http://schemas.microsoft.com/office/drawing/2014/main" id="{16056D76-2896-D12B-5453-83DF1575AB7B}"/>
+              </a:ext>
+            </a:extLst>
+          </p:cNvPr>
+          <p:cNvSpPr txBox="1">
+            <a:spLocks/>
+          </p:cNvSpPr>
+          <p:nvPr/>
+        </p:nvSpPr>
+        <p:spPr>
+          <a:xfrm>
+            <a:off x="609600" y="2372604"/>
+            <a:ext cx="10896600" cy="2225675"/>
+          </a:xfrm>
+          <a:prstGeom prst="rect">
+            <a:avLst/>
+          </a:prstGeom>
+        </p:spPr>
+        <p:txBody>
+          <a:bodyPr vert="horz" lIns="91440" tIns="45720" rIns="91440" bIns="45720" rtlCol="0">
+            <a:normAutofit fontScale="92500"/>
+          </a:bodyPr>
+          <a:lstStyle>
+            <a:lvl1pPr marL="228600" indent="-228600" algn="l" defTabSz="914400" rtl="0" eaLnBrk="1" latinLnBrk="0" hangingPunct="1">
+              <a:lnSpc>
+                <a:spcPct val="90000"/>
+              </a:lnSpc>
+              <a:spcBef>
+                <a:spcPts val="1000"/>
+              </a:spcBef>
+              <a:buFont typeface="Arial" panose="020B0604020202020204" pitchFamily="34" charset="0"/>
+              <a:buChar char="•"/>
+              <a:defRPr sz="2800" kern="1200">
+                <a:solidFill>
+                  <a:schemeClr val="tx1"/>
+                </a:solidFill>
+                <a:latin typeface="+mn-lt"/>
+                <a:ea typeface="+mn-ea"/>
+                <a:cs typeface="+mn-cs"/>
+              </a:defRPr>
+            </a:lvl1pPr>
+            <a:lvl2pPr marL="685800" indent="-228600" algn="l" defTabSz="914400" rtl="0" eaLnBrk="1" latinLnBrk="0" hangingPunct="1">
+              <a:lnSpc>
+                <a:spcPct val="90000"/>
+              </a:lnSpc>
+              <a:spcBef>
+                <a:spcPts val="500"/>
+              </a:spcBef>
+              <a:buFont typeface="Arial" panose="020B0604020202020204" pitchFamily="34" charset="0"/>
+              <a:buChar char="•"/>
+              <a:defRPr sz="2400" kern="1200">
+                <a:solidFill>
+                  <a:schemeClr val="tx1"/>
+                </a:solidFill>
+                <a:latin typeface="+mn-lt"/>
+                <a:ea typeface="+mn-ea"/>
+                <a:cs typeface="+mn-cs"/>
+              </a:defRPr>
+            </a:lvl2pPr>
+            <a:lvl3pPr marL="1143000" indent="-228600" algn="l" defTabSz="914400" rtl="0" eaLnBrk="1" latinLnBrk="0" hangingPunct="1">
+              <a:lnSpc>
+                <a:spcPct val="90000"/>
+              </a:lnSpc>
+              <a:spcBef>
+                <a:spcPts val="500"/>
+              </a:spcBef>
+              <a:buFont typeface="Arial" panose="020B0604020202020204" pitchFamily="34" charset="0"/>
+              <a:buChar char="•"/>
+              <a:defRPr sz="2000" kern="1200">
+                <a:solidFill>
+                  <a:schemeClr val="tx1"/>
+                </a:solidFill>
+                <a:latin typeface="+mn-lt"/>
+                <a:ea typeface="+mn-ea"/>
+                <a:cs typeface="+mn-cs"/>
+              </a:defRPr>
+            </a:lvl3pPr>
+            <a:lvl4pPr marL="1600200" indent="-228600" algn="l" defTabSz="914400" rtl="0" eaLnBrk="1" latinLnBrk="0" hangingPunct="1">
+              <a:lnSpc>
+                <a:spcPct val="90000"/>
+              </a:lnSpc>
+              <a:spcBef>
+                <a:spcPts val="500"/>
+              </a:spcBef>
+              <a:buFont typeface="Arial" panose="020B0604020202020204" pitchFamily="34" charset="0"/>
+              <a:buChar char="•"/>
+              <a:defRPr sz="1800" kern="1200">
+                <a:solidFill>
+                  <a:schemeClr val="tx1"/>
+                </a:solidFill>
+                <a:latin typeface="+mn-lt"/>
+                <a:ea typeface="+mn-ea"/>
+                <a:cs typeface="+mn-cs"/>
+              </a:defRPr>
+            </a:lvl4pPr>
+            <a:lvl5pPr marL="2057400" indent="-228600" algn="l" defTabSz="914400" rtl="0" eaLnBrk="1" latinLnBrk="0" hangingPunct="1">
+              <a:lnSpc>
+                <a:spcPct val="90000"/>
+              </a:lnSpc>
+              <a:spcBef>
+                <a:spcPts val="500"/>
+              </a:spcBef>
+              <a:buFont typeface="Arial" panose="020B0604020202020204" pitchFamily="34" charset="0"/>
+              <a:buChar char="•"/>
+              <a:defRPr sz="1800" kern="1200">
+                <a:solidFill>
+                  <a:schemeClr val="tx1"/>
+                </a:solidFill>
+                <a:latin typeface="+mn-lt"/>
+                <a:ea typeface="+mn-ea"/>
+                <a:cs typeface="+mn-cs"/>
+              </a:defRPr>
+            </a:lvl5pPr>
+            <a:lvl6pPr marL="2514600" indent="-228600" algn="l" defTabSz="914400" rtl="0" eaLnBrk="1" latinLnBrk="0" hangingPunct="1">
+              <a:lnSpc>
+                <a:spcPct val="90000"/>
+              </a:lnSpc>
+              <a:spcBef>
+                <a:spcPts val="500"/>
+              </a:spcBef>
+              <a:buFont typeface="Arial" panose="020B0604020202020204" pitchFamily="34" charset="0"/>
+              <a:buChar char="•"/>
+              <a:defRPr sz="1800" kern="1200">
+                <a:solidFill>
+                  <a:schemeClr val="tx1"/>
+                </a:solidFill>
+                <a:latin typeface="+mn-lt"/>
+                <a:ea typeface="+mn-ea"/>
+                <a:cs typeface="+mn-cs"/>
+              </a:defRPr>
+            </a:lvl6pPr>
+            <a:lvl7pPr marL="2971800" indent="-228600" algn="l" defTabSz="914400" rtl="0" eaLnBrk="1" latinLnBrk="0" hangingPunct="1">
+              <a:lnSpc>
+                <a:spcPct val="90000"/>
+              </a:lnSpc>
+              <a:spcBef>
+                <a:spcPts val="500"/>
+              </a:spcBef>
+              <a:buFont typeface="Arial" panose="020B0604020202020204" pitchFamily="34" charset="0"/>
+              <a:buChar char="•"/>
+              <a:defRPr sz="1800" kern="1200">
+                <a:solidFill>
+                  <a:schemeClr val="tx1"/>
+                </a:solidFill>
+                <a:latin typeface="+mn-lt"/>
+                <a:ea typeface="+mn-ea"/>
+                <a:cs typeface="+mn-cs"/>
+              </a:defRPr>
+            </a:lvl7pPr>
+            <a:lvl8pPr marL="3429000" indent="-228600" algn="l" defTabSz="914400" rtl="0" eaLnBrk="1" latinLnBrk="0" hangingPunct="1">
+              <a:lnSpc>
+                <a:spcPct val="90000"/>
+              </a:lnSpc>
+              <a:spcBef>
+                <a:spcPts val="500"/>
+              </a:spcBef>
+              <a:buFont typeface="Arial" panose="020B0604020202020204" pitchFamily="34" charset="0"/>
+              <a:buChar char="•"/>
+              <a:defRPr sz="1800" kern="1200">
+                <a:solidFill>
+                  <a:schemeClr val="tx1"/>
+                </a:solidFill>
+                <a:latin typeface="+mn-lt"/>
+                <a:ea typeface="+mn-ea"/>
+                <a:cs typeface="+mn-cs"/>
+              </a:defRPr>
+            </a:lvl8pPr>
+            <a:lvl9pPr marL="3886200" indent="-228600" algn="l" defTabSz="914400" rtl="0" eaLnBrk="1" latinLnBrk="0" hangingPunct="1">
+              <a:lnSpc>
+                <a:spcPct val="90000"/>
+              </a:lnSpc>
+              <a:spcBef>
+                <a:spcPts val="500"/>
+              </a:spcBef>
+              <a:buFont typeface="Arial" panose="020B0604020202020204" pitchFamily="34" charset="0"/>
+              <a:buChar char="•"/>
+              <a:defRPr sz="1800" kern="1200">
+                <a:solidFill>
+                  <a:schemeClr val="tx1"/>
+                </a:solidFill>
+                <a:latin typeface="+mn-lt"/>
+                <a:ea typeface="+mn-ea"/>
+                <a:cs typeface="+mn-cs"/>
+              </a:defRPr>
+            </a:lvl9pPr>
+          </a:lstStyle>
+          <a:p>
+            <a:pPr marL="0" indent="0">
+              <a:lnSpc>
+                <a:spcPct val="150000"/>
+              </a:lnSpc>
+              <a:buNone/>
+            </a:pPr>
+            <a:r>
+              <a:rPr lang="ru-RU" sz="2400" dirty="0">
+                <a:latin typeface="Helvetica" panose="020B0604020202020204" pitchFamily="2" charset="0"/>
+                <a:cs typeface="Fahkwang" panose="00000500000000000000" pitchFamily="2" charset="-34"/>
+              </a:rPr>
+              <a:t>В отличие от существующих решений, </a:t>
+            </a:r>
+            <a:r>
+              <a:rPr lang="en-US" sz="2400" kern="1200" dirty="0" err="1">
+                <a:solidFill>
+                  <a:srgbClr val="000000"/>
+                </a:solidFill>
+                <a:effectLst/>
+                <a:latin typeface="Helvetica" panose="020B0604020202020204" pitchFamily="2" charset="0"/>
+                <a:ea typeface="+mj-ea"/>
+                <a:cs typeface="Fahkwang" panose="00000500000000000000" pitchFamily="2" charset="-34"/>
+              </a:rPr>
+              <a:t>Lindéro</a:t>
+            </a:r>
+            <a:r>
+              <a:rPr lang="ru-RU" sz="2400" kern="1200" dirty="0">
+                <a:solidFill>
+                  <a:srgbClr val="000000"/>
+                </a:solidFill>
+                <a:effectLst/>
+                <a:latin typeface="Helvetica" panose="020B0604020202020204" pitchFamily="2" charset="0"/>
+                <a:ea typeface="+mj-ea"/>
+                <a:cs typeface="Fahkwang" panose="00000500000000000000" pitchFamily="2" charset="-34"/>
+              </a:rPr>
+              <a:t> предлагает единую площадку для продажи произведений искусства, не привязанную к конкретной галереи или аукционному дому. </a:t>
+            </a:r>
+            <a:r>
+              <a:rPr lang="ru-RU" sz="2400" dirty="0">
+                <a:solidFill>
+                  <a:srgbClr val="000000"/>
+                </a:solidFill>
+                <a:latin typeface="Helvetica" panose="020B0604020202020204" pitchFamily="2" charset="0"/>
+                <a:ea typeface="+mj-ea"/>
+                <a:cs typeface="Fahkwang" panose="00000500000000000000" pitchFamily="2" charset="-34"/>
+              </a:rPr>
+              <a:t>Наличие системы платной подписки на художника способствует формированию и сплочению сообщества любителей искусства.</a:t>
+            </a:r>
+            <a:endParaRPr lang="ru-RU" sz="2400" dirty="0">
+              <a:latin typeface="Helvetica" panose="020B0604020202020204" pitchFamily="2" charset="0"/>
+              <a:cs typeface="Fahkwang" panose="00000500000000000000" pitchFamily="2" charset="-34"/>
+            </a:endParaRPr>
           </a:p>
         </p:txBody>
       </p:sp>
     </p:spTree>
     <p:extLst>
       <p:ext uri="{BB962C8B-B14F-4D97-AF65-F5344CB8AC3E}">
-        <p14:creationId xmlns:p14="http://schemas.microsoft.com/office/powerpoint/2010/main" val="184350825"/>
+        <p14:creationId xmlns:p14="http://schemas.microsoft.com/office/powerpoint/2010/main" val="2027435885"/>
       </p:ext>
     </p:extLst>
   </p:cSld>
@@ -6755,136 +9131,10 @@
       </p:grpSpPr>
       <p:sp>
         <p:nvSpPr>
-          <p:cNvPr id="2" name="Заголовок 1">
-            <a:extLst>
-              <a:ext uri="{FF2B5EF4-FFF2-40B4-BE49-F238E27FC236}">
-                <a16:creationId xmlns:a16="http://schemas.microsoft.com/office/drawing/2014/main" id="{97F2B76D-03A2-122D-1A97-BC93E2E7D80A}"/>
-              </a:ext>
-            </a:extLst>
-          </p:cNvPr>
-          <p:cNvSpPr>
-            <a:spLocks noGrp="1"/>
-          </p:cNvSpPr>
-          <p:nvPr>
-            <p:ph type="title"/>
-          </p:nvPr>
-        </p:nvSpPr>
-        <p:spPr>
-          <a:xfrm>
-            <a:off x="1184275" y="630237"/>
-            <a:ext cx="9296400" cy="928688"/>
-          </a:xfrm>
-        </p:spPr>
-        <p:txBody>
-          <a:bodyPr>
-            <a:normAutofit/>
-          </a:bodyPr>
-          <a:lstStyle/>
-          <a:p>
-            <a:r>
-              <a:rPr lang="ru-RU" sz="3600" b="1" spc="100" dirty="0">
-                <a:latin typeface="Helvetica" panose="020B0604020202020204" pitchFamily="2" charset="0"/>
-              </a:rPr>
-              <a:t>Конкурентное</a:t>
-            </a:r>
-            <a:r>
-              <a:rPr lang="ru-RU" sz="3600" b="1" dirty="0">
-                <a:latin typeface="Helvetica" panose="020B0604020202020204" pitchFamily="2" charset="0"/>
-              </a:rPr>
-              <a:t> преимущество</a:t>
-            </a:r>
-          </a:p>
-        </p:txBody>
-      </p:sp>
-      <p:sp>
-        <p:nvSpPr>
-          <p:cNvPr id="3" name="Объект 2">
-            <a:extLst>
-              <a:ext uri="{FF2B5EF4-FFF2-40B4-BE49-F238E27FC236}">
-                <a16:creationId xmlns:a16="http://schemas.microsoft.com/office/drawing/2014/main" id="{E5843620-488B-BC0F-AD03-99FEEDA04CA8}"/>
-              </a:ext>
-            </a:extLst>
-          </p:cNvPr>
-          <p:cNvSpPr>
-            <a:spLocks noGrp="1"/>
-          </p:cNvSpPr>
-          <p:nvPr>
-            <p:ph idx="1"/>
-          </p:nvPr>
-        </p:nvSpPr>
-        <p:spPr>
-          <a:xfrm>
-            <a:off x="1184275" y="1679575"/>
-            <a:ext cx="9848850" cy="4244975"/>
-          </a:xfrm>
-        </p:spPr>
-        <p:txBody>
-          <a:bodyPr>
-            <a:normAutofit/>
-          </a:bodyPr>
-          <a:lstStyle/>
-          <a:p>
-            <a:pPr marL="0" indent="0">
-              <a:lnSpc>
-                <a:spcPct val="150000"/>
-              </a:lnSpc>
-              <a:buNone/>
-            </a:pPr>
-            <a:r>
-              <a:rPr lang="ru-RU" sz="2400" dirty="0">
-                <a:latin typeface="Helvetica" panose="020B0604020202020204" pitchFamily="2" charset="0"/>
-                <a:cs typeface="Fahkwang" panose="00000500000000000000" pitchFamily="2" charset="-34"/>
-              </a:rPr>
-              <a:t>В отличие от существующих решений, </a:t>
-            </a:r>
-            <a:r>
-              <a:rPr lang="en-US" sz="2400" kern="1200" dirty="0" err="1">
-                <a:solidFill>
-                  <a:srgbClr val="000000"/>
-                </a:solidFill>
-                <a:effectLst/>
-                <a:latin typeface="Helvetica" panose="020B0604020202020204" pitchFamily="2" charset="0"/>
-                <a:ea typeface="+mj-ea"/>
-                <a:cs typeface="Fahkwang" panose="00000500000000000000" pitchFamily="2" charset="-34"/>
-              </a:rPr>
-              <a:t>Lindéro</a:t>
-            </a:r>
-            <a:r>
-              <a:rPr lang="ru-RU" sz="2400" kern="1200" dirty="0">
-                <a:solidFill>
-                  <a:srgbClr val="000000"/>
-                </a:solidFill>
-                <a:effectLst/>
-                <a:latin typeface="Helvetica" panose="020B0604020202020204" pitchFamily="2" charset="0"/>
-                <a:ea typeface="+mj-ea"/>
-                <a:cs typeface="Fahkwang" panose="00000500000000000000" pitchFamily="2" charset="-34"/>
-              </a:rPr>
-              <a:t> предлагает единую площадку для продажи произведений искусства, не привязанную к конкретной галереи или аукционному дому. </a:t>
-            </a:r>
-            <a:r>
-              <a:rPr lang="ru-RU" sz="2400" dirty="0">
-                <a:solidFill>
-                  <a:srgbClr val="000000"/>
-                </a:solidFill>
-                <a:latin typeface="Helvetica" panose="020B0604020202020204" pitchFamily="2" charset="0"/>
-                <a:ea typeface="+mj-ea"/>
-                <a:cs typeface="Fahkwang" panose="00000500000000000000" pitchFamily="2" charset="-34"/>
-              </a:rPr>
-              <a:t>Наличие системы платной подписки на художника способствует формированию и сплочению сообщества любителей искусства.</a:t>
-            </a:r>
-            <a:endParaRPr lang="ru-RU" sz="2400" dirty="0">
-              <a:latin typeface="Helvetica" panose="020B0604020202020204" pitchFamily="2" charset="0"/>
-              <a:cs typeface="Fahkwang" panose="00000500000000000000" pitchFamily="2" charset="-34"/>
-            </a:endParaRPr>
-          </a:p>
-        </p:txBody>
-      </p:sp>
-      <p:sp>
-        <p:nvSpPr>
-          <p:cNvPr id="5" name="Заголовок 1">
-            <a:extLst>
-              <a:ext uri="{FF2B5EF4-FFF2-40B4-BE49-F238E27FC236}">
-                <a16:creationId xmlns:a16="http://schemas.microsoft.com/office/drawing/2014/main" id="{45621C33-DE3D-FFEE-C90B-E6A1C8066ED8}"/>
+          <p:cNvPr id="4" name="Заголовок 1">
+            <a:extLst>
+              <a:ext uri="{FF2B5EF4-FFF2-40B4-BE49-F238E27FC236}">
+                <a16:creationId xmlns:a16="http://schemas.microsoft.com/office/drawing/2014/main" id="{08809879-027E-65BF-B079-6AA3DAD5AA00}"/>
               </a:ext>
             </a:extLst>
           </p:cNvPr>
@@ -6895,8 +9145,8 @@
         </p:nvSpPr>
         <p:spPr>
           <a:xfrm>
-            <a:off x="9796895" y="5689098"/>
-            <a:ext cx="1367560" cy="832427"/>
+            <a:off x="609600" y="5718421"/>
+            <a:ext cx="1367560" cy="362025"/>
           </a:xfrm>
           <a:prstGeom prst="rect">
             <a:avLst/>
@@ -6941,10 +9191,10 @@
       </p:sp>
       <p:sp>
         <p:nvSpPr>
-          <p:cNvPr id="6" name="TextBox 5">
-            <a:extLst>
-              <a:ext uri="{FF2B5EF4-FFF2-40B4-BE49-F238E27FC236}">
-                <a16:creationId xmlns:a16="http://schemas.microsoft.com/office/drawing/2014/main" id="{1BE46194-ECB8-73EE-FF64-FD5B76A265E9}"/>
+          <p:cNvPr id="7" name="TextBox 6">
+            <a:extLst>
+              <a:ext uri="{FF2B5EF4-FFF2-40B4-BE49-F238E27FC236}">
+                <a16:creationId xmlns:a16="http://schemas.microsoft.com/office/drawing/2014/main" id="{09AE2FA2-DEF9-5A38-DCBB-6F3F8360E242}"/>
               </a:ext>
             </a:extLst>
           </p:cNvPr>
@@ -6953,7 +9203,7 @@
         </p:nvSpPr>
         <p:spPr>
           <a:xfrm>
-            <a:off x="5638800" y="5874480"/>
+            <a:off x="10725150" y="5668602"/>
             <a:ext cx="914400" cy="461665"/>
           </a:xfrm>
           <a:prstGeom prst="rect">
@@ -6978,16 +9228,142 @@
               <a:rPr lang="en-US" sz="2400" dirty="0">
                 <a:latin typeface="Helvetica" panose="020B0604020202020204" pitchFamily="2" charset="0"/>
               </a:rPr>
-              <a:t>/15</a:t>
+              <a:t>/1</a:t>
+            </a:r>
+            <a:r>
+              <a:rPr lang="ru-RU" sz="2400" dirty="0">
+                <a:latin typeface="Helvetica" panose="020B0604020202020204" pitchFamily="2" charset="0"/>
+              </a:rPr>
+              <a:t>5</a:t>
             </a:r>
             <a:endParaRPr lang="ru-RU" sz="2400" dirty="0"/>
           </a:p>
         </p:txBody>
       </p:sp>
+      <p:sp>
+        <p:nvSpPr>
+          <p:cNvPr id="8" name="AutoShape 2">
+            <a:extLst>
+              <a:ext uri="{FF2B5EF4-FFF2-40B4-BE49-F238E27FC236}">
+                <a16:creationId xmlns:a16="http://schemas.microsoft.com/office/drawing/2014/main" id="{A60D3E77-0048-315A-E5CA-9D1A513B3776}"/>
+              </a:ext>
+            </a:extLst>
+          </p:cNvPr>
+          <p:cNvSpPr/>
+          <p:nvPr/>
+        </p:nvSpPr>
+        <p:spPr>
+          <a:xfrm>
+            <a:off x="685800" y="6159500"/>
+            <a:ext cx="10820400" cy="0"/>
+          </a:xfrm>
+          <a:prstGeom prst="line">
+            <a:avLst/>
+          </a:prstGeom>
+          <a:ln w="19050" cap="flat">
+            <a:solidFill>
+              <a:srgbClr val="000000"/>
+            </a:solidFill>
+            <a:prstDash val="solid"/>
+            <a:headEnd type="none" w="sm" len="sm"/>
+            <a:tailEnd type="none" w="sm" len="sm"/>
+          </a:ln>
+        </p:spPr>
+      </p:sp>
+      <p:sp>
+        <p:nvSpPr>
+          <p:cNvPr id="9" name="AutoShape 4">
+            <a:extLst>
+              <a:ext uri="{FF2B5EF4-FFF2-40B4-BE49-F238E27FC236}">
+                <a16:creationId xmlns:a16="http://schemas.microsoft.com/office/drawing/2014/main" id="{B813AABC-AE19-6AC0-B4D5-29670EF120B5}"/>
+              </a:ext>
+            </a:extLst>
+          </p:cNvPr>
+          <p:cNvSpPr/>
+          <p:nvPr/>
+        </p:nvSpPr>
+        <p:spPr>
+          <a:xfrm>
+            <a:off x="685800" y="685800"/>
+            <a:ext cx="10820400" cy="0"/>
+          </a:xfrm>
+          <a:prstGeom prst="line">
+            <a:avLst/>
+          </a:prstGeom>
+          <a:ln w="19050" cap="flat">
+            <a:solidFill>
+              <a:srgbClr val="000000"/>
+            </a:solidFill>
+            <a:prstDash val="solid"/>
+            <a:headEnd type="none" w="sm" len="sm"/>
+            <a:tailEnd type="none" w="sm" len="sm"/>
+          </a:ln>
+        </p:spPr>
+      </p:sp>
+      <p:pic>
+        <p:nvPicPr>
+          <p:cNvPr id="3" name="Рисунок 2">
+            <a:extLst>
+              <a:ext uri="{FF2B5EF4-FFF2-40B4-BE49-F238E27FC236}">
+                <a16:creationId xmlns:a16="http://schemas.microsoft.com/office/drawing/2014/main" id="{7A9734E9-3B7D-2748-E3DC-B1C718ADBD60}"/>
+              </a:ext>
+            </a:extLst>
+          </p:cNvPr>
+          <p:cNvPicPr>
+            <a:picLocks noChangeAspect="1"/>
+          </p:cNvPicPr>
+          <p:nvPr/>
+        </p:nvPicPr>
+        <p:blipFill>
+          <a:blip r:embed="rId2"/>
+          <a:stretch>
+            <a:fillRect/>
+          </a:stretch>
+        </p:blipFill>
+        <p:spPr>
+          <a:xfrm>
+            <a:off x="2025650" y="952049"/>
+            <a:ext cx="3962401" cy="4059045"/>
+          </a:xfrm>
+          <a:prstGeom prst="rect">
+            <a:avLst/>
+          </a:prstGeom>
+        </p:spPr>
+      </p:pic>
+      <p:pic>
+        <p:nvPicPr>
+          <p:cNvPr id="6" name="Рисунок 5">
+            <a:extLst>
+              <a:ext uri="{FF2B5EF4-FFF2-40B4-BE49-F238E27FC236}">
+                <a16:creationId xmlns:a16="http://schemas.microsoft.com/office/drawing/2014/main" id="{88A901ED-2D2E-58DE-82BB-04ACD50967B2}"/>
+              </a:ext>
+            </a:extLst>
+          </p:cNvPr>
+          <p:cNvPicPr>
+            <a:picLocks noChangeAspect="1"/>
+          </p:cNvPicPr>
+          <p:nvPr/>
+        </p:nvPicPr>
+        <p:blipFill>
+          <a:blip r:embed="rId3"/>
+          <a:stretch>
+            <a:fillRect/>
+          </a:stretch>
+        </p:blipFill>
+        <p:spPr>
+          <a:xfrm>
+            <a:off x="6174292" y="1365251"/>
+            <a:ext cx="4055558" cy="4303351"/>
+          </a:xfrm>
+          <a:prstGeom prst="rect">
+            <a:avLst/>
+          </a:prstGeom>
+        </p:spPr>
+      </p:pic>
     </p:spTree>
     <p:extLst>
       <p:ext uri="{BB962C8B-B14F-4D97-AF65-F5344CB8AC3E}">
-        <p14:creationId xmlns:p14="http://schemas.microsoft.com/office/powerpoint/2010/main" val="2773271149"/>
+        <p14:creationId xmlns:p14="http://schemas.microsoft.com/office/powerpoint/2010/main" val="4046530669"/>
       </p:ext>
     </p:extLst>
   </p:cSld>
@@ -7016,50 +9392,10 @@
       </p:grpSpPr>
       <p:sp>
         <p:nvSpPr>
-          <p:cNvPr id="2" name="Заголовок 1">
-            <a:extLst>
-              <a:ext uri="{FF2B5EF4-FFF2-40B4-BE49-F238E27FC236}">
-                <a16:creationId xmlns:a16="http://schemas.microsoft.com/office/drawing/2014/main" id="{97F2B76D-03A2-122D-1A97-BC93E2E7D80A}"/>
-              </a:ext>
-            </a:extLst>
-          </p:cNvPr>
-          <p:cNvSpPr>
-            <a:spLocks noGrp="1"/>
-          </p:cNvSpPr>
-          <p:nvPr>
-            <p:ph type="title"/>
-          </p:nvPr>
-        </p:nvSpPr>
-        <p:spPr>
-          <a:xfrm>
-            <a:off x="1184275" y="630237"/>
-            <a:ext cx="9296400" cy="928688"/>
-          </a:xfrm>
-        </p:spPr>
-        <p:txBody>
-          <a:bodyPr>
-            <a:normAutofit/>
-          </a:bodyPr>
-          <a:lstStyle/>
-          <a:p>
-            <a:r>
-              <a:rPr lang="ru-RU" sz="3600" b="1" spc="100" dirty="0">
-                <a:latin typeface="Helvetica" panose="020B0604020202020204" pitchFamily="2" charset="0"/>
-              </a:rPr>
-              <a:t>Прототип главной страницы</a:t>
-            </a:r>
-            <a:endParaRPr lang="ru-RU" sz="3600" b="1" dirty="0">
-              <a:latin typeface="Helvetica" panose="020B0604020202020204" pitchFamily="2" charset="0"/>
-            </a:endParaRPr>
-          </a:p>
-        </p:txBody>
-      </p:sp>
-      <p:sp>
-        <p:nvSpPr>
           <p:cNvPr id="4" name="Заголовок 1">
             <a:extLst>
               <a:ext uri="{FF2B5EF4-FFF2-40B4-BE49-F238E27FC236}">
-                <a16:creationId xmlns:a16="http://schemas.microsoft.com/office/drawing/2014/main" id="{C4089DFF-C5DD-F210-680A-893AAD9013CB}"/>
+                <a16:creationId xmlns:a16="http://schemas.microsoft.com/office/drawing/2014/main" id="{08809879-027E-65BF-B079-6AA3DAD5AA00}"/>
               </a:ext>
             </a:extLst>
           </p:cNvPr>
@@ -7070,8 +9406,8 @@
         </p:nvSpPr>
         <p:spPr>
           <a:xfrm>
-            <a:off x="9796895" y="5689098"/>
-            <a:ext cx="1367560" cy="832427"/>
+            <a:off x="609600" y="5718421"/>
+            <a:ext cx="1367560" cy="362025"/>
           </a:xfrm>
           <a:prstGeom prst="rect">
             <a:avLst/>
@@ -7116,10 +9452,10 @@
       </p:sp>
       <p:sp>
         <p:nvSpPr>
-          <p:cNvPr id="5" name="TextBox 4">
-            <a:extLst>
-              <a:ext uri="{FF2B5EF4-FFF2-40B4-BE49-F238E27FC236}">
-                <a16:creationId xmlns:a16="http://schemas.microsoft.com/office/drawing/2014/main" id="{A4A74FB9-2A0D-1CEA-FBB6-181900AF1503}"/>
+          <p:cNvPr id="7" name="TextBox 6">
+            <a:extLst>
+              <a:ext uri="{FF2B5EF4-FFF2-40B4-BE49-F238E27FC236}">
+                <a16:creationId xmlns:a16="http://schemas.microsoft.com/office/drawing/2014/main" id="{09AE2FA2-DEF9-5A38-DCBB-6F3F8360E242}"/>
               </a:ext>
             </a:extLst>
           </p:cNvPr>
@@ -7128,7 +9464,7 @@
         </p:nvSpPr>
         <p:spPr>
           <a:xfrm>
-            <a:off x="5638800" y="5874480"/>
+            <a:off x="10725150" y="5668602"/>
             <a:ext cx="914400" cy="461665"/>
           </a:xfrm>
           <a:prstGeom prst="rect">
@@ -7153,18 +9489,84 @@
               <a:rPr lang="en-US" sz="2400" dirty="0">
                 <a:latin typeface="Helvetica" panose="020B0604020202020204" pitchFamily="2" charset="0"/>
               </a:rPr>
-              <a:t>/15</a:t>
+              <a:t>/1</a:t>
+            </a:r>
+            <a:r>
+              <a:rPr lang="ru-RU" sz="2400" dirty="0">
+                <a:latin typeface="Helvetica" panose="020B0604020202020204" pitchFamily="2" charset="0"/>
+              </a:rPr>
+              <a:t>5</a:t>
             </a:r>
             <a:endParaRPr lang="ru-RU" sz="2400" dirty="0"/>
           </a:p>
         </p:txBody>
+      </p:sp>
+      <p:sp>
+        <p:nvSpPr>
+          <p:cNvPr id="8" name="AutoShape 2">
+            <a:extLst>
+              <a:ext uri="{FF2B5EF4-FFF2-40B4-BE49-F238E27FC236}">
+                <a16:creationId xmlns:a16="http://schemas.microsoft.com/office/drawing/2014/main" id="{A60D3E77-0048-315A-E5CA-9D1A513B3776}"/>
+              </a:ext>
+            </a:extLst>
+          </p:cNvPr>
+          <p:cNvSpPr/>
+          <p:nvPr/>
+        </p:nvSpPr>
+        <p:spPr>
+          <a:xfrm>
+            <a:off x="685800" y="6159500"/>
+            <a:ext cx="10820400" cy="0"/>
+          </a:xfrm>
+          <a:prstGeom prst="line">
+            <a:avLst/>
+          </a:prstGeom>
+          <a:ln w="19050" cap="flat">
+            <a:solidFill>
+              <a:srgbClr val="000000"/>
+            </a:solidFill>
+            <a:prstDash val="solid"/>
+            <a:headEnd type="none" w="sm" len="sm"/>
+            <a:tailEnd type="none" w="sm" len="sm"/>
+          </a:ln>
+        </p:spPr>
+      </p:sp>
+      <p:sp>
+        <p:nvSpPr>
+          <p:cNvPr id="9" name="AutoShape 4">
+            <a:extLst>
+              <a:ext uri="{FF2B5EF4-FFF2-40B4-BE49-F238E27FC236}">
+                <a16:creationId xmlns:a16="http://schemas.microsoft.com/office/drawing/2014/main" id="{B813AABC-AE19-6AC0-B4D5-29670EF120B5}"/>
+              </a:ext>
+            </a:extLst>
+          </p:cNvPr>
+          <p:cNvSpPr/>
+          <p:nvPr/>
+        </p:nvSpPr>
+        <p:spPr>
+          <a:xfrm>
+            <a:off x="685800" y="685800"/>
+            <a:ext cx="10820400" cy="0"/>
+          </a:xfrm>
+          <a:prstGeom prst="line">
+            <a:avLst/>
+          </a:prstGeom>
+          <a:ln w="19050" cap="flat">
+            <a:solidFill>
+              <a:srgbClr val="000000"/>
+            </a:solidFill>
+            <a:prstDash val="solid"/>
+            <a:headEnd type="none" w="sm" len="sm"/>
+            <a:tailEnd type="none" w="sm" len="sm"/>
+          </a:ln>
+        </p:spPr>
       </p:sp>
       <p:pic>
         <p:nvPicPr>
-          <p:cNvPr id="9" name="Рисунок 8">
-            <a:extLst>
-              <a:ext uri="{FF2B5EF4-FFF2-40B4-BE49-F238E27FC236}">
-                <a16:creationId xmlns:a16="http://schemas.microsoft.com/office/drawing/2014/main" id="{2799590D-FAE6-E1C4-CE75-063C9BEDCD56}"/>
+          <p:cNvPr id="3" name="Рисунок 2">
+            <a:extLst>
+              <a:ext uri="{FF2B5EF4-FFF2-40B4-BE49-F238E27FC236}">
+                <a16:creationId xmlns:a16="http://schemas.microsoft.com/office/drawing/2014/main" id="{49E4FEFB-AE05-CCB4-41EC-D1D1ABA96E27}"/>
               </a:ext>
             </a:extLst>
           </p:cNvPr>
@@ -7181,8 +9583,8 @@
         </p:blipFill>
         <p:spPr>
           <a:xfrm>
-            <a:off x="1184275" y="1558925"/>
-            <a:ext cx="4108161" cy="4314271"/>
+            <a:off x="685800" y="1476377"/>
+            <a:ext cx="5418714" cy="3905245"/>
           </a:xfrm>
           <a:prstGeom prst="rect">
             <a:avLst/>
@@ -7191,10 +9593,10 @@
       </p:pic>
       <p:pic>
         <p:nvPicPr>
-          <p:cNvPr id="11" name="Рисунок 10">
-            <a:extLst>
-              <a:ext uri="{FF2B5EF4-FFF2-40B4-BE49-F238E27FC236}">
-                <a16:creationId xmlns:a16="http://schemas.microsoft.com/office/drawing/2014/main" id="{E69B8D1C-E22B-7F2B-770B-783E58FE494C}"/>
+          <p:cNvPr id="12" name="Рисунок 11">
+            <a:extLst>
+              <a:ext uri="{FF2B5EF4-FFF2-40B4-BE49-F238E27FC236}">
+                <a16:creationId xmlns:a16="http://schemas.microsoft.com/office/drawing/2014/main" id="{763509A5-639B-5FDD-8238-586C9E20072B}"/>
               </a:ext>
             </a:extLst>
           </p:cNvPr>
@@ -7211,8 +9613,8 @@
         </p:blipFill>
         <p:spPr>
           <a:xfrm>
-            <a:off x="7880189" y="1562636"/>
-            <a:ext cx="3127536" cy="4310560"/>
+            <a:off x="6255435" y="2800344"/>
+            <a:ext cx="5250765" cy="2581278"/>
           </a:xfrm>
           <a:prstGeom prst="rect">
             <a:avLst/>
@@ -7222,7 +9624,7 @@
     </p:spTree>
     <p:extLst>
       <p:ext uri="{BB962C8B-B14F-4D97-AF65-F5344CB8AC3E}">
-        <p14:creationId xmlns:p14="http://schemas.microsoft.com/office/powerpoint/2010/main" val="335797701"/>
+        <p14:creationId xmlns:p14="http://schemas.microsoft.com/office/powerpoint/2010/main" val="2110261463"/>
       </p:ext>
     </p:extLst>
   </p:cSld>
@@ -7251,50 +9653,181 @@
       </p:grpSpPr>
       <p:sp>
         <p:nvSpPr>
-          <p:cNvPr id="2" name="Заголовок 1">
-            <a:extLst>
-              <a:ext uri="{FF2B5EF4-FFF2-40B4-BE49-F238E27FC236}">
-                <a16:creationId xmlns:a16="http://schemas.microsoft.com/office/drawing/2014/main" id="{97F2B76D-03A2-122D-1A97-BC93E2E7D80A}"/>
-              </a:ext>
-            </a:extLst>
-          </p:cNvPr>
-          <p:cNvSpPr>
-            <a:spLocks noGrp="1"/>
+          <p:cNvPr id="4" name="Заголовок 1">
+            <a:extLst>
+              <a:ext uri="{FF2B5EF4-FFF2-40B4-BE49-F238E27FC236}">
+                <a16:creationId xmlns:a16="http://schemas.microsoft.com/office/drawing/2014/main" id="{08809879-027E-65BF-B079-6AA3DAD5AA00}"/>
+              </a:ext>
+            </a:extLst>
+          </p:cNvPr>
+          <p:cNvSpPr txBox="1">
+            <a:spLocks/>
           </p:cNvSpPr>
-          <p:nvPr>
-            <p:ph type="title"/>
-          </p:nvPr>
-        </p:nvSpPr>
-        <p:spPr>
-          <a:xfrm>
-            <a:off x="1184275" y="630237"/>
-            <a:ext cx="9296400" cy="928688"/>
-          </a:xfrm>
-        </p:spPr>
-        <p:txBody>
-          <a:bodyPr>
-            <a:normAutofit/>
+          <p:nvPr/>
+        </p:nvSpPr>
+        <p:spPr>
+          <a:xfrm>
+            <a:off x="609600" y="5718421"/>
+            <a:ext cx="1367560" cy="362025"/>
+          </a:xfrm>
+          <a:prstGeom prst="rect">
+            <a:avLst/>
+          </a:prstGeom>
+        </p:spPr>
+        <p:txBody>
+          <a:bodyPr vert="horz" lIns="91440" tIns="45720" rIns="91440" bIns="45720" rtlCol="0" anchor="ctr">
+            <a:noAutofit/>
+          </a:bodyPr>
+          <a:lstStyle>
+            <a:lvl1pPr algn="l" defTabSz="914400" rtl="0" eaLnBrk="1" latinLnBrk="0" hangingPunct="1">
+              <a:lnSpc>
+                <a:spcPct val="90000"/>
+              </a:lnSpc>
+              <a:spcBef>
+                <a:spcPct val="0"/>
+              </a:spcBef>
+              <a:buNone/>
+              <a:defRPr sz="4400" kern="1200">
+                <a:solidFill>
+                  <a:schemeClr val="tx1"/>
+                </a:solidFill>
+                <a:latin typeface="+mj-lt"/>
+                <a:ea typeface="+mj-ea"/>
+                <a:cs typeface="+mj-cs"/>
+              </a:defRPr>
+            </a:lvl1pPr>
+          </a:lstStyle>
+          <a:p>
+            <a:r>
+              <a:rPr lang="en-US" sz="2400" dirty="0" err="1">
+                <a:latin typeface="Fahkwang" panose="00000500000000000000" pitchFamily="2" charset="-34"/>
+                <a:cs typeface="Fahkwang" panose="00000500000000000000" pitchFamily="2" charset="-34"/>
+              </a:rPr>
+              <a:t>Lindéro</a:t>
+            </a:r>
+            <a:endParaRPr lang="ru-RU" sz="2400" dirty="0">
+              <a:cs typeface="Fahkwang" panose="00000500000000000000" pitchFamily="2" charset="-34"/>
+            </a:endParaRPr>
+          </a:p>
+        </p:txBody>
+      </p:sp>
+      <p:sp>
+        <p:nvSpPr>
+          <p:cNvPr id="7" name="TextBox 6">
+            <a:extLst>
+              <a:ext uri="{FF2B5EF4-FFF2-40B4-BE49-F238E27FC236}">
+                <a16:creationId xmlns:a16="http://schemas.microsoft.com/office/drawing/2014/main" id="{09AE2FA2-DEF9-5A38-DCBB-6F3F8360E242}"/>
+              </a:ext>
+            </a:extLst>
+          </p:cNvPr>
+          <p:cNvSpPr txBox="1"/>
+          <p:nvPr/>
+        </p:nvSpPr>
+        <p:spPr>
+          <a:xfrm>
+            <a:off x="10725150" y="5668602"/>
+            <a:ext cx="914400" cy="461665"/>
+          </a:xfrm>
+          <a:prstGeom prst="rect">
+            <a:avLst/>
+          </a:prstGeom>
+          <a:noFill/>
+        </p:spPr>
+        <p:txBody>
+          <a:bodyPr wrap="square">
+            <a:spAutoFit/>
           </a:bodyPr>
           <a:lstStyle/>
           <a:p>
-            <a:r>
-              <a:rPr lang="ru-RU" sz="3600" b="1" spc="100" dirty="0">
-                <a:latin typeface="Helvetica" panose="020B0604020202020204" pitchFamily="2" charset="0"/>
-              </a:rPr>
-              <a:t>Прототип каталога и корзины</a:t>
-            </a:r>
-            <a:endParaRPr lang="ru-RU" sz="3600" b="1" dirty="0">
-              <a:latin typeface="Helvetica" panose="020B0604020202020204" pitchFamily="2" charset="0"/>
-            </a:endParaRPr>
-          </a:p>
-        </p:txBody>
+            <a:pPr algn="ctr"/>
+            <a:r>
+              <a:rPr lang="ru-RU" sz="2400" dirty="0">
+                <a:latin typeface="Helvetica" panose="020B0604020202020204" pitchFamily="2" charset="0"/>
+              </a:rPr>
+              <a:t>9</a:t>
+            </a:r>
+            <a:r>
+              <a:rPr lang="en-US" sz="2400" dirty="0">
+                <a:latin typeface="Helvetica" panose="020B0604020202020204" pitchFamily="2" charset="0"/>
+              </a:rPr>
+              <a:t>/1</a:t>
+            </a:r>
+            <a:r>
+              <a:rPr lang="ru-RU" sz="2400" dirty="0">
+                <a:latin typeface="Helvetica" panose="020B0604020202020204" pitchFamily="2" charset="0"/>
+              </a:rPr>
+              <a:t>5</a:t>
+            </a:r>
+            <a:endParaRPr lang="ru-RU" sz="2400" dirty="0"/>
+          </a:p>
+        </p:txBody>
+      </p:sp>
+      <p:sp>
+        <p:nvSpPr>
+          <p:cNvPr id="8" name="AutoShape 2">
+            <a:extLst>
+              <a:ext uri="{FF2B5EF4-FFF2-40B4-BE49-F238E27FC236}">
+                <a16:creationId xmlns:a16="http://schemas.microsoft.com/office/drawing/2014/main" id="{A60D3E77-0048-315A-E5CA-9D1A513B3776}"/>
+              </a:ext>
+            </a:extLst>
+          </p:cNvPr>
+          <p:cNvSpPr/>
+          <p:nvPr/>
+        </p:nvSpPr>
+        <p:spPr>
+          <a:xfrm>
+            <a:off x="685800" y="6159500"/>
+            <a:ext cx="10820400" cy="0"/>
+          </a:xfrm>
+          <a:prstGeom prst="line">
+            <a:avLst/>
+          </a:prstGeom>
+          <a:ln w="19050" cap="flat">
+            <a:solidFill>
+              <a:srgbClr val="000000"/>
+            </a:solidFill>
+            <a:prstDash val="solid"/>
+            <a:headEnd type="none" w="sm" len="sm"/>
+            <a:tailEnd type="none" w="sm" len="sm"/>
+          </a:ln>
+        </p:spPr>
+      </p:sp>
+      <p:sp>
+        <p:nvSpPr>
+          <p:cNvPr id="9" name="AutoShape 4">
+            <a:extLst>
+              <a:ext uri="{FF2B5EF4-FFF2-40B4-BE49-F238E27FC236}">
+                <a16:creationId xmlns:a16="http://schemas.microsoft.com/office/drawing/2014/main" id="{B813AABC-AE19-6AC0-B4D5-29670EF120B5}"/>
+              </a:ext>
+            </a:extLst>
+          </p:cNvPr>
+          <p:cNvSpPr/>
+          <p:nvPr/>
+        </p:nvSpPr>
+        <p:spPr>
+          <a:xfrm>
+            <a:off x="685800" y="685800"/>
+            <a:ext cx="10820400" cy="0"/>
+          </a:xfrm>
+          <a:prstGeom prst="line">
+            <a:avLst/>
+          </a:prstGeom>
+          <a:ln w="19050" cap="flat">
+            <a:solidFill>
+              <a:srgbClr val="000000"/>
+            </a:solidFill>
+            <a:prstDash val="solid"/>
+            <a:headEnd type="none" w="sm" len="sm"/>
+            <a:tailEnd type="none" w="sm" len="sm"/>
+          </a:ln>
+        </p:spPr>
       </p:sp>
       <p:pic>
         <p:nvPicPr>
-          <p:cNvPr id="4" name="Рисунок 3">
-            <a:extLst>
-              <a:ext uri="{FF2B5EF4-FFF2-40B4-BE49-F238E27FC236}">
-                <a16:creationId xmlns:a16="http://schemas.microsoft.com/office/drawing/2014/main" id="{F560C08F-5EA7-EBCB-5FB2-12E3779DA720}"/>
+          <p:cNvPr id="6" name="Рисунок 5">
+            <a:extLst>
+              <a:ext uri="{FF2B5EF4-FFF2-40B4-BE49-F238E27FC236}">
+                <a16:creationId xmlns:a16="http://schemas.microsoft.com/office/drawing/2014/main" id="{7D3B7C3F-8DC8-0F09-5DFD-73114917D9F2}"/>
               </a:ext>
             </a:extLst>
           </p:cNvPr>
@@ -7311,143 +9844,8 @@
         </p:blipFill>
         <p:spPr>
           <a:xfrm>
-            <a:off x="6372110" y="1558925"/>
-            <a:ext cx="4792345" cy="3033512"/>
-          </a:xfrm>
-          <a:prstGeom prst="rect">
-            <a:avLst/>
-          </a:prstGeom>
-        </p:spPr>
-      </p:pic>
-      <p:sp>
-        <p:nvSpPr>
-          <p:cNvPr id="6" name="Заголовок 1">
-            <a:extLst>
-              <a:ext uri="{FF2B5EF4-FFF2-40B4-BE49-F238E27FC236}">
-                <a16:creationId xmlns:a16="http://schemas.microsoft.com/office/drawing/2014/main" id="{104FABBF-DFBD-E39A-BA36-4BF7D7650B3E}"/>
-              </a:ext>
-            </a:extLst>
-          </p:cNvPr>
-          <p:cNvSpPr txBox="1">
-            <a:spLocks/>
-          </p:cNvSpPr>
-          <p:nvPr/>
-        </p:nvSpPr>
-        <p:spPr>
-          <a:xfrm>
-            <a:off x="9796895" y="5689098"/>
-            <a:ext cx="1367560" cy="832427"/>
-          </a:xfrm>
-          <a:prstGeom prst="rect">
-            <a:avLst/>
-          </a:prstGeom>
-        </p:spPr>
-        <p:txBody>
-          <a:bodyPr vert="horz" lIns="91440" tIns="45720" rIns="91440" bIns="45720" rtlCol="0" anchor="ctr">
-            <a:noAutofit/>
-          </a:bodyPr>
-          <a:lstStyle>
-            <a:lvl1pPr algn="l" defTabSz="914400" rtl="0" eaLnBrk="1" latinLnBrk="0" hangingPunct="1">
-              <a:lnSpc>
-                <a:spcPct val="90000"/>
-              </a:lnSpc>
-              <a:spcBef>
-                <a:spcPct val="0"/>
-              </a:spcBef>
-              <a:buNone/>
-              <a:defRPr sz="4400" kern="1200">
-                <a:solidFill>
-                  <a:schemeClr val="tx1"/>
-                </a:solidFill>
-                <a:latin typeface="+mj-lt"/>
-                <a:ea typeface="+mj-ea"/>
-                <a:cs typeface="+mj-cs"/>
-              </a:defRPr>
-            </a:lvl1pPr>
-          </a:lstStyle>
-          <a:p>
-            <a:r>
-              <a:rPr lang="en-US" sz="2400" dirty="0" err="1">
-                <a:latin typeface="Fahkwang" panose="00000500000000000000" pitchFamily="2" charset="-34"/>
-                <a:cs typeface="Fahkwang" panose="00000500000000000000" pitchFamily="2" charset="-34"/>
-              </a:rPr>
-              <a:t>Lindéro</a:t>
-            </a:r>
-            <a:endParaRPr lang="ru-RU" sz="2400" dirty="0">
-              <a:cs typeface="Fahkwang" panose="00000500000000000000" pitchFamily="2" charset="-34"/>
-            </a:endParaRPr>
-          </a:p>
-        </p:txBody>
-      </p:sp>
-      <p:sp>
-        <p:nvSpPr>
-          <p:cNvPr id="7" name="TextBox 6">
-            <a:extLst>
-              <a:ext uri="{FF2B5EF4-FFF2-40B4-BE49-F238E27FC236}">
-                <a16:creationId xmlns:a16="http://schemas.microsoft.com/office/drawing/2014/main" id="{E762A583-1EFD-31A4-6405-643F4F476C0A}"/>
-              </a:ext>
-            </a:extLst>
-          </p:cNvPr>
-          <p:cNvSpPr txBox="1"/>
-          <p:nvPr/>
-        </p:nvSpPr>
-        <p:spPr>
-          <a:xfrm>
-            <a:off x="5638800" y="5874480"/>
-            <a:ext cx="914400" cy="461665"/>
-          </a:xfrm>
-          <a:prstGeom prst="rect">
-            <a:avLst/>
-          </a:prstGeom>
-          <a:noFill/>
-        </p:spPr>
-        <p:txBody>
-          <a:bodyPr wrap="square">
-            <a:spAutoFit/>
-          </a:bodyPr>
-          <a:lstStyle/>
-          <a:p>
-            <a:pPr algn="ctr"/>
-            <a:r>
-              <a:rPr lang="ru-RU" sz="2400" dirty="0">
-                <a:latin typeface="Helvetica" panose="020B0604020202020204" pitchFamily="2" charset="0"/>
-              </a:rPr>
-              <a:t>9</a:t>
-            </a:r>
-            <a:r>
-              <a:rPr lang="en-US" sz="2400" dirty="0">
-                <a:latin typeface="Helvetica" panose="020B0604020202020204" pitchFamily="2" charset="0"/>
-              </a:rPr>
-              <a:t>/15</a:t>
-            </a:r>
-            <a:endParaRPr lang="ru-RU" sz="2400" dirty="0"/>
-          </a:p>
-        </p:txBody>
-      </p:sp>
-      <p:pic>
-        <p:nvPicPr>
-          <p:cNvPr id="9" name="Рисунок 8">
-            <a:extLst>
-              <a:ext uri="{FF2B5EF4-FFF2-40B4-BE49-F238E27FC236}">
-                <a16:creationId xmlns:a16="http://schemas.microsoft.com/office/drawing/2014/main" id="{47A36830-DDE4-2E0A-44F4-6CD9A53A7425}"/>
-              </a:ext>
-            </a:extLst>
-          </p:cNvPr>
-          <p:cNvPicPr>
-            <a:picLocks noChangeAspect="1"/>
-          </p:cNvPicPr>
-          <p:nvPr/>
-        </p:nvPicPr>
-        <p:blipFill>
-          <a:blip r:embed="rId3"/>
-          <a:stretch>
-            <a:fillRect/>
-          </a:stretch>
-        </p:blipFill>
-        <p:spPr>
-          <a:xfrm>
-            <a:off x="1184275" y="1558925"/>
-            <a:ext cx="4600479" cy="4315555"/>
+            <a:off x="3736439" y="1043116"/>
+            <a:ext cx="4719121" cy="4524152"/>
           </a:xfrm>
           <a:prstGeom prst="rect">
             <a:avLst/>
@@ -7457,7 +9855,7 @@
     </p:spTree>
     <p:extLst>
       <p:ext uri="{BB962C8B-B14F-4D97-AF65-F5344CB8AC3E}">
-        <p14:creationId xmlns:p14="http://schemas.microsoft.com/office/powerpoint/2010/main" val="4156531222"/>
+        <p14:creationId xmlns:p14="http://schemas.microsoft.com/office/powerpoint/2010/main" val="180260461"/>
       </p:ext>
     </p:extLst>
   </p:cSld>
